--- a/kpi/Automation Testing/Automation Testing_20200320.pptx
+++ b/kpi/Automation Testing/Automation Testing_20200320.pptx
@@ -1101,1301 +1101,7 @@
 </dgm:colorsDef>
 </file>
 
-<file path=ppt/diagrams/colors2.xml><?xml version="1.0" encoding="utf-8"?>
-<dgm:colorsDef xmlns:dgm="http://schemas.openxmlformats.org/drawingml/2006/diagram" xmlns:a="http://schemas.openxmlformats.org/drawingml/2006/main" uniqueId="urn:microsoft.com/office/officeart/2005/8/colors/colorful1">
-  <dgm:title val=""/>
-  <dgm:desc val=""/>
-  <dgm:catLst>
-    <dgm:cat type="colorful" pri="10100"/>
-  </dgm:catLst>
-  <dgm:styleLbl name="node0">
-    <dgm:fillClrLst meth="repeat">
-      <a:schemeClr val="accent1"/>
-    </dgm:fillClrLst>
-    <dgm:linClrLst meth="repeat">
-      <a:schemeClr val="lt1"/>
-    </dgm:linClrLst>
-    <dgm:effectClrLst/>
-    <dgm:txLinClrLst/>
-    <dgm:txFillClrLst/>
-    <dgm:txEffectClrLst/>
-  </dgm:styleLbl>
-  <dgm:styleLbl name="node1">
-    <dgm:fillClrLst meth="repeat">
-      <a:schemeClr val="accent2"/>
-      <a:schemeClr val="accent3"/>
-      <a:schemeClr val="accent4"/>
-      <a:schemeClr val="accent5"/>
-      <a:schemeClr val="accent6"/>
-    </dgm:fillClrLst>
-    <dgm:linClrLst meth="repeat">
-      <a:schemeClr val="lt1"/>
-    </dgm:linClrLst>
-    <dgm:effectClrLst/>
-    <dgm:txLinClrLst/>
-    <dgm:txFillClrLst/>
-    <dgm:txEffectClrLst/>
-  </dgm:styleLbl>
-  <dgm:styleLbl name="alignNode1">
-    <dgm:fillClrLst meth="repeat">
-      <a:schemeClr val="accent2"/>
-      <a:schemeClr val="accent3"/>
-      <a:schemeClr val="accent4"/>
-      <a:schemeClr val="accent5"/>
-      <a:schemeClr val="accent6"/>
-    </dgm:fillClrLst>
-    <dgm:linClrLst meth="repeat">
-      <a:schemeClr val="accent2"/>
-      <a:schemeClr val="accent3"/>
-      <a:schemeClr val="accent4"/>
-      <a:schemeClr val="accent5"/>
-      <a:schemeClr val="accent6"/>
-    </dgm:linClrLst>
-    <dgm:effectClrLst/>
-    <dgm:txLinClrLst/>
-    <dgm:txFillClrLst/>
-    <dgm:txEffectClrLst/>
-  </dgm:styleLbl>
-  <dgm:styleLbl name="lnNode1">
-    <dgm:fillClrLst meth="repeat">
-      <a:schemeClr val="accent2"/>
-      <a:schemeClr val="accent3"/>
-      <a:schemeClr val="accent4"/>
-      <a:schemeClr val="accent5"/>
-      <a:schemeClr val="accent6"/>
-    </dgm:fillClrLst>
-    <dgm:linClrLst meth="repeat">
-      <a:schemeClr val="lt1"/>
-    </dgm:linClrLst>
-    <dgm:effectClrLst/>
-    <dgm:txLinClrLst/>
-    <dgm:txFillClrLst/>
-    <dgm:txEffectClrLst/>
-  </dgm:styleLbl>
-  <dgm:styleLbl name="vennNode1">
-    <dgm:fillClrLst meth="repeat">
-      <a:schemeClr val="accent2">
-        <a:alpha val="50000"/>
-      </a:schemeClr>
-      <a:schemeClr val="accent3">
-        <a:alpha val="50000"/>
-      </a:schemeClr>
-      <a:schemeClr val="accent4">
-        <a:alpha val="50000"/>
-      </a:schemeClr>
-      <a:schemeClr val="accent5">
-        <a:alpha val="50000"/>
-      </a:schemeClr>
-      <a:schemeClr val="accent6">
-        <a:alpha val="50000"/>
-      </a:schemeClr>
-    </dgm:fillClrLst>
-    <dgm:linClrLst meth="repeat">
-      <a:schemeClr val="lt1"/>
-    </dgm:linClrLst>
-    <dgm:effectClrLst/>
-    <dgm:txLinClrLst/>
-    <dgm:txFillClrLst/>
-    <dgm:txEffectClrLst/>
-  </dgm:styleLbl>
-  <dgm:styleLbl name="node2">
-    <dgm:fillClrLst>
-      <a:schemeClr val="accent2"/>
-    </dgm:fillClrLst>
-    <dgm:linClrLst meth="repeat">
-      <a:schemeClr val="lt1"/>
-    </dgm:linClrLst>
-    <dgm:effectClrLst/>
-    <dgm:txLinClrLst/>
-    <dgm:txFillClrLst/>
-    <dgm:txEffectClrLst/>
-  </dgm:styleLbl>
-  <dgm:styleLbl name="node3">
-    <dgm:fillClrLst>
-      <a:schemeClr val="accent3"/>
-    </dgm:fillClrLst>
-    <dgm:linClrLst meth="repeat">
-      <a:schemeClr val="lt1"/>
-    </dgm:linClrLst>
-    <dgm:effectClrLst/>
-    <dgm:txLinClrLst/>
-    <dgm:txFillClrLst/>
-    <dgm:txEffectClrLst/>
-  </dgm:styleLbl>
-  <dgm:styleLbl name="node4">
-    <dgm:fillClrLst>
-      <a:schemeClr val="accent4"/>
-    </dgm:fillClrLst>
-    <dgm:linClrLst meth="repeat">
-      <a:schemeClr val="lt1"/>
-    </dgm:linClrLst>
-    <dgm:effectClrLst/>
-    <dgm:txLinClrLst/>
-    <dgm:txFillClrLst/>
-    <dgm:txEffectClrLst/>
-  </dgm:styleLbl>
-  <dgm:styleLbl name="fgImgPlace1">
-    <dgm:fillClrLst meth="repeat">
-      <a:schemeClr val="accent2">
-        <a:tint val="50000"/>
-      </a:schemeClr>
-      <a:schemeClr val="accent3">
-        <a:tint val="50000"/>
-      </a:schemeClr>
-      <a:schemeClr val="accent4">
-        <a:tint val="50000"/>
-      </a:schemeClr>
-      <a:schemeClr val="accent5">
-        <a:tint val="50000"/>
-      </a:schemeClr>
-      <a:schemeClr val="accent6">
-        <a:tint val="50000"/>
-      </a:schemeClr>
-    </dgm:fillClrLst>
-    <dgm:linClrLst meth="repeat">
-      <a:schemeClr val="lt1"/>
-    </dgm:linClrLst>
-    <dgm:effectClrLst/>
-    <dgm:txLinClrLst/>
-    <dgm:txFillClrLst meth="repeat">
-      <a:schemeClr val="lt1"/>
-    </dgm:txFillClrLst>
-    <dgm:txEffectClrLst/>
-  </dgm:styleLbl>
-  <dgm:styleLbl name="alignImgPlace1">
-    <dgm:fillClrLst>
-      <a:schemeClr val="accent1">
-        <a:tint val="50000"/>
-      </a:schemeClr>
-      <a:schemeClr val="accent2">
-        <a:tint val="20000"/>
-      </a:schemeClr>
-    </dgm:fillClrLst>
-    <dgm:linClrLst meth="repeat">
-      <a:schemeClr val="lt1"/>
-    </dgm:linClrLst>
-    <dgm:effectClrLst/>
-    <dgm:txLinClrLst/>
-    <dgm:txFillClrLst meth="repeat">
-      <a:schemeClr val="lt1"/>
-    </dgm:txFillClrLst>
-    <dgm:txEffectClrLst/>
-  </dgm:styleLbl>
-  <dgm:styleLbl name="bgImgPlace1">
-    <dgm:fillClrLst>
-      <a:schemeClr val="accent1">
-        <a:tint val="50000"/>
-      </a:schemeClr>
-      <a:schemeClr val="accent2">
-        <a:tint val="20000"/>
-      </a:schemeClr>
-    </dgm:fillClrLst>
-    <dgm:linClrLst meth="repeat">
-      <a:schemeClr val="lt1"/>
-    </dgm:linClrLst>
-    <dgm:effectClrLst/>
-    <dgm:txLinClrLst/>
-    <dgm:txFillClrLst meth="repeat">
-      <a:schemeClr val="lt1"/>
-    </dgm:txFillClrLst>
-    <dgm:txEffectClrLst/>
-  </dgm:styleLbl>
-  <dgm:styleLbl name="sibTrans2D1">
-    <dgm:fillClrLst meth="repeat">
-      <a:schemeClr val="accent2"/>
-      <a:schemeClr val="accent3"/>
-      <a:schemeClr val="accent4"/>
-      <a:schemeClr val="accent5"/>
-      <a:schemeClr val="accent6"/>
-    </dgm:fillClrLst>
-    <dgm:linClrLst meth="cycle">
-      <a:schemeClr val="lt1"/>
-    </dgm:linClrLst>
-    <dgm:effectClrLst/>
-    <dgm:txLinClrLst/>
-    <dgm:txFillClrLst/>
-    <dgm:txEffectClrLst/>
-  </dgm:styleLbl>
-  <dgm:styleLbl name="fgSibTrans2D1">
-    <dgm:fillClrLst meth="repeat">
-      <a:schemeClr val="accent2"/>
-      <a:schemeClr val="accent3"/>
-      <a:schemeClr val="accent4"/>
-      <a:schemeClr val="accent5"/>
-      <a:schemeClr val="accent6"/>
-    </dgm:fillClrLst>
-    <dgm:linClrLst meth="cycle">
-      <a:schemeClr val="lt1"/>
-    </dgm:linClrLst>
-    <dgm:effectClrLst/>
-    <dgm:txLinClrLst/>
-    <dgm:txFillClrLst meth="repeat">
-      <a:schemeClr val="lt1"/>
-    </dgm:txFillClrLst>
-    <dgm:txEffectClrLst/>
-  </dgm:styleLbl>
-  <dgm:styleLbl name="bgSibTrans2D1">
-    <dgm:fillClrLst meth="repeat">
-      <a:schemeClr val="accent2"/>
-      <a:schemeClr val="accent3"/>
-      <a:schemeClr val="accent4"/>
-      <a:schemeClr val="accent5"/>
-      <a:schemeClr val="accent6"/>
-    </dgm:fillClrLst>
-    <dgm:linClrLst meth="cycle">
-      <a:schemeClr val="lt1"/>
-    </dgm:linClrLst>
-    <dgm:effectClrLst/>
-    <dgm:txLinClrLst/>
-    <dgm:txFillClrLst meth="repeat">
-      <a:schemeClr val="lt1"/>
-    </dgm:txFillClrLst>
-    <dgm:txEffectClrLst/>
-  </dgm:styleLbl>
-  <dgm:styleLbl name="sibTrans1D1">
-    <dgm:fillClrLst meth="repeat">
-      <a:schemeClr val="accent2"/>
-      <a:schemeClr val="accent3"/>
-      <a:schemeClr val="accent4"/>
-      <a:schemeClr val="accent5"/>
-      <a:schemeClr val="accent6"/>
-    </dgm:fillClrLst>
-    <dgm:linClrLst meth="repeat">
-      <a:schemeClr val="accent2"/>
-      <a:schemeClr val="accent3"/>
-      <a:schemeClr val="accent4"/>
-      <a:schemeClr val="accent5"/>
-      <a:schemeClr val="accent6"/>
-    </dgm:linClrLst>
-    <dgm:effectClrLst/>
-    <dgm:txLinClrLst/>
-    <dgm:txFillClrLst meth="repeat">
-      <a:schemeClr val="tx1"/>
-    </dgm:txFillClrLst>
-    <dgm:txEffectClrLst/>
-  </dgm:styleLbl>
-  <dgm:styleLbl name="callout">
-    <dgm:fillClrLst meth="repeat">
-      <a:schemeClr val="accent2"/>
-    </dgm:fillClrLst>
-    <dgm:linClrLst meth="repeat">
-      <a:schemeClr val="accent2">
-        <a:tint val="50000"/>
-      </a:schemeClr>
-    </dgm:linClrLst>
-    <dgm:effectClrLst/>
-    <dgm:txLinClrLst/>
-    <dgm:txFillClrLst meth="repeat">
-      <a:schemeClr val="tx1"/>
-    </dgm:txFillClrLst>
-    <dgm:txEffectClrLst/>
-  </dgm:styleLbl>
-  <dgm:styleLbl name="asst0">
-    <dgm:fillClrLst meth="repeat">
-      <a:schemeClr val="accent1"/>
-    </dgm:fillClrLst>
-    <dgm:linClrLst meth="repeat">
-      <a:schemeClr val="lt1"/>
-    </dgm:linClrLst>
-    <dgm:effectClrLst/>
-    <dgm:txLinClrLst/>
-    <dgm:txFillClrLst/>
-    <dgm:txEffectClrLst/>
-  </dgm:styleLbl>
-  <dgm:styleLbl name="asst1">
-    <dgm:fillClrLst meth="repeat">
-      <a:schemeClr val="accent2"/>
-    </dgm:fillClrLst>
-    <dgm:linClrLst meth="repeat">
-      <a:schemeClr val="lt1"/>
-    </dgm:linClrLst>
-    <dgm:effectClrLst/>
-    <dgm:txLinClrLst/>
-    <dgm:txFillClrLst/>
-    <dgm:txEffectClrLst/>
-  </dgm:styleLbl>
-  <dgm:styleLbl name="asst2">
-    <dgm:fillClrLst>
-      <a:schemeClr val="accent3"/>
-    </dgm:fillClrLst>
-    <dgm:linClrLst meth="repeat">
-      <a:schemeClr val="lt1"/>
-    </dgm:linClrLst>
-    <dgm:effectClrLst/>
-    <dgm:txLinClrLst/>
-    <dgm:txFillClrLst/>
-    <dgm:txEffectClrLst/>
-  </dgm:styleLbl>
-  <dgm:styleLbl name="asst3">
-    <dgm:fillClrLst>
-      <a:schemeClr val="accent4"/>
-    </dgm:fillClrLst>
-    <dgm:linClrLst meth="repeat">
-      <a:schemeClr val="lt1"/>
-    </dgm:linClrLst>
-    <dgm:effectClrLst/>
-    <dgm:txLinClrLst/>
-    <dgm:txFillClrLst/>
-    <dgm:txEffectClrLst/>
-  </dgm:styleLbl>
-  <dgm:styleLbl name="asst4">
-    <dgm:fillClrLst>
-      <a:schemeClr val="accent5"/>
-    </dgm:fillClrLst>
-    <dgm:linClrLst meth="repeat">
-      <a:schemeClr val="lt1"/>
-    </dgm:linClrLst>
-    <dgm:effectClrLst/>
-    <dgm:txLinClrLst/>
-    <dgm:txFillClrLst/>
-    <dgm:txEffectClrLst/>
-  </dgm:styleLbl>
-  <dgm:styleLbl name="parChTrans2D1">
-    <dgm:fillClrLst meth="repeat">
-      <a:schemeClr val="accent2"/>
-    </dgm:fillClrLst>
-    <dgm:linClrLst meth="repeat">
-      <a:schemeClr val="lt1"/>
-    </dgm:linClrLst>
-    <dgm:effectClrLst/>
-    <dgm:txLinClrLst/>
-    <dgm:txFillClrLst meth="repeat">
-      <a:schemeClr val="lt1"/>
-    </dgm:txFillClrLst>
-    <dgm:txEffectClrLst/>
-  </dgm:styleLbl>
-  <dgm:styleLbl name="parChTrans2D2">
-    <dgm:fillClrLst meth="repeat">
-      <a:schemeClr val="accent3"/>
-    </dgm:fillClrLst>
-    <dgm:linClrLst meth="repeat">
-      <a:schemeClr val="lt1"/>
-    </dgm:linClrLst>
-    <dgm:effectClrLst/>
-    <dgm:txLinClrLst/>
-    <dgm:txFillClrLst/>
-    <dgm:txEffectClrLst/>
-  </dgm:styleLbl>
-  <dgm:styleLbl name="parChTrans2D3">
-    <dgm:fillClrLst meth="repeat">
-      <a:schemeClr val="accent4"/>
-    </dgm:fillClrLst>
-    <dgm:linClrLst meth="repeat">
-      <a:schemeClr val="lt1"/>
-    </dgm:linClrLst>
-    <dgm:effectClrLst/>
-    <dgm:txLinClrLst/>
-    <dgm:txFillClrLst/>
-    <dgm:txEffectClrLst/>
-  </dgm:styleLbl>
-  <dgm:styleLbl name="parChTrans2D4">
-    <dgm:fillClrLst meth="repeat">
-      <a:schemeClr val="accent5"/>
-    </dgm:fillClrLst>
-    <dgm:linClrLst meth="repeat">
-      <a:schemeClr val="lt1"/>
-    </dgm:linClrLst>
-    <dgm:effectClrLst/>
-    <dgm:txLinClrLst/>
-    <dgm:txFillClrLst meth="repeat">
-      <a:schemeClr val="lt1"/>
-    </dgm:txFillClrLst>
-    <dgm:txEffectClrLst/>
-  </dgm:styleLbl>
-  <dgm:styleLbl name="parChTrans1D1">
-    <dgm:fillClrLst meth="repeat">
-      <a:schemeClr val="accent2"/>
-    </dgm:fillClrLst>
-    <dgm:linClrLst meth="repeat">
-      <a:schemeClr val="accent1"/>
-    </dgm:linClrLst>
-    <dgm:effectClrLst/>
-    <dgm:txLinClrLst/>
-    <dgm:txFillClrLst meth="repeat">
-      <a:schemeClr val="tx1"/>
-    </dgm:txFillClrLst>
-    <dgm:txEffectClrLst/>
-  </dgm:styleLbl>
-  <dgm:styleLbl name="parChTrans1D2">
-    <dgm:fillClrLst meth="repeat">
-      <a:schemeClr val="accent3">
-        <a:tint val="90000"/>
-      </a:schemeClr>
-    </dgm:fillClrLst>
-    <dgm:linClrLst meth="repeat">
-      <a:schemeClr val="accent2"/>
-    </dgm:linClrLst>
-    <dgm:effectClrLst/>
-    <dgm:txLinClrLst/>
-    <dgm:txFillClrLst meth="repeat">
-      <a:schemeClr val="tx1"/>
-    </dgm:txFillClrLst>
-    <dgm:txEffectClrLst/>
-  </dgm:styleLbl>
-  <dgm:styleLbl name="parChTrans1D3">
-    <dgm:fillClrLst meth="repeat">
-      <a:schemeClr val="accent4">
-        <a:tint val="70000"/>
-      </a:schemeClr>
-    </dgm:fillClrLst>
-    <dgm:linClrLst meth="repeat">
-      <a:schemeClr val="accent3"/>
-    </dgm:linClrLst>
-    <dgm:effectClrLst/>
-    <dgm:txLinClrLst/>
-    <dgm:txFillClrLst meth="repeat">
-      <a:schemeClr val="tx1"/>
-    </dgm:txFillClrLst>
-    <dgm:txEffectClrLst/>
-  </dgm:styleLbl>
-  <dgm:styleLbl name="parChTrans1D4">
-    <dgm:fillClrLst meth="repeat">
-      <a:schemeClr val="accent5">
-        <a:tint val="50000"/>
-      </a:schemeClr>
-    </dgm:fillClrLst>
-    <dgm:linClrLst meth="repeat">
-      <a:schemeClr val="accent4"/>
-    </dgm:linClrLst>
-    <dgm:effectClrLst/>
-    <dgm:txLinClrLst/>
-    <dgm:txFillClrLst meth="repeat">
-      <a:schemeClr val="tx1"/>
-    </dgm:txFillClrLst>
-    <dgm:txEffectClrLst/>
-  </dgm:styleLbl>
-  <dgm:styleLbl name="fgAcc1">
-    <dgm:fillClrLst meth="repeat">
-      <a:schemeClr val="lt1">
-        <a:alpha val="90000"/>
-      </a:schemeClr>
-    </dgm:fillClrLst>
-    <dgm:linClrLst meth="repeat">
-      <a:schemeClr val="accent2"/>
-      <a:schemeClr val="accent3"/>
-      <a:schemeClr val="accent4"/>
-      <a:schemeClr val="accent5"/>
-      <a:schemeClr val="accent6"/>
-    </dgm:linClrLst>
-    <dgm:effectClrLst/>
-    <dgm:txLinClrLst/>
-    <dgm:txFillClrLst meth="repeat">
-      <a:schemeClr val="dk1"/>
-    </dgm:txFillClrLst>
-    <dgm:txEffectClrLst/>
-  </dgm:styleLbl>
-  <dgm:styleLbl name="conFgAcc1">
-    <dgm:fillClrLst meth="repeat">
-      <a:schemeClr val="lt1">
-        <a:alpha val="90000"/>
-      </a:schemeClr>
-    </dgm:fillClrLst>
-    <dgm:linClrLst meth="repeat">
-      <a:schemeClr val="accent2"/>
-      <a:schemeClr val="accent3"/>
-      <a:schemeClr val="accent4"/>
-      <a:schemeClr val="accent5"/>
-      <a:schemeClr val="accent6"/>
-    </dgm:linClrLst>
-    <dgm:effectClrLst/>
-    <dgm:txLinClrLst/>
-    <dgm:txFillClrLst meth="repeat">
-      <a:schemeClr val="dk1"/>
-    </dgm:txFillClrLst>
-    <dgm:txEffectClrLst/>
-  </dgm:styleLbl>
-  <dgm:styleLbl name="alignAcc1">
-    <dgm:fillClrLst meth="repeat">
-      <a:schemeClr val="lt1">
-        <a:alpha val="90000"/>
-      </a:schemeClr>
-    </dgm:fillClrLst>
-    <dgm:linClrLst meth="repeat">
-      <a:schemeClr val="accent2"/>
-      <a:schemeClr val="accent3"/>
-      <a:schemeClr val="accent4"/>
-      <a:schemeClr val="accent5"/>
-      <a:schemeClr val="accent6"/>
-    </dgm:linClrLst>
-    <dgm:effectClrLst/>
-    <dgm:txLinClrLst/>
-    <dgm:txFillClrLst meth="repeat">
-      <a:schemeClr val="dk1"/>
-    </dgm:txFillClrLst>
-    <dgm:txEffectClrLst/>
-  </dgm:styleLbl>
-  <dgm:styleLbl name="trAlignAcc1">
-    <dgm:fillClrLst meth="repeat">
-      <a:schemeClr val="lt1">
-        <a:alpha val="40000"/>
-      </a:schemeClr>
-    </dgm:fillClrLst>
-    <dgm:linClrLst meth="repeat">
-      <a:schemeClr val="accent1"/>
-    </dgm:linClrLst>
-    <dgm:effectClrLst/>
-    <dgm:txLinClrLst/>
-    <dgm:txFillClrLst meth="repeat">
-      <a:schemeClr val="dk1"/>
-    </dgm:txFillClrLst>
-    <dgm:txEffectClrLst/>
-  </dgm:styleLbl>
-  <dgm:styleLbl name="bgAcc1">
-    <dgm:fillClrLst meth="repeat">
-      <a:schemeClr val="lt1">
-        <a:alpha val="90000"/>
-      </a:schemeClr>
-    </dgm:fillClrLst>
-    <dgm:linClrLst meth="repeat">
-      <a:schemeClr val="accent2"/>
-      <a:schemeClr val="accent3"/>
-      <a:schemeClr val="accent4"/>
-      <a:schemeClr val="accent5"/>
-      <a:schemeClr val="accent6"/>
-    </dgm:linClrLst>
-    <dgm:effectClrLst/>
-    <dgm:txLinClrLst/>
-    <dgm:txFillClrLst meth="repeat">
-      <a:schemeClr val="dk1"/>
-    </dgm:txFillClrLst>
-    <dgm:txEffectClrLst/>
-  </dgm:styleLbl>
-  <dgm:styleLbl name="solidFgAcc1">
-    <dgm:fillClrLst meth="repeat">
-      <a:schemeClr val="lt1"/>
-    </dgm:fillClrLst>
-    <dgm:linClrLst meth="repeat">
-      <a:schemeClr val="accent2"/>
-      <a:schemeClr val="accent3"/>
-      <a:schemeClr val="accent4"/>
-      <a:schemeClr val="accent5"/>
-      <a:schemeClr val="accent6"/>
-    </dgm:linClrLst>
-    <dgm:effectClrLst/>
-    <dgm:txLinClrLst/>
-    <dgm:txFillClrLst meth="repeat">
-      <a:schemeClr val="dk1"/>
-    </dgm:txFillClrLst>
-    <dgm:txEffectClrLst/>
-  </dgm:styleLbl>
-  <dgm:styleLbl name="solidAlignAcc1">
-    <dgm:fillClrLst meth="repeat">
-      <a:schemeClr val="lt1"/>
-    </dgm:fillClrLst>
-    <dgm:linClrLst meth="repeat">
-      <a:schemeClr val="accent2"/>
-      <a:schemeClr val="accent3"/>
-      <a:schemeClr val="accent4"/>
-      <a:schemeClr val="accent5"/>
-      <a:schemeClr val="accent6"/>
-    </dgm:linClrLst>
-    <dgm:effectClrLst/>
-    <dgm:txLinClrLst/>
-    <dgm:txFillClrLst meth="repeat">
-      <a:schemeClr val="dk1"/>
-    </dgm:txFillClrLst>
-    <dgm:txEffectClrLst/>
-  </dgm:styleLbl>
-  <dgm:styleLbl name="solidBgAcc1">
-    <dgm:fillClrLst meth="repeat">
-      <a:schemeClr val="lt1"/>
-    </dgm:fillClrLst>
-    <dgm:linClrLst meth="repeat">
-      <a:schemeClr val="accent2"/>
-      <a:schemeClr val="accent3"/>
-      <a:schemeClr val="accent4"/>
-      <a:schemeClr val="accent5"/>
-      <a:schemeClr val="accent6"/>
-    </dgm:linClrLst>
-    <dgm:effectClrLst/>
-    <dgm:txLinClrLst/>
-    <dgm:txFillClrLst meth="repeat">
-      <a:schemeClr val="dk1"/>
-    </dgm:txFillClrLst>
-    <dgm:txEffectClrLst/>
-  </dgm:styleLbl>
-  <dgm:styleLbl name="fgAccFollowNode1">
-    <dgm:fillClrLst meth="repeat">
-      <a:schemeClr val="accent2">
-        <a:tint val="40000"/>
-        <a:alpha val="90000"/>
-      </a:schemeClr>
-      <a:schemeClr val="accent3">
-        <a:tint val="40000"/>
-        <a:alpha val="90000"/>
-      </a:schemeClr>
-      <a:schemeClr val="accent4">
-        <a:tint val="40000"/>
-        <a:alpha val="90000"/>
-      </a:schemeClr>
-      <a:schemeClr val="accent5">
-        <a:tint val="40000"/>
-        <a:alpha val="90000"/>
-      </a:schemeClr>
-      <a:schemeClr val="accent6">
-        <a:tint val="40000"/>
-        <a:alpha val="90000"/>
-      </a:schemeClr>
-    </dgm:fillClrLst>
-    <dgm:linClrLst meth="repeat">
-      <a:schemeClr val="accent2">
-        <a:tint val="40000"/>
-        <a:alpha val="90000"/>
-      </a:schemeClr>
-      <a:schemeClr val="accent3">
-        <a:tint val="40000"/>
-        <a:alpha val="90000"/>
-      </a:schemeClr>
-      <a:schemeClr val="accent4">
-        <a:tint val="40000"/>
-        <a:alpha val="90000"/>
-      </a:schemeClr>
-      <a:schemeClr val="accent5">
-        <a:tint val="40000"/>
-        <a:alpha val="90000"/>
-      </a:schemeClr>
-      <a:schemeClr val="accent6">
-        <a:tint val="40000"/>
-        <a:alpha val="90000"/>
-      </a:schemeClr>
-    </dgm:linClrLst>
-    <dgm:effectClrLst/>
-    <dgm:txLinClrLst/>
-    <dgm:txFillClrLst meth="repeat">
-      <a:schemeClr val="dk1"/>
-    </dgm:txFillClrLst>
-    <dgm:txEffectClrLst/>
-  </dgm:styleLbl>
-  <dgm:styleLbl name="alignAccFollowNode1">
-    <dgm:fillClrLst meth="repeat">
-      <a:schemeClr val="accent2">
-        <a:tint val="40000"/>
-        <a:alpha val="90000"/>
-      </a:schemeClr>
-      <a:schemeClr val="accent3">
-        <a:tint val="40000"/>
-        <a:alpha val="90000"/>
-      </a:schemeClr>
-      <a:schemeClr val="accent4">
-        <a:tint val="40000"/>
-        <a:alpha val="90000"/>
-      </a:schemeClr>
-      <a:schemeClr val="accent5">
-        <a:tint val="40000"/>
-        <a:alpha val="90000"/>
-      </a:schemeClr>
-      <a:schemeClr val="accent6">
-        <a:tint val="40000"/>
-        <a:alpha val="90000"/>
-      </a:schemeClr>
-    </dgm:fillClrLst>
-    <dgm:linClrLst meth="repeat">
-      <a:schemeClr val="accent2">
-        <a:tint val="40000"/>
-        <a:alpha val="90000"/>
-      </a:schemeClr>
-      <a:schemeClr val="accent3">
-        <a:tint val="40000"/>
-        <a:alpha val="90000"/>
-      </a:schemeClr>
-      <a:schemeClr val="accent4">
-        <a:tint val="40000"/>
-        <a:alpha val="90000"/>
-      </a:schemeClr>
-      <a:schemeClr val="accent5">
-        <a:tint val="40000"/>
-        <a:alpha val="90000"/>
-      </a:schemeClr>
-      <a:schemeClr val="accent6">
-        <a:tint val="40000"/>
-        <a:alpha val="90000"/>
-      </a:schemeClr>
-    </dgm:linClrLst>
-    <dgm:effectClrLst/>
-    <dgm:txLinClrLst/>
-    <dgm:txFillClrLst meth="repeat">
-      <a:schemeClr val="dk1"/>
-    </dgm:txFillClrLst>
-    <dgm:txEffectClrLst/>
-  </dgm:styleLbl>
-  <dgm:styleLbl name="bgAccFollowNode1">
-    <dgm:fillClrLst meth="repeat">
-      <a:schemeClr val="accent2">
-        <a:tint val="40000"/>
-        <a:alpha val="90000"/>
-      </a:schemeClr>
-      <a:schemeClr val="accent3">
-        <a:tint val="40000"/>
-        <a:alpha val="90000"/>
-      </a:schemeClr>
-      <a:schemeClr val="accent4">
-        <a:tint val="40000"/>
-        <a:alpha val="90000"/>
-      </a:schemeClr>
-      <a:schemeClr val="accent5">
-        <a:tint val="40000"/>
-        <a:alpha val="90000"/>
-      </a:schemeClr>
-      <a:schemeClr val="accent6">
-        <a:tint val="40000"/>
-        <a:alpha val="90000"/>
-      </a:schemeClr>
-    </dgm:fillClrLst>
-    <dgm:linClrLst meth="repeat">
-      <a:schemeClr val="accent2">
-        <a:tint val="40000"/>
-        <a:alpha val="90000"/>
-      </a:schemeClr>
-      <a:schemeClr val="accent3">
-        <a:tint val="40000"/>
-        <a:alpha val="90000"/>
-      </a:schemeClr>
-      <a:schemeClr val="accent4">
-        <a:tint val="40000"/>
-        <a:alpha val="90000"/>
-      </a:schemeClr>
-      <a:schemeClr val="accent5">
-        <a:tint val="40000"/>
-        <a:alpha val="90000"/>
-      </a:schemeClr>
-      <a:schemeClr val="accent6">
-        <a:tint val="40000"/>
-        <a:alpha val="90000"/>
-      </a:schemeClr>
-    </dgm:linClrLst>
-    <dgm:effectClrLst/>
-    <dgm:txLinClrLst/>
-    <dgm:txFillClrLst meth="repeat">
-      <a:schemeClr val="dk1"/>
-    </dgm:txFillClrLst>
-    <dgm:txEffectClrLst/>
-  </dgm:styleLbl>
-  <dgm:styleLbl name="fgAcc0">
-    <dgm:fillClrLst meth="repeat">
-      <a:schemeClr val="lt1">
-        <a:alpha val="90000"/>
-      </a:schemeClr>
-    </dgm:fillClrLst>
-    <dgm:linClrLst>
-      <a:schemeClr val="accent1"/>
-    </dgm:linClrLst>
-    <dgm:effectClrLst/>
-    <dgm:txLinClrLst/>
-    <dgm:txFillClrLst meth="repeat">
-      <a:schemeClr val="dk1"/>
-    </dgm:txFillClrLst>
-    <dgm:txEffectClrLst/>
-  </dgm:styleLbl>
-  <dgm:styleLbl name="fgAcc2">
-    <dgm:fillClrLst meth="repeat">
-      <a:schemeClr val="lt1">
-        <a:alpha val="90000"/>
-      </a:schemeClr>
-    </dgm:fillClrLst>
-    <dgm:linClrLst>
-      <a:schemeClr val="accent2"/>
-    </dgm:linClrLst>
-    <dgm:effectClrLst/>
-    <dgm:txLinClrLst/>
-    <dgm:txFillClrLst meth="repeat">
-      <a:schemeClr val="dk1"/>
-    </dgm:txFillClrLst>
-    <dgm:txEffectClrLst/>
-  </dgm:styleLbl>
-  <dgm:styleLbl name="fgAcc3">
-    <dgm:fillClrLst meth="repeat">
-      <a:schemeClr val="lt1">
-        <a:alpha val="90000"/>
-      </a:schemeClr>
-    </dgm:fillClrLst>
-    <dgm:linClrLst>
-      <a:schemeClr val="accent3"/>
-    </dgm:linClrLst>
-    <dgm:effectClrLst/>
-    <dgm:txLinClrLst/>
-    <dgm:txFillClrLst meth="repeat">
-      <a:schemeClr val="dk1"/>
-    </dgm:txFillClrLst>
-    <dgm:txEffectClrLst/>
-  </dgm:styleLbl>
-  <dgm:styleLbl name="fgAcc4">
-    <dgm:fillClrLst meth="repeat">
-      <a:schemeClr val="lt1">
-        <a:alpha val="90000"/>
-      </a:schemeClr>
-    </dgm:fillClrLst>
-    <dgm:linClrLst>
-      <a:schemeClr val="accent4"/>
-    </dgm:linClrLst>
-    <dgm:effectClrLst/>
-    <dgm:txLinClrLst/>
-    <dgm:txFillClrLst meth="repeat">
-      <a:schemeClr val="dk1"/>
-    </dgm:txFillClrLst>
-    <dgm:txEffectClrLst/>
-  </dgm:styleLbl>
-  <dgm:styleLbl name="bgShp">
-    <dgm:fillClrLst meth="repeat">
-      <a:schemeClr val="accent2">
-        <a:tint val="40000"/>
-      </a:schemeClr>
-    </dgm:fillClrLst>
-    <dgm:linClrLst meth="repeat">
-      <a:schemeClr val="dk1"/>
-    </dgm:linClrLst>
-    <dgm:effectClrLst/>
-    <dgm:txLinClrLst/>
-    <dgm:txFillClrLst meth="repeat">
-      <a:schemeClr val="dk1"/>
-    </dgm:txFillClrLst>
-    <dgm:txEffectClrLst/>
-  </dgm:styleLbl>
-  <dgm:styleLbl name="dkBgShp">
-    <dgm:fillClrLst meth="repeat">
-      <a:schemeClr val="accent2">
-        <a:shade val="90000"/>
-      </a:schemeClr>
-    </dgm:fillClrLst>
-    <dgm:linClrLst meth="repeat">
-      <a:schemeClr val="dk1"/>
-    </dgm:linClrLst>
-    <dgm:effectClrLst/>
-    <dgm:txLinClrLst/>
-    <dgm:txFillClrLst meth="repeat">
-      <a:schemeClr val="lt1"/>
-    </dgm:txFillClrLst>
-    <dgm:txEffectClrLst/>
-  </dgm:styleLbl>
-  <dgm:styleLbl name="trBgShp">
-    <dgm:fillClrLst meth="repeat">
-      <a:schemeClr val="accent1">
-        <a:tint val="50000"/>
-        <a:alpha val="40000"/>
-      </a:schemeClr>
-    </dgm:fillClrLst>
-    <dgm:linClrLst meth="repeat">
-      <a:schemeClr val="accent2"/>
-    </dgm:linClrLst>
-    <dgm:effectClrLst/>
-    <dgm:txLinClrLst/>
-    <dgm:txFillClrLst meth="repeat">
-      <a:schemeClr val="lt1"/>
-    </dgm:txFillClrLst>
-    <dgm:txEffectClrLst/>
-  </dgm:styleLbl>
-  <dgm:styleLbl name="fgShp">
-    <dgm:fillClrLst meth="repeat">
-      <a:schemeClr val="accent2">
-        <a:tint val="40000"/>
-      </a:schemeClr>
-    </dgm:fillClrLst>
-    <dgm:linClrLst meth="repeat">
-      <a:schemeClr val="lt1"/>
-    </dgm:linClrLst>
-    <dgm:effectClrLst/>
-    <dgm:txLinClrLst/>
-    <dgm:txFillClrLst meth="repeat">
-      <a:schemeClr val="dk1"/>
-    </dgm:txFillClrLst>
-    <dgm:txEffectClrLst/>
-  </dgm:styleLbl>
-  <dgm:styleLbl name="revTx">
-    <dgm:fillClrLst meth="repeat">
-      <a:schemeClr val="lt1">
-        <a:alpha val="0"/>
-      </a:schemeClr>
-    </dgm:fillClrLst>
-    <dgm:linClrLst meth="repeat">
-      <a:schemeClr val="dk1">
-        <a:alpha val="0"/>
-      </a:schemeClr>
-    </dgm:linClrLst>
-    <dgm:effectClrLst/>
-    <dgm:txLinClrLst/>
-    <dgm:txFillClrLst meth="repeat">
-      <a:schemeClr val="tx1"/>
-    </dgm:txFillClrLst>
-    <dgm:txEffectClrLst/>
-  </dgm:styleLbl>
-</dgm:colorsDef>
-</file>
-
 <file path=ppt/diagrams/data1.xml><?xml version="1.0" encoding="utf-8"?>
-<dgm:dataModel xmlns:dgm="http://schemas.openxmlformats.org/drawingml/2006/diagram" xmlns:a="http://schemas.openxmlformats.org/drawingml/2006/main">
-  <dgm:ptLst>
-    <dgm:pt modelId="{A480834D-F37D-444D-A166-184F8713B3C1}" type="doc">
-      <dgm:prSet loTypeId="urn:microsoft.com/office/officeart/2005/8/layout/vList3" loCatId="list" qsTypeId="urn:microsoft.com/office/officeart/2005/8/quickstyle/3d2" qsCatId="3D" csTypeId="urn:microsoft.com/office/officeart/2005/8/colors/colorful1" csCatId="colorful" phldr="1"/>
-      <dgm:spPr/>
-    </dgm:pt>
-    <dgm:pt modelId="{78B8C188-EF7B-4A4D-8294-CAC7785DA126}">
-      <dgm:prSet phldrT="[文字]" custT="1"/>
-      <dgm:spPr/>
-      <dgm:t>
-        <a:bodyPr/>
-        <a:lstStyle/>
-        <a:p>
-          <a:r>
-            <a:rPr lang="en-US" altLang="zh-TW" sz="2800" dirty="0" smtClean="0"/>
-            <a:t>Cost Reduction</a:t>
-          </a:r>
-          <a:endParaRPr lang="zh-TW" altLang="en-US" sz="2800" dirty="0"/>
-        </a:p>
-      </dgm:t>
-    </dgm:pt>
-    <dgm:pt modelId="{21305A10-45AF-4D44-BF73-B3D0DD26CDF0}" type="parTrans" cxnId="{F5F815A2-C1FB-4BB4-ADF5-D7B1F43D957D}">
-      <dgm:prSet/>
-      <dgm:spPr/>
-      <dgm:t>
-        <a:bodyPr/>
-        <a:lstStyle/>
-        <a:p>
-          <a:endParaRPr lang="zh-TW" altLang="en-US" sz="2800"/>
-        </a:p>
-      </dgm:t>
-    </dgm:pt>
-    <dgm:pt modelId="{9BA163D3-EAF2-40F9-83EA-C451E1D8AA05}" type="sibTrans" cxnId="{F5F815A2-C1FB-4BB4-ADF5-D7B1F43D957D}">
-      <dgm:prSet/>
-      <dgm:spPr/>
-      <dgm:t>
-        <a:bodyPr/>
-        <a:lstStyle/>
-        <a:p>
-          <a:endParaRPr lang="zh-TW" altLang="en-US" sz="2800"/>
-        </a:p>
-      </dgm:t>
-    </dgm:pt>
-    <dgm:pt modelId="{662A3854-140D-4706-BD2F-890E29E1B9D3}">
-      <dgm:prSet phldrT="[文字]" custT="1"/>
-      <dgm:spPr/>
-      <dgm:t>
-        <a:bodyPr/>
-        <a:lstStyle/>
-        <a:p>
-          <a:r>
-            <a:rPr lang="en-US" altLang="zh-TW" sz="2800" dirty="0" smtClean="0"/>
-            <a:t>Repeatability</a:t>
-          </a:r>
-          <a:endParaRPr lang="zh-TW" altLang="en-US" sz="2800" dirty="0"/>
-        </a:p>
-      </dgm:t>
-    </dgm:pt>
-    <dgm:pt modelId="{73DCE387-95F3-4E11-A3FA-BC4706AFF8D6}" type="parTrans" cxnId="{36F80B4D-5129-4F30-9773-CE69F8703974}">
-      <dgm:prSet/>
-      <dgm:spPr/>
-      <dgm:t>
-        <a:bodyPr/>
-        <a:lstStyle/>
-        <a:p>
-          <a:endParaRPr lang="zh-TW" altLang="en-US" sz="2800"/>
-        </a:p>
-      </dgm:t>
-    </dgm:pt>
-    <dgm:pt modelId="{30E2959E-1A20-4755-B037-51E7D680CB5E}" type="sibTrans" cxnId="{36F80B4D-5129-4F30-9773-CE69F8703974}">
-      <dgm:prSet/>
-      <dgm:spPr/>
-      <dgm:t>
-        <a:bodyPr/>
-        <a:lstStyle/>
-        <a:p>
-          <a:endParaRPr lang="zh-TW" altLang="en-US" sz="2800"/>
-        </a:p>
-      </dgm:t>
-    </dgm:pt>
-    <dgm:pt modelId="{68C7A4FA-8BD3-4978-8287-EF4B54AD6709}">
-      <dgm:prSet phldrT="[文字]" custT="1"/>
-      <dgm:spPr/>
-      <dgm:t>
-        <a:bodyPr/>
-        <a:lstStyle/>
-        <a:p>
-          <a:r>
-            <a:rPr lang="en-US" altLang="zh-TW" sz="2800" dirty="0" smtClean="0"/>
-            <a:t>Programmable</a:t>
-          </a:r>
-          <a:endParaRPr lang="zh-TW" altLang="en-US" sz="2800" dirty="0"/>
-        </a:p>
-      </dgm:t>
-    </dgm:pt>
-    <dgm:pt modelId="{A1C96B7C-550F-43A5-ABF4-7AF46B0CC8F8}" type="parTrans" cxnId="{3443E7B4-1FC3-4B5E-8916-E4CF0412FEB0}">
-      <dgm:prSet/>
-      <dgm:spPr/>
-      <dgm:t>
-        <a:bodyPr/>
-        <a:lstStyle/>
-        <a:p>
-          <a:endParaRPr lang="zh-TW" altLang="en-US" sz="2800"/>
-        </a:p>
-      </dgm:t>
-    </dgm:pt>
-    <dgm:pt modelId="{AD519AFC-ADDF-46CC-92E3-CE75FC743E6F}" type="sibTrans" cxnId="{3443E7B4-1FC3-4B5E-8916-E4CF0412FEB0}">
-      <dgm:prSet/>
-      <dgm:spPr/>
-      <dgm:t>
-        <a:bodyPr/>
-        <a:lstStyle/>
-        <a:p>
-          <a:endParaRPr lang="zh-TW" altLang="en-US" sz="2800"/>
-        </a:p>
-      </dgm:t>
-    </dgm:pt>
-    <dgm:pt modelId="{C1FB75EA-860D-46A4-8E27-4F665AB72BAA}">
-      <dgm:prSet phldrT="[文字]" custT="1"/>
-      <dgm:spPr/>
-      <dgm:t>
-        <a:bodyPr/>
-        <a:lstStyle/>
-        <a:p>
-          <a:r>
-            <a:rPr lang="en-US" altLang="zh-TW" sz="2800" dirty="0" smtClean="0"/>
-            <a:t>Reusable</a:t>
-          </a:r>
-          <a:endParaRPr lang="zh-TW" altLang="en-US" sz="2800" dirty="0"/>
-        </a:p>
-      </dgm:t>
-    </dgm:pt>
-    <dgm:pt modelId="{49491939-A255-49ED-9542-B724C453DA5A}" type="parTrans" cxnId="{C9C1D8F3-0655-405E-9DE1-F18F771C3CB8}">
-      <dgm:prSet/>
-      <dgm:spPr/>
-      <dgm:t>
-        <a:bodyPr/>
-        <a:lstStyle/>
-        <a:p>
-          <a:endParaRPr lang="zh-TW" altLang="en-US" sz="2800"/>
-        </a:p>
-      </dgm:t>
-    </dgm:pt>
-    <dgm:pt modelId="{1B42301E-52D9-4BD1-AFD8-250F9E881158}" type="sibTrans" cxnId="{C9C1D8F3-0655-405E-9DE1-F18F771C3CB8}">
-      <dgm:prSet/>
-      <dgm:spPr/>
-      <dgm:t>
-        <a:bodyPr/>
-        <a:lstStyle/>
-        <a:p>
-          <a:endParaRPr lang="zh-TW" altLang="en-US" sz="2800"/>
-        </a:p>
-      </dgm:t>
-    </dgm:pt>
-    <dgm:pt modelId="{1AFA6068-8F0E-4967-9B39-520EBB49283E}">
-      <dgm:prSet phldrT="[文字]" custT="1"/>
-      <dgm:spPr/>
-      <dgm:t>
-        <a:bodyPr/>
-        <a:lstStyle/>
-        <a:p>
-          <a:r>
-            <a:rPr lang="en-US" altLang="zh-TW" sz="2800" dirty="0" smtClean="0"/>
-            <a:t>Quality</a:t>
-          </a:r>
-          <a:endParaRPr lang="zh-TW" altLang="en-US" sz="2800" dirty="0"/>
-        </a:p>
-      </dgm:t>
-    </dgm:pt>
-    <dgm:pt modelId="{7D12C840-F35E-491F-B7FB-D25543059CF4}" type="parTrans" cxnId="{FD105C7D-1B65-40F8-B08A-71E4A1ADD743}">
-      <dgm:prSet/>
-      <dgm:spPr/>
-      <dgm:t>
-        <a:bodyPr/>
-        <a:lstStyle/>
-        <a:p>
-          <a:endParaRPr lang="zh-TW" altLang="en-US" sz="2800"/>
-        </a:p>
-      </dgm:t>
-    </dgm:pt>
-    <dgm:pt modelId="{75E3C689-EC81-4DCD-B3EB-50E3BAF96718}" type="sibTrans" cxnId="{FD105C7D-1B65-40F8-B08A-71E4A1ADD743}">
-      <dgm:prSet/>
-      <dgm:spPr/>
-      <dgm:t>
-        <a:bodyPr/>
-        <a:lstStyle/>
-        <a:p>
-          <a:endParaRPr lang="zh-TW" altLang="en-US" sz="2800"/>
-        </a:p>
-      </dgm:t>
-    </dgm:pt>
-    <dgm:pt modelId="{1ED9DC1A-6F8F-434B-BF94-2E9642259686}" type="pres">
-      <dgm:prSet presAssocID="{A480834D-F37D-444D-A166-184F8713B3C1}" presName="linearFlow" presStyleCnt="0">
-        <dgm:presLayoutVars>
-          <dgm:dir/>
-          <dgm:resizeHandles val="exact"/>
-        </dgm:presLayoutVars>
-      </dgm:prSet>
-      <dgm:spPr/>
-    </dgm:pt>
-    <dgm:pt modelId="{E8AE38CB-DC29-40B2-803B-A60334655FDD}" type="pres">
-      <dgm:prSet presAssocID="{78B8C188-EF7B-4A4D-8294-CAC7785DA126}" presName="composite" presStyleCnt="0"/>
-      <dgm:spPr/>
-    </dgm:pt>
-    <dgm:pt modelId="{7DA84A4A-8DCD-4985-B830-DBE74280BF11}" type="pres">
-      <dgm:prSet presAssocID="{78B8C188-EF7B-4A4D-8294-CAC7785DA126}" presName="imgShp" presStyleLbl="fgImgPlace1" presStyleIdx="0" presStyleCnt="5"/>
-      <dgm:spPr/>
-    </dgm:pt>
-    <dgm:pt modelId="{CB231147-FA31-4265-9D98-857F671B1B97}" type="pres">
-      <dgm:prSet presAssocID="{78B8C188-EF7B-4A4D-8294-CAC7785DA126}" presName="txShp" presStyleLbl="node1" presStyleIdx="0" presStyleCnt="5">
-        <dgm:presLayoutVars>
-          <dgm:bulletEnabled val="1"/>
-        </dgm:presLayoutVars>
-      </dgm:prSet>
-      <dgm:spPr/>
-      <dgm:t>
-        <a:bodyPr/>
-        <a:lstStyle/>
-        <a:p>
-          <a:endParaRPr lang="zh-TW" altLang="en-US"/>
-        </a:p>
-      </dgm:t>
-    </dgm:pt>
-    <dgm:pt modelId="{855B0B68-B5AD-4FC1-94FA-03851126244B}" type="pres">
-      <dgm:prSet presAssocID="{9BA163D3-EAF2-40F9-83EA-C451E1D8AA05}" presName="spacing" presStyleCnt="0"/>
-      <dgm:spPr/>
-    </dgm:pt>
-    <dgm:pt modelId="{D9B0A2FC-0CC3-4043-965F-6B546079F87B}" type="pres">
-      <dgm:prSet presAssocID="{662A3854-140D-4706-BD2F-890E29E1B9D3}" presName="composite" presStyleCnt="0"/>
-      <dgm:spPr/>
-    </dgm:pt>
-    <dgm:pt modelId="{C302873E-AB9F-4127-9C4F-554C10632612}" type="pres">
-      <dgm:prSet presAssocID="{662A3854-140D-4706-BD2F-890E29E1B9D3}" presName="imgShp" presStyleLbl="fgImgPlace1" presStyleIdx="1" presStyleCnt="5"/>
-      <dgm:spPr/>
-    </dgm:pt>
-    <dgm:pt modelId="{DCE99758-71AA-48A5-8C32-EB08D138F67B}" type="pres">
-      <dgm:prSet presAssocID="{662A3854-140D-4706-BD2F-890E29E1B9D3}" presName="txShp" presStyleLbl="node1" presStyleIdx="1" presStyleCnt="5">
-        <dgm:presLayoutVars>
-          <dgm:bulletEnabled val="1"/>
-        </dgm:presLayoutVars>
-      </dgm:prSet>
-      <dgm:spPr/>
-      <dgm:t>
-        <a:bodyPr/>
-        <a:lstStyle/>
-        <a:p>
-          <a:endParaRPr lang="zh-TW" altLang="en-US"/>
-        </a:p>
-      </dgm:t>
-    </dgm:pt>
-    <dgm:pt modelId="{C2DCCFB2-717A-45DD-B7E1-06255A21C7EB}" type="pres">
-      <dgm:prSet presAssocID="{30E2959E-1A20-4755-B037-51E7D680CB5E}" presName="spacing" presStyleCnt="0"/>
-      <dgm:spPr/>
-    </dgm:pt>
-    <dgm:pt modelId="{5A248C64-C000-4CCA-AB7F-F84B46DFACAC}" type="pres">
-      <dgm:prSet presAssocID="{68C7A4FA-8BD3-4978-8287-EF4B54AD6709}" presName="composite" presStyleCnt="0"/>
-      <dgm:spPr/>
-    </dgm:pt>
-    <dgm:pt modelId="{491F2303-7F1E-42D7-86E9-987E0CC40181}" type="pres">
-      <dgm:prSet presAssocID="{68C7A4FA-8BD3-4978-8287-EF4B54AD6709}" presName="imgShp" presStyleLbl="fgImgPlace1" presStyleIdx="2" presStyleCnt="5"/>
-      <dgm:spPr/>
-    </dgm:pt>
-    <dgm:pt modelId="{0992AF58-473F-46B7-B531-20F6F159B7E2}" type="pres">
-      <dgm:prSet presAssocID="{68C7A4FA-8BD3-4978-8287-EF4B54AD6709}" presName="txShp" presStyleLbl="node1" presStyleIdx="2" presStyleCnt="5">
-        <dgm:presLayoutVars>
-          <dgm:bulletEnabled val="1"/>
-        </dgm:presLayoutVars>
-      </dgm:prSet>
-      <dgm:spPr/>
-      <dgm:t>
-        <a:bodyPr/>
-        <a:lstStyle/>
-        <a:p>
-          <a:endParaRPr lang="zh-TW" altLang="en-US"/>
-        </a:p>
-      </dgm:t>
-    </dgm:pt>
-    <dgm:pt modelId="{CC69F5C5-68A7-4EF5-A7B7-CEEACD979E9E}" type="pres">
-      <dgm:prSet presAssocID="{AD519AFC-ADDF-46CC-92E3-CE75FC743E6F}" presName="spacing" presStyleCnt="0"/>
-      <dgm:spPr/>
-    </dgm:pt>
-    <dgm:pt modelId="{45968C06-1637-4A34-A07A-07ACC21130A5}" type="pres">
-      <dgm:prSet presAssocID="{C1FB75EA-860D-46A4-8E27-4F665AB72BAA}" presName="composite" presStyleCnt="0"/>
-      <dgm:spPr/>
-    </dgm:pt>
-    <dgm:pt modelId="{F2C24901-5B87-4AB7-978D-1A316F44CDB1}" type="pres">
-      <dgm:prSet presAssocID="{C1FB75EA-860D-46A4-8E27-4F665AB72BAA}" presName="imgShp" presStyleLbl="fgImgPlace1" presStyleIdx="3" presStyleCnt="5"/>
-      <dgm:spPr/>
-    </dgm:pt>
-    <dgm:pt modelId="{D8BE9F51-8FFE-43B5-9342-4962109D3BA1}" type="pres">
-      <dgm:prSet presAssocID="{C1FB75EA-860D-46A4-8E27-4F665AB72BAA}" presName="txShp" presStyleLbl="node1" presStyleIdx="3" presStyleCnt="5">
-        <dgm:presLayoutVars>
-          <dgm:bulletEnabled val="1"/>
-        </dgm:presLayoutVars>
-      </dgm:prSet>
-      <dgm:spPr/>
-      <dgm:t>
-        <a:bodyPr/>
-        <a:lstStyle/>
-        <a:p>
-          <a:endParaRPr lang="zh-TW" altLang="en-US"/>
-        </a:p>
-      </dgm:t>
-    </dgm:pt>
-    <dgm:pt modelId="{33C7745E-69A5-42A4-8F84-DA4FF5B179EA}" type="pres">
-      <dgm:prSet presAssocID="{1B42301E-52D9-4BD1-AFD8-250F9E881158}" presName="spacing" presStyleCnt="0"/>
-      <dgm:spPr/>
-    </dgm:pt>
-    <dgm:pt modelId="{8BAFD4A9-5E1E-41E8-833E-17E6AABDDEE3}" type="pres">
-      <dgm:prSet presAssocID="{1AFA6068-8F0E-4967-9B39-520EBB49283E}" presName="composite" presStyleCnt="0"/>
-      <dgm:spPr/>
-    </dgm:pt>
-    <dgm:pt modelId="{BBB20526-1BAF-4740-B4DB-44E0CDA7F8E4}" type="pres">
-      <dgm:prSet presAssocID="{1AFA6068-8F0E-4967-9B39-520EBB49283E}" presName="imgShp" presStyleLbl="fgImgPlace1" presStyleIdx="4" presStyleCnt="5"/>
-      <dgm:spPr/>
-    </dgm:pt>
-    <dgm:pt modelId="{151AC121-E54F-43C2-A54C-385CB2036B45}" type="pres">
-      <dgm:prSet presAssocID="{1AFA6068-8F0E-4967-9B39-520EBB49283E}" presName="txShp" presStyleLbl="node1" presStyleIdx="4" presStyleCnt="5">
-        <dgm:presLayoutVars>
-          <dgm:bulletEnabled val="1"/>
-        </dgm:presLayoutVars>
-      </dgm:prSet>
-      <dgm:spPr/>
-      <dgm:t>
-        <a:bodyPr/>
-        <a:lstStyle/>
-        <a:p>
-          <a:endParaRPr lang="zh-TW" altLang="en-US"/>
-        </a:p>
-      </dgm:t>
-    </dgm:pt>
-  </dgm:ptLst>
-  <dgm:cxnLst>
-    <dgm:cxn modelId="{3443E7B4-1FC3-4B5E-8916-E4CF0412FEB0}" srcId="{A480834D-F37D-444D-A166-184F8713B3C1}" destId="{68C7A4FA-8BD3-4978-8287-EF4B54AD6709}" srcOrd="2" destOrd="0" parTransId="{A1C96B7C-550F-43A5-ABF4-7AF46B0CC8F8}" sibTransId="{AD519AFC-ADDF-46CC-92E3-CE75FC743E6F}"/>
-    <dgm:cxn modelId="{FD105C7D-1B65-40F8-B08A-71E4A1ADD743}" srcId="{A480834D-F37D-444D-A166-184F8713B3C1}" destId="{1AFA6068-8F0E-4967-9B39-520EBB49283E}" srcOrd="4" destOrd="0" parTransId="{7D12C840-F35E-491F-B7FB-D25543059CF4}" sibTransId="{75E3C689-EC81-4DCD-B3EB-50E3BAF96718}"/>
-    <dgm:cxn modelId="{D11C2FF0-6688-4A13-94A2-A71AABE8A0CE}" type="presOf" srcId="{68C7A4FA-8BD3-4978-8287-EF4B54AD6709}" destId="{0992AF58-473F-46B7-B531-20F6F159B7E2}" srcOrd="0" destOrd="0" presId="urn:microsoft.com/office/officeart/2005/8/layout/vList3"/>
-    <dgm:cxn modelId="{C9C1D8F3-0655-405E-9DE1-F18F771C3CB8}" srcId="{A480834D-F37D-444D-A166-184F8713B3C1}" destId="{C1FB75EA-860D-46A4-8E27-4F665AB72BAA}" srcOrd="3" destOrd="0" parTransId="{49491939-A255-49ED-9542-B724C453DA5A}" sibTransId="{1B42301E-52D9-4BD1-AFD8-250F9E881158}"/>
-    <dgm:cxn modelId="{CA0FD436-BFC4-404A-B65A-24EA9CE20FFB}" type="presOf" srcId="{A480834D-F37D-444D-A166-184F8713B3C1}" destId="{1ED9DC1A-6F8F-434B-BF94-2E9642259686}" srcOrd="0" destOrd="0" presId="urn:microsoft.com/office/officeart/2005/8/layout/vList3"/>
-    <dgm:cxn modelId="{F5F815A2-C1FB-4BB4-ADF5-D7B1F43D957D}" srcId="{A480834D-F37D-444D-A166-184F8713B3C1}" destId="{78B8C188-EF7B-4A4D-8294-CAC7785DA126}" srcOrd="0" destOrd="0" parTransId="{21305A10-45AF-4D44-BF73-B3D0DD26CDF0}" sibTransId="{9BA163D3-EAF2-40F9-83EA-C451E1D8AA05}"/>
-    <dgm:cxn modelId="{36F80B4D-5129-4F30-9773-CE69F8703974}" srcId="{A480834D-F37D-444D-A166-184F8713B3C1}" destId="{662A3854-140D-4706-BD2F-890E29E1B9D3}" srcOrd="1" destOrd="0" parTransId="{73DCE387-95F3-4E11-A3FA-BC4706AFF8D6}" sibTransId="{30E2959E-1A20-4755-B037-51E7D680CB5E}"/>
-    <dgm:cxn modelId="{0B13961B-2A4C-4540-9F2B-E34E1E611DCB}" type="presOf" srcId="{C1FB75EA-860D-46A4-8E27-4F665AB72BAA}" destId="{D8BE9F51-8FFE-43B5-9342-4962109D3BA1}" srcOrd="0" destOrd="0" presId="urn:microsoft.com/office/officeart/2005/8/layout/vList3"/>
-    <dgm:cxn modelId="{C22E133F-1A7D-41E8-9A1B-AF5102229E5D}" type="presOf" srcId="{1AFA6068-8F0E-4967-9B39-520EBB49283E}" destId="{151AC121-E54F-43C2-A54C-385CB2036B45}" srcOrd="0" destOrd="0" presId="urn:microsoft.com/office/officeart/2005/8/layout/vList3"/>
-    <dgm:cxn modelId="{AFF5FDEC-224D-4557-B900-56BF1838DD53}" type="presOf" srcId="{662A3854-140D-4706-BD2F-890E29E1B9D3}" destId="{DCE99758-71AA-48A5-8C32-EB08D138F67B}" srcOrd="0" destOrd="0" presId="urn:microsoft.com/office/officeart/2005/8/layout/vList3"/>
-    <dgm:cxn modelId="{A32EC60A-17B8-44C3-810D-0470576958A5}" type="presOf" srcId="{78B8C188-EF7B-4A4D-8294-CAC7785DA126}" destId="{CB231147-FA31-4265-9D98-857F671B1B97}" srcOrd="0" destOrd="0" presId="urn:microsoft.com/office/officeart/2005/8/layout/vList3"/>
-    <dgm:cxn modelId="{71E72955-9E8B-4F72-A84F-2E4423DE7B54}" type="presParOf" srcId="{1ED9DC1A-6F8F-434B-BF94-2E9642259686}" destId="{E8AE38CB-DC29-40B2-803B-A60334655FDD}" srcOrd="0" destOrd="0" presId="urn:microsoft.com/office/officeart/2005/8/layout/vList3"/>
-    <dgm:cxn modelId="{E4344C1C-B55E-43CF-8D68-2F119EA93106}" type="presParOf" srcId="{E8AE38CB-DC29-40B2-803B-A60334655FDD}" destId="{7DA84A4A-8DCD-4985-B830-DBE74280BF11}" srcOrd="0" destOrd="0" presId="urn:microsoft.com/office/officeart/2005/8/layout/vList3"/>
-    <dgm:cxn modelId="{5444B0E2-59F7-4C58-ADE6-4CA0B4BB25B8}" type="presParOf" srcId="{E8AE38CB-DC29-40B2-803B-A60334655FDD}" destId="{CB231147-FA31-4265-9D98-857F671B1B97}" srcOrd="1" destOrd="0" presId="urn:microsoft.com/office/officeart/2005/8/layout/vList3"/>
-    <dgm:cxn modelId="{BE75E15B-A4C4-4CB3-A559-F4DAF7DFFFD2}" type="presParOf" srcId="{1ED9DC1A-6F8F-434B-BF94-2E9642259686}" destId="{855B0B68-B5AD-4FC1-94FA-03851126244B}" srcOrd="1" destOrd="0" presId="urn:microsoft.com/office/officeart/2005/8/layout/vList3"/>
-    <dgm:cxn modelId="{3A9DBFAA-45A7-4B1C-AEF8-243BC1519C48}" type="presParOf" srcId="{1ED9DC1A-6F8F-434B-BF94-2E9642259686}" destId="{D9B0A2FC-0CC3-4043-965F-6B546079F87B}" srcOrd="2" destOrd="0" presId="urn:microsoft.com/office/officeart/2005/8/layout/vList3"/>
-    <dgm:cxn modelId="{F127121A-5F9A-4F26-AD66-2B83ABA5ACF6}" type="presParOf" srcId="{D9B0A2FC-0CC3-4043-965F-6B546079F87B}" destId="{C302873E-AB9F-4127-9C4F-554C10632612}" srcOrd="0" destOrd="0" presId="urn:microsoft.com/office/officeart/2005/8/layout/vList3"/>
-    <dgm:cxn modelId="{72B5A5E6-0DDC-481E-B8C2-5B4646C7BAB0}" type="presParOf" srcId="{D9B0A2FC-0CC3-4043-965F-6B546079F87B}" destId="{DCE99758-71AA-48A5-8C32-EB08D138F67B}" srcOrd="1" destOrd="0" presId="urn:microsoft.com/office/officeart/2005/8/layout/vList3"/>
-    <dgm:cxn modelId="{561F5D04-6609-4086-A609-429D87EDC3DF}" type="presParOf" srcId="{1ED9DC1A-6F8F-434B-BF94-2E9642259686}" destId="{C2DCCFB2-717A-45DD-B7E1-06255A21C7EB}" srcOrd="3" destOrd="0" presId="urn:microsoft.com/office/officeart/2005/8/layout/vList3"/>
-    <dgm:cxn modelId="{BC3201CE-E527-461B-B445-1AA581B50A6C}" type="presParOf" srcId="{1ED9DC1A-6F8F-434B-BF94-2E9642259686}" destId="{5A248C64-C000-4CCA-AB7F-F84B46DFACAC}" srcOrd="4" destOrd="0" presId="urn:microsoft.com/office/officeart/2005/8/layout/vList3"/>
-    <dgm:cxn modelId="{1342E6F2-1664-41A3-9799-59B931AA4846}" type="presParOf" srcId="{5A248C64-C000-4CCA-AB7F-F84B46DFACAC}" destId="{491F2303-7F1E-42D7-86E9-987E0CC40181}" srcOrd="0" destOrd="0" presId="urn:microsoft.com/office/officeart/2005/8/layout/vList3"/>
-    <dgm:cxn modelId="{C5DEBDF9-89D4-4608-8EB6-2F77C6E1525B}" type="presParOf" srcId="{5A248C64-C000-4CCA-AB7F-F84B46DFACAC}" destId="{0992AF58-473F-46B7-B531-20F6F159B7E2}" srcOrd="1" destOrd="0" presId="urn:microsoft.com/office/officeart/2005/8/layout/vList3"/>
-    <dgm:cxn modelId="{37517BA2-3218-4BCB-86C4-5351447CAEB0}" type="presParOf" srcId="{1ED9DC1A-6F8F-434B-BF94-2E9642259686}" destId="{CC69F5C5-68A7-4EF5-A7B7-CEEACD979E9E}" srcOrd="5" destOrd="0" presId="urn:microsoft.com/office/officeart/2005/8/layout/vList3"/>
-    <dgm:cxn modelId="{E57C4017-053D-401B-9D2C-52D112CB98CB}" type="presParOf" srcId="{1ED9DC1A-6F8F-434B-BF94-2E9642259686}" destId="{45968C06-1637-4A34-A07A-07ACC21130A5}" srcOrd="6" destOrd="0" presId="urn:microsoft.com/office/officeart/2005/8/layout/vList3"/>
-    <dgm:cxn modelId="{8A29DAC8-F781-4DBC-9EAB-E3E52BE55A59}" type="presParOf" srcId="{45968C06-1637-4A34-A07A-07ACC21130A5}" destId="{F2C24901-5B87-4AB7-978D-1A316F44CDB1}" srcOrd="0" destOrd="0" presId="urn:microsoft.com/office/officeart/2005/8/layout/vList3"/>
-    <dgm:cxn modelId="{718DCA0A-1EE9-4216-965C-7EB383D4C7D5}" type="presParOf" srcId="{45968C06-1637-4A34-A07A-07ACC21130A5}" destId="{D8BE9F51-8FFE-43B5-9342-4962109D3BA1}" srcOrd="1" destOrd="0" presId="urn:microsoft.com/office/officeart/2005/8/layout/vList3"/>
-    <dgm:cxn modelId="{13C0681D-9637-44F4-A881-A3BFEAD46C6D}" type="presParOf" srcId="{1ED9DC1A-6F8F-434B-BF94-2E9642259686}" destId="{33C7745E-69A5-42A4-8F84-DA4FF5B179EA}" srcOrd="7" destOrd="0" presId="urn:microsoft.com/office/officeart/2005/8/layout/vList3"/>
-    <dgm:cxn modelId="{008FC0EB-0ADE-411F-98E0-A20F57CA457C}" type="presParOf" srcId="{1ED9DC1A-6F8F-434B-BF94-2E9642259686}" destId="{8BAFD4A9-5E1E-41E8-833E-17E6AABDDEE3}" srcOrd="8" destOrd="0" presId="urn:microsoft.com/office/officeart/2005/8/layout/vList3"/>
-    <dgm:cxn modelId="{D34E2716-FABD-47D5-B17C-F83212C4CD2B}" type="presParOf" srcId="{8BAFD4A9-5E1E-41E8-833E-17E6AABDDEE3}" destId="{BBB20526-1BAF-4740-B4DB-44E0CDA7F8E4}" srcOrd="0" destOrd="0" presId="urn:microsoft.com/office/officeart/2005/8/layout/vList3"/>
-    <dgm:cxn modelId="{97720A99-6145-4F50-9EB5-33DB0B2FD03D}" type="presParOf" srcId="{8BAFD4A9-5E1E-41E8-833E-17E6AABDDEE3}" destId="{151AC121-E54F-43C2-A54C-385CB2036B45}" srcOrd="1" destOrd="0" presId="urn:microsoft.com/office/officeart/2005/8/layout/vList3"/>
-  </dgm:cxnLst>
-  <dgm:bg/>
-  <dgm:whole/>
-  <dgm:extLst>
-    <a:ext uri="http://schemas.microsoft.com/office/drawing/2008/diagram">
-      <dsp:dataModelExt xmlns:dsp="http://schemas.microsoft.com/office/drawing/2008/diagram" relId="rId7" minVer="http://schemas.openxmlformats.org/drawingml/2006/diagram"/>
-    </a:ext>
-  </dgm:extLst>
-</dgm:dataModel>
-</file>
-
-<file path=ppt/diagrams/data2.xml><?xml version="1.0" encoding="utf-8"?>
 <dgm:dataModel xmlns:dgm="http://schemas.openxmlformats.org/drawingml/2006/diagram" xmlns:a="http://schemas.openxmlformats.org/drawingml/2006/main">
   <dgm:ptLst>
     <dgm:pt modelId="{3966B3BC-C636-4AB6-8474-50E59A91F435}" type="doc">
@@ -2939,833 +1645,6 @@
       <dsp:cNvGrpSpPr/>
     </dsp:nvGrpSpPr>
     <dsp:grpSpPr/>
-    <dsp:sp modelId="{CB231147-FA31-4265-9D98-857F671B1B97}">
-      <dsp:nvSpPr>
-        <dsp:cNvPr id="0" name=""/>
-        <dsp:cNvSpPr/>
-      </dsp:nvSpPr>
-      <dsp:spPr>
-        <a:xfrm rot="10800000">
-          <a:off x="901859" y="2068"/>
-          <a:ext cx="2994241" cy="590682"/>
-        </a:xfrm>
-        <a:prstGeom prst="homePlate">
-          <a:avLst/>
-        </a:prstGeom>
-        <a:gradFill rotWithShape="0">
-          <a:gsLst>
-            <a:gs pos="0">
-              <a:schemeClr val="accent2">
-                <a:hueOff val="0"/>
-                <a:satOff val="0"/>
-                <a:lumOff val="0"/>
-                <a:alphaOff val="0"/>
-                <a:shade val="51000"/>
-                <a:satMod val="130000"/>
-              </a:schemeClr>
-            </a:gs>
-            <a:gs pos="80000">
-              <a:schemeClr val="accent2">
-                <a:hueOff val="0"/>
-                <a:satOff val="0"/>
-                <a:lumOff val="0"/>
-                <a:alphaOff val="0"/>
-                <a:shade val="93000"/>
-                <a:satMod val="130000"/>
-              </a:schemeClr>
-            </a:gs>
-            <a:gs pos="100000">
-              <a:schemeClr val="accent2">
-                <a:hueOff val="0"/>
-                <a:satOff val="0"/>
-                <a:lumOff val="0"/>
-                <a:alphaOff val="0"/>
-                <a:shade val="94000"/>
-                <a:satMod val="135000"/>
-              </a:schemeClr>
-            </a:gs>
-          </a:gsLst>
-          <a:lin ang="16200000" scaled="0"/>
-        </a:gradFill>
-        <a:ln>
-          <a:noFill/>
-        </a:ln>
-        <a:effectLst>
-          <a:outerShdw blurRad="40000" dist="23000" dir="5400000" rotWithShape="0">
-            <a:srgbClr val="000000">
-              <a:alpha val="35000"/>
-            </a:srgbClr>
-          </a:outerShdw>
-        </a:effectLst>
-        <a:scene3d>
-          <a:camera prst="orthographicFront"/>
-          <a:lightRig rig="threePt" dir="t">
-            <a:rot lat="0" lon="0" rev="7500000"/>
-          </a:lightRig>
-        </a:scene3d>
-        <a:sp3d prstMaterial="plastic">
-          <a:bevelT w="127000" h="25400" prst="relaxedInset"/>
-        </a:sp3d>
-      </dsp:spPr>
-      <dsp:style>
-        <a:lnRef idx="0">
-          <a:scrgbClr r="0" g="0" b="0"/>
-        </a:lnRef>
-        <a:fillRef idx="3">
-          <a:scrgbClr r="0" g="0" b="0"/>
-        </a:fillRef>
-        <a:effectRef idx="2">
-          <a:scrgbClr r="0" g="0" b="0"/>
-        </a:effectRef>
-        <a:fontRef idx="minor">
-          <a:schemeClr val="lt1"/>
-        </a:fontRef>
-      </dsp:style>
-      <dsp:txBody>
-        <a:bodyPr spcFirstLastPara="0" vert="horz" wrap="square" lIns="260475" tIns="106680" rIns="199136" bIns="106680" numCol="1" spcCol="1270" anchor="ctr" anchorCtr="0">
-          <a:noAutofit/>
-        </a:bodyPr>
-        <a:lstStyle/>
-        <a:p>
-          <a:pPr lvl="0" algn="ctr" defTabSz="1244600">
-            <a:lnSpc>
-              <a:spcPct val="90000"/>
-            </a:lnSpc>
-            <a:spcBef>
-              <a:spcPct val="0"/>
-            </a:spcBef>
-            <a:spcAft>
-              <a:spcPct val="35000"/>
-            </a:spcAft>
-          </a:pPr>
-          <a:r>
-            <a:rPr lang="en-US" altLang="zh-TW" sz="2800" kern="1200" dirty="0" smtClean="0"/>
-            <a:t>Cost Reduction</a:t>
-          </a:r>
-          <a:endParaRPr lang="zh-TW" altLang="en-US" sz="2800" kern="1200" dirty="0"/>
-        </a:p>
-      </dsp:txBody>
-      <dsp:txXfrm rot="10800000">
-        <a:off x="1049529" y="2068"/>
-        <a:ext cx="2846571" cy="590682"/>
-      </dsp:txXfrm>
-    </dsp:sp>
-    <dsp:sp modelId="{7DA84A4A-8DCD-4985-B830-DBE74280BF11}">
-      <dsp:nvSpPr>
-        <dsp:cNvPr id="0" name=""/>
-        <dsp:cNvSpPr/>
-      </dsp:nvSpPr>
-      <dsp:spPr>
-        <a:xfrm>
-          <a:off x="606517" y="2068"/>
-          <a:ext cx="590682" cy="590682"/>
-        </a:xfrm>
-        <a:prstGeom prst="ellipse">
-          <a:avLst/>
-        </a:prstGeom>
-        <a:solidFill>
-          <a:schemeClr val="accent2">
-            <a:tint val="50000"/>
-            <a:hueOff val="0"/>
-            <a:satOff val="0"/>
-            <a:lumOff val="0"/>
-            <a:alphaOff val="0"/>
-          </a:schemeClr>
-        </a:solidFill>
-        <a:ln>
-          <a:noFill/>
-        </a:ln>
-        <a:effectLst/>
-        <a:scene3d>
-          <a:camera prst="orthographicFront"/>
-          <a:lightRig rig="threePt" dir="t">
-            <a:rot lat="0" lon="0" rev="7500000"/>
-          </a:lightRig>
-        </a:scene3d>
-        <a:sp3d z="152400" extrusionH="63500" prstMaterial="matte">
-          <a:bevelT w="50800" h="19050" prst="relaxedInset"/>
-          <a:contourClr>
-            <a:schemeClr val="bg1"/>
-          </a:contourClr>
-        </a:sp3d>
-      </dsp:spPr>
-      <dsp:style>
-        <a:lnRef idx="0">
-          <a:scrgbClr r="0" g="0" b="0"/>
-        </a:lnRef>
-        <a:fillRef idx="1">
-          <a:scrgbClr r="0" g="0" b="0"/>
-        </a:fillRef>
-        <a:effectRef idx="0">
-          <a:scrgbClr r="0" g="0" b="0"/>
-        </a:effectRef>
-        <a:fontRef idx="minor"/>
-      </dsp:style>
-    </dsp:sp>
-    <dsp:sp modelId="{DCE99758-71AA-48A5-8C32-EB08D138F67B}">
-      <dsp:nvSpPr>
-        <dsp:cNvPr id="0" name=""/>
-        <dsp:cNvSpPr/>
-      </dsp:nvSpPr>
-      <dsp:spPr>
-        <a:xfrm rot="10800000">
-          <a:off x="901859" y="769074"/>
-          <a:ext cx="2994241" cy="590682"/>
-        </a:xfrm>
-        <a:prstGeom prst="homePlate">
-          <a:avLst/>
-        </a:prstGeom>
-        <a:gradFill rotWithShape="0">
-          <a:gsLst>
-            <a:gs pos="0">
-              <a:schemeClr val="accent3">
-                <a:hueOff val="0"/>
-                <a:satOff val="0"/>
-                <a:lumOff val="0"/>
-                <a:alphaOff val="0"/>
-                <a:shade val="51000"/>
-                <a:satMod val="130000"/>
-              </a:schemeClr>
-            </a:gs>
-            <a:gs pos="80000">
-              <a:schemeClr val="accent3">
-                <a:hueOff val="0"/>
-                <a:satOff val="0"/>
-                <a:lumOff val="0"/>
-                <a:alphaOff val="0"/>
-                <a:shade val="93000"/>
-                <a:satMod val="130000"/>
-              </a:schemeClr>
-            </a:gs>
-            <a:gs pos="100000">
-              <a:schemeClr val="accent3">
-                <a:hueOff val="0"/>
-                <a:satOff val="0"/>
-                <a:lumOff val="0"/>
-                <a:alphaOff val="0"/>
-                <a:shade val="94000"/>
-                <a:satMod val="135000"/>
-              </a:schemeClr>
-            </a:gs>
-          </a:gsLst>
-          <a:lin ang="16200000" scaled="0"/>
-        </a:gradFill>
-        <a:ln>
-          <a:noFill/>
-        </a:ln>
-        <a:effectLst>
-          <a:outerShdw blurRad="40000" dist="23000" dir="5400000" rotWithShape="0">
-            <a:srgbClr val="000000">
-              <a:alpha val="35000"/>
-            </a:srgbClr>
-          </a:outerShdw>
-        </a:effectLst>
-        <a:scene3d>
-          <a:camera prst="orthographicFront"/>
-          <a:lightRig rig="threePt" dir="t">
-            <a:rot lat="0" lon="0" rev="7500000"/>
-          </a:lightRig>
-        </a:scene3d>
-        <a:sp3d prstMaterial="plastic">
-          <a:bevelT w="127000" h="25400" prst="relaxedInset"/>
-        </a:sp3d>
-      </dsp:spPr>
-      <dsp:style>
-        <a:lnRef idx="0">
-          <a:scrgbClr r="0" g="0" b="0"/>
-        </a:lnRef>
-        <a:fillRef idx="3">
-          <a:scrgbClr r="0" g="0" b="0"/>
-        </a:fillRef>
-        <a:effectRef idx="2">
-          <a:scrgbClr r="0" g="0" b="0"/>
-        </a:effectRef>
-        <a:fontRef idx="minor">
-          <a:schemeClr val="lt1"/>
-        </a:fontRef>
-      </dsp:style>
-      <dsp:txBody>
-        <a:bodyPr spcFirstLastPara="0" vert="horz" wrap="square" lIns="260475" tIns="106680" rIns="199136" bIns="106680" numCol="1" spcCol="1270" anchor="ctr" anchorCtr="0">
-          <a:noAutofit/>
-        </a:bodyPr>
-        <a:lstStyle/>
-        <a:p>
-          <a:pPr lvl="0" algn="ctr" defTabSz="1244600">
-            <a:lnSpc>
-              <a:spcPct val="90000"/>
-            </a:lnSpc>
-            <a:spcBef>
-              <a:spcPct val="0"/>
-            </a:spcBef>
-            <a:spcAft>
-              <a:spcPct val="35000"/>
-            </a:spcAft>
-          </a:pPr>
-          <a:r>
-            <a:rPr lang="en-US" altLang="zh-TW" sz="2800" kern="1200" dirty="0" smtClean="0"/>
-            <a:t>Repeatability</a:t>
-          </a:r>
-          <a:endParaRPr lang="zh-TW" altLang="en-US" sz="2800" kern="1200" dirty="0"/>
-        </a:p>
-      </dsp:txBody>
-      <dsp:txXfrm rot="10800000">
-        <a:off x="1049529" y="769074"/>
-        <a:ext cx="2846571" cy="590682"/>
-      </dsp:txXfrm>
-    </dsp:sp>
-    <dsp:sp modelId="{C302873E-AB9F-4127-9C4F-554C10632612}">
-      <dsp:nvSpPr>
-        <dsp:cNvPr id="0" name=""/>
-        <dsp:cNvSpPr/>
-      </dsp:nvSpPr>
-      <dsp:spPr>
-        <a:xfrm>
-          <a:off x="606517" y="769074"/>
-          <a:ext cx="590682" cy="590682"/>
-        </a:xfrm>
-        <a:prstGeom prst="ellipse">
-          <a:avLst/>
-        </a:prstGeom>
-        <a:solidFill>
-          <a:schemeClr val="accent3">
-            <a:tint val="50000"/>
-            <a:hueOff val="0"/>
-            <a:satOff val="0"/>
-            <a:lumOff val="0"/>
-            <a:alphaOff val="0"/>
-          </a:schemeClr>
-        </a:solidFill>
-        <a:ln>
-          <a:noFill/>
-        </a:ln>
-        <a:effectLst/>
-        <a:scene3d>
-          <a:camera prst="orthographicFront"/>
-          <a:lightRig rig="threePt" dir="t">
-            <a:rot lat="0" lon="0" rev="7500000"/>
-          </a:lightRig>
-        </a:scene3d>
-        <a:sp3d z="152400" extrusionH="63500" prstMaterial="matte">
-          <a:bevelT w="50800" h="19050" prst="relaxedInset"/>
-          <a:contourClr>
-            <a:schemeClr val="bg1"/>
-          </a:contourClr>
-        </a:sp3d>
-      </dsp:spPr>
-      <dsp:style>
-        <a:lnRef idx="0">
-          <a:scrgbClr r="0" g="0" b="0"/>
-        </a:lnRef>
-        <a:fillRef idx="1">
-          <a:scrgbClr r="0" g="0" b="0"/>
-        </a:fillRef>
-        <a:effectRef idx="0">
-          <a:scrgbClr r="0" g="0" b="0"/>
-        </a:effectRef>
-        <a:fontRef idx="minor"/>
-      </dsp:style>
-    </dsp:sp>
-    <dsp:sp modelId="{0992AF58-473F-46B7-B531-20F6F159B7E2}">
-      <dsp:nvSpPr>
-        <dsp:cNvPr id="0" name=""/>
-        <dsp:cNvSpPr/>
-      </dsp:nvSpPr>
-      <dsp:spPr>
-        <a:xfrm rot="10800000">
-          <a:off x="901859" y="1536081"/>
-          <a:ext cx="2994241" cy="590682"/>
-        </a:xfrm>
-        <a:prstGeom prst="homePlate">
-          <a:avLst/>
-        </a:prstGeom>
-        <a:gradFill rotWithShape="0">
-          <a:gsLst>
-            <a:gs pos="0">
-              <a:schemeClr val="accent4">
-                <a:hueOff val="0"/>
-                <a:satOff val="0"/>
-                <a:lumOff val="0"/>
-                <a:alphaOff val="0"/>
-                <a:shade val="51000"/>
-                <a:satMod val="130000"/>
-              </a:schemeClr>
-            </a:gs>
-            <a:gs pos="80000">
-              <a:schemeClr val="accent4">
-                <a:hueOff val="0"/>
-                <a:satOff val="0"/>
-                <a:lumOff val="0"/>
-                <a:alphaOff val="0"/>
-                <a:shade val="93000"/>
-                <a:satMod val="130000"/>
-              </a:schemeClr>
-            </a:gs>
-            <a:gs pos="100000">
-              <a:schemeClr val="accent4">
-                <a:hueOff val="0"/>
-                <a:satOff val="0"/>
-                <a:lumOff val="0"/>
-                <a:alphaOff val="0"/>
-                <a:shade val="94000"/>
-                <a:satMod val="135000"/>
-              </a:schemeClr>
-            </a:gs>
-          </a:gsLst>
-          <a:lin ang="16200000" scaled="0"/>
-        </a:gradFill>
-        <a:ln>
-          <a:noFill/>
-        </a:ln>
-        <a:effectLst>
-          <a:outerShdw blurRad="40000" dist="23000" dir="5400000" rotWithShape="0">
-            <a:srgbClr val="000000">
-              <a:alpha val="35000"/>
-            </a:srgbClr>
-          </a:outerShdw>
-        </a:effectLst>
-        <a:scene3d>
-          <a:camera prst="orthographicFront"/>
-          <a:lightRig rig="threePt" dir="t">
-            <a:rot lat="0" lon="0" rev="7500000"/>
-          </a:lightRig>
-        </a:scene3d>
-        <a:sp3d prstMaterial="plastic">
-          <a:bevelT w="127000" h="25400" prst="relaxedInset"/>
-        </a:sp3d>
-      </dsp:spPr>
-      <dsp:style>
-        <a:lnRef idx="0">
-          <a:scrgbClr r="0" g="0" b="0"/>
-        </a:lnRef>
-        <a:fillRef idx="3">
-          <a:scrgbClr r="0" g="0" b="0"/>
-        </a:fillRef>
-        <a:effectRef idx="2">
-          <a:scrgbClr r="0" g="0" b="0"/>
-        </a:effectRef>
-        <a:fontRef idx="minor">
-          <a:schemeClr val="lt1"/>
-        </a:fontRef>
-      </dsp:style>
-      <dsp:txBody>
-        <a:bodyPr spcFirstLastPara="0" vert="horz" wrap="square" lIns="260475" tIns="106680" rIns="199136" bIns="106680" numCol="1" spcCol="1270" anchor="ctr" anchorCtr="0">
-          <a:noAutofit/>
-        </a:bodyPr>
-        <a:lstStyle/>
-        <a:p>
-          <a:pPr lvl="0" algn="ctr" defTabSz="1244600">
-            <a:lnSpc>
-              <a:spcPct val="90000"/>
-            </a:lnSpc>
-            <a:spcBef>
-              <a:spcPct val="0"/>
-            </a:spcBef>
-            <a:spcAft>
-              <a:spcPct val="35000"/>
-            </a:spcAft>
-          </a:pPr>
-          <a:r>
-            <a:rPr lang="en-US" altLang="zh-TW" sz="2800" kern="1200" dirty="0" smtClean="0"/>
-            <a:t>Programmable</a:t>
-          </a:r>
-          <a:endParaRPr lang="zh-TW" altLang="en-US" sz="2800" kern="1200" dirty="0"/>
-        </a:p>
-      </dsp:txBody>
-      <dsp:txXfrm rot="10800000">
-        <a:off x="1049529" y="1536081"/>
-        <a:ext cx="2846571" cy="590682"/>
-      </dsp:txXfrm>
-    </dsp:sp>
-    <dsp:sp modelId="{491F2303-7F1E-42D7-86E9-987E0CC40181}">
-      <dsp:nvSpPr>
-        <dsp:cNvPr id="0" name=""/>
-        <dsp:cNvSpPr/>
-      </dsp:nvSpPr>
-      <dsp:spPr>
-        <a:xfrm>
-          <a:off x="606517" y="1536081"/>
-          <a:ext cx="590682" cy="590682"/>
-        </a:xfrm>
-        <a:prstGeom prst="ellipse">
-          <a:avLst/>
-        </a:prstGeom>
-        <a:solidFill>
-          <a:schemeClr val="accent4">
-            <a:tint val="50000"/>
-            <a:hueOff val="0"/>
-            <a:satOff val="0"/>
-            <a:lumOff val="0"/>
-            <a:alphaOff val="0"/>
-          </a:schemeClr>
-        </a:solidFill>
-        <a:ln>
-          <a:noFill/>
-        </a:ln>
-        <a:effectLst/>
-        <a:scene3d>
-          <a:camera prst="orthographicFront"/>
-          <a:lightRig rig="threePt" dir="t">
-            <a:rot lat="0" lon="0" rev="7500000"/>
-          </a:lightRig>
-        </a:scene3d>
-        <a:sp3d z="152400" extrusionH="63500" prstMaterial="matte">
-          <a:bevelT w="50800" h="19050" prst="relaxedInset"/>
-          <a:contourClr>
-            <a:schemeClr val="bg1"/>
-          </a:contourClr>
-        </a:sp3d>
-      </dsp:spPr>
-      <dsp:style>
-        <a:lnRef idx="0">
-          <a:scrgbClr r="0" g="0" b="0"/>
-        </a:lnRef>
-        <a:fillRef idx="1">
-          <a:scrgbClr r="0" g="0" b="0"/>
-        </a:fillRef>
-        <a:effectRef idx="0">
-          <a:scrgbClr r="0" g="0" b="0"/>
-        </a:effectRef>
-        <a:fontRef idx="minor"/>
-      </dsp:style>
-    </dsp:sp>
-    <dsp:sp modelId="{D8BE9F51-8FFE-43B5-9342-4962109D3BA1}">
-      <dsp:nvSpPr>
-        <dsp:cNvPr id="0" name=""/>
-        <dsp:cNvSpPr/>
-      </dsp:nvSpPr>
-      <dsp:spPr>
-        <a:xfrm rot="10800000">
-          <a:off x="901859" y="2303087"/>
-          <a:ext cx="2994241" cy="590682"/>
-        </a:xfrm>
-        <a:prstGeom prst="homePlate">
-          <a:avLst/>
-        </a:prstGeom>
-        <a:gradFill rotWithShape="0">
-          <a:gsLst>
-            <a:gs pos="0">
-              <a:schemeClr val="accent5">
-                <a:hueOff val="0"/>
-                <a:satOff val="0"/>
-                <a:lumOff val="0"/>
-                <a:alphaOff val="0"/>
-                <a:shade val="51000"/>
-                <a:satMod val="130000"/>
-              </a:schemeClr>
-            </a:gs>
-            <a:gs pos="80000">
-              <a:schemeClr val="accent5">
-                <a:hueOff val="0"/>
-                <a:satOff val="0"/>
-                <a:lumOff val="0"/>
-                <a:alphaOff val="0"/>
-                <a:shade val="93000"/>
-                <a:satMod val="130000"/>
-              </a:schemeClr>
-            </a:gs>
-            <a:gs pos="100000">
-              <a:schemeClr val="accent5">
-                <a:hueOff val="0"/>
-                <a:satOff val="0"/>
-                <a:lumOff val="0"/>
-                <a:alphaOff val="0"/>
-                <a:shade val="94000"/>
-                <a:satMod val="135000"/>
-              </a:schemeClr>
-            </a:gs>
-          </a:gsLst>
-          <a:lin ang="16200000" scaled="0"/>
-        </a:gradFill>
-        <a:ln>
-          <a:noFill/>
-        </a:ln>
-        <a:effectLst>
-          <a:outerShdw blurRad="40000" dist="23000" dir="5400000" rotWithShape="0">
-            <a:srgbClr val="000000">
-              <a:alpha val="35000"/>
-            </a:srgbClr>
-          </a:outerShdw>
-        </a:effectLst>
-        <a:scene3d>
-          <a:camera prst="orthographicFront"/>
-          <a:lightRig rig="threePt" dir="t">
-            <a:rot lat="0" lon="0" rev="7500000"/>
-          </a:lightRig>
-        </a:scene3d>
-        <a:sp3d prstMaterial="plastic">
-          <a:bevelT w="127000" h="25400" prst="relaxedInset"/>
-        </a:sp3d>
-      </dsp:spPr>
-      <dsp:style>
-        <a:lnRef idx="0">
-          <a:scrgbClr r="0" g="0" b="0"/>
-        </a:lnRef>
-        <a:fillRef idx="3">
-          <a:scrgbClr r="0" g="0" b="0"/>
-        </a:fillRef>
-        <a:effectRef idx="2">
-          <a:scrgbClr r="0" g="0" b="0"/>
-        </a:effectRef>
-        <a:fontRef idx="minor">
-          <a:schemeClr val="lt1"/>
-        </a:fontRef>
-      </dsp:style>
-      <dsp:txBody>
-        <a:bodyPr spcFirstLastPara="0" vert="horz" wrap="square" lIns="260475" tIns="106680" rIns="199136" bIns="106680" numCol="1" spcCol="1270" anchor="ctr" anchorCtr="0">
-          <a:noAutofit/>
-        </a:bodyPr>
-        <a:lstStyle/>
-        <a:p>
-          <a:pPr lvl="0" algn="ctr" defTabSz="1244600">
-            <a:lnSpc>
-              <a:spcPct val="90000"/>
-            </a:lnSpc>
-            <a:spcBef>
-              <a:spcPct val="0"/>
-            </a:spcBef>
-            <a:spcAft>
-              <a:spcPct val="35000"/>
-            </a:spcAft>
-          </a:pPr>
-          <a:r>
-            <a:rPr lang="en-US" altLang="zh-TW" sz="2800" kern="1200" dirty="0" smtClean="0"/>
-            <a:t>Reusable</a:t>
-          </a:r>
-          <a:endParaRPr lang="zh-TW" altLang="en-US" sz="2800" kern="1200" dirty="0"/>
-        </a:p>
-      </dsp:txBody>
-      <dsp:txXfrm rot="10800000">
-        <a:off x="1049529" y="2303087"/>
-        <a:ext cx="2846571" cy="590682"/>
-      </dsp:txXfrm>
-    </dsp:sp>
-    <dsp:sp modelId="{F2C24901-5B87-4AB7-978D-1A316F44CDB1}">
-      <dsp:nvSpPr>
-        <dsp:cNvPr id="0" name=""/>
-        <dsp:cNvSpPr/>
-      </dsp:nvSpPr>
-      <dsp:spPr>
-        <a:xfrm>
-          <a:off x="606517" y="2303087"/>
-          <a:ext cx="590682" cy="590682"/>
-        </a:xfrm>
-        <a:prstGeom prst="ellipse">
-          <a:avLst/>
-        </a:prstGeom>
-        <a:solidFill>
-          <a:schemeClr val="accent5">
-            <a:tint val="50000"/>
-            <a:hueOff val="0"/>
-            <a:satOff val="0"/>
-            <a:lumOff val="0"/>
-            <a:alphaOff val="0"/>
-          </a:schemeClr>
-        </a:solidFill>
-        <a:ln>
-          <a:noFill/>
-        </a:ln>
-        <a:effectLst/>
-        <a:scene3d>
-          <a:camera prst="orthographicFront"/>
-          <a:lightRig rig="threePt" dir="t">
-            <a:rot lat="0" lon="0" rev="7500000"/>
-          </a:lightRig>
-        </a:scene3d>
-        <a:sp3d z="152400" extrusionH="63500" prstMaterial="matte">
-          <a:bevelT w="50800" h="19050" prst="relaxedInset"/>
-          <a:contourClr>
-            <a:schemeClr val="bg1"/>
-          </a:contourClr>
-        </a:sp3d>
-      </dsp:spPr>
-      <dsp:style>
-        <a:lnRef idx="0">
-          <a:scrgbClr r="0" g="0" b="0"/>
-        </a:lnRef>
-        <a:fillRef idx="1">
-          <a:scrgbClr r="0" g="0" b="0"/>
-        </a:fillRef>
-        <a:effectRef idx="0">
-          <a:scrgbClr r="0" g="0" b="0"/>
-        </a:effectRef>
-        <a:fontRef idx="minor"/>
-      </dsp:style>
-    </dsp:sp>
-    <dsp:sp modelId="{151AC121-E54F-43C2-A54C-385CB2036B45}">
-      <dsp:nvSpPr>
-        <dsp:cNvPr id="0" name=""/>
-        <dsp:cNvSpPr/>
-      </dsp:nvSpPr>
-      <dsp:spPr>
-        <a:xfrm rot="10800000">
-          <a:off x="901859" y="3070093"/>
-          <a:ext cx="2994241" cy="590682"/>
-        </a:xfrm>
-        <a:prstGeom prst="homePlate">
-          <a:avLst/>
-        </a:prstGeom>
-        <a:gradFill rotWithShape="0">
-          <a:gsLst>
-            <a:gs pos="0">
-              <a:schemeClr val="accent6">
-                <a:hueOff val="0"/>
-                <a:satOff val="0"/>
-                <a:lumOff val="0"/>
-                <a:alphaOff val="0"/>
-                <a:shade val="51000"/>
-                <a:satMod val="130000"/>
-              </a:schemeClr>
-            </a:gs>
-            <a:gs pos="80000">
-              <a:schemeClr val="accent6">
-                <a:hueOff val="0"/>
-                <a:satOff val="0"/>
-                <a:lumOff val="0"/>
-                <a:alphaOff val="0"/>
-                <a:shade val="93000"/>
-                <a:satMod val="130000"/>
-              </a:schemeClr>
-            </a:gs>
-            <a:gs pos="100000">
-              <a:schemeClr val="accent6">
-                <a:hueOff val="0"/>
-                <a:satOff val="0"/>
-                <a:lumOff val="0"/>
-                <a:alphaOff val="0"/>
-                <a:shade val="94000"/>
-                <a:satMod val="135000"/>
-              </a:schemeClr>
-            </a:gs>
-          </a:gsLst>
-          <a:lin ang="16200000" scaled="0"/>
-        </a:gradFill>
-        <a:ln>
-          <a:noFill/>
-        </a:ln>
-        <a:effectLst>
-          <a:outerShdw blurRad="40000" dist="23000" dir="5400000" rotWithShape="0">
-            <a:srgbClr val="000000">
-              <a:alpha val="35000"/>
-            </a:srgbClr>
-          </a:outerShdw>
-        </a:effectLst>
-        <a:scene3d>
-          <a:camera prst="orthographicFront"/>
-          <a:lightRig rig="threePt" dir="t">
-            <a:rot lat="0" lon="0" rev="7500000"/>
-          </a:lightRig>
-        </a:scene3d>
-        <a:sp3d prstMaterial="plastic">
-          <a:bevelT w="127000" h="25400" prst="relaxedInset"/>
-        </a:sp3d>
-      </dsp:spPr>
-      <dsp:style>
-        <a:lnRef idx="0">
-          <a:scrgbClr r="0" g="0" b="0"/>
-        </a:lnRef>
-        <a:fillRef idx="3">
-          <a:scrgbClr r="0" g="0" b="0"/>
-        </a:fillRef>
-        <a:effectRef idx="2">
-          <a:scrgbClr r="0" g="0" b="0"/>
-        </a:effectRef>
-        <a:fontRef idx="minor">
-          <a:schemeClr val="lt1"/>
-        </a:fontRef>
-      </dsp:style>
-      <dsp:txBody>
-        <a:bodyPr spcFirstLastPara="0" vert="horz" wrap="square" lIns="260475" tIns="106680" rIns="199136" bIns="106680" numCol="1" spcCol="1270" anchor="ctr" anchorCtr="0">
-          <a:noAutofit/>
-        </a:bodyPr>
-        <a:lstStyle/>
-        <a:p>
-          <a:pPr lvl="0" algn="ctr" defTabSz="1244600">
-            <a:lnSpc>
-              <a:spcPct val="90000"/>
-            </a:lnSpc>
-            <a:spcBef>
-              <a:spcPct val="0"/>
-            </a:spcBef>
-            <a:spcAft>
-              <a:spcPct val="35000"/>
-            </a:spcAft>
-          </a:pPr>
-          <a:r>
-            <a:rPr lang="en-US" altLang="zh-TW" sz="2800" kern="1200" dirty="0" smtClean="0"/>
-            <a:t>Quality</a:t>
-          </a:r>
-          <a:endParaRPr lang="zh-TW" altLang="en-US" sz="2800" kern="1200" dirty="0"/>
-        </a:p>
-      </dsp:txBody>
-      <dsp:txXfrm rot="10800000">
-        <a:off x="1049529" y="3070093"/>
-        <a:ext cx="2846571" cy="590682"/>
-      </dsp:txXfrm>
-    </dsp:sp>
-    <dsp:sp modelId="{BBB20526-1BAF-4740-B4DB-44E0CDA7F8E4}">
-      <dsp:nvSpPr>
-        <dsp:cNvPr id="0" name=""/>
-        <dsp:cNvSpPr/>
-      </dsp:nvSpPr>
-      <dsp:spPr>
-        <a:xfrm>
-          <a:off x="606517" y="3070093"/>
-          <a:ext cx="590682" cy="590682"/>
-        </a:xfrm>
-        <a:prstGeom prst="ellipse">
-          <a:avLst/>
-        </a:prstGeom>
-        <a:solidFill>
-          <a:schemeClr val="accent6">
-            <a:tint val="50000"/>
-            <a:hueOff val="0"/>
-            <a:satOff val="0"/>
-            <a:lumOff val="0"/>
-            <a:alphaOff val="0"/>
-          </a:schemeClr>
-        </a:solidFill>
-        <a:ln>
-          <a:noFill/>
-        </a:ln>
-        <a:effectLst/>
-        <a:scene3d>
-          <a:camera prst="orthographicFront"/>
-          <a:lightRig rig="threePt" dir="t">
-            <a:rot lat="0" lon="0" rev="7500000"/>
-          </a:lightRig>
-        </a:scene3d>
-        <a:sp3d z="152400" extrusionH="63500" prstMaterial="matte">
-          <a:bevelT w="50800" h="19050" prst="relaxedInset"/>
-          <a:contourClr>
-            <a:schemeClr val="bg1"/>
-          </a:contourClr>
-        </a:sp3d>
-      </dsp:spPr>
-      <dsp:style>
-        <a:lnRef idx="0">
-          <a:scrgbClr r="0" g="0" b="0"/>
-        </a:lnRef>
-        <a:fillRef idx="1">
-          <a:scrgbClr r="0" g="0" b="0"/>
-        </a:fillRef>
-        <a:effectRef idx="0">
-          <a:scrgbClr r="0" g="0" b="0"/>
-        </a:effectRef>
-        <a:fontRef idx="minor"/>
-      </dsp:style>
-    </dsp:sp>
-  </dsp:spTree>
-</dsp:drawing>
-</file>
-
-<file path=ppt/diagrams/drawing2.xml><?xml version="1.0" encoding="utf-8"?>
-<dsp:drawing xmlns:dgm="http://schemas.openxmlformats.org/drawingml/2006/diagram" xmlns:dsp="http://schemas.microsoft.com/office/drawing/2008/diagram" xmlns:a="http://schemas.openxmlformats.org/drawingml/2006/main">
-  <dsp:spTree>
-    <dsp:nvGrpSpPr>
-      <dsp:cNvPr id="0" name=""/>
-      <dsp:cNvGrpSpPr/>
-    </dsp:nvGrpSpPr>
-    <dsp:grpSpPr/>
     <dsp:sp modelId="{2F6A1D00-77D8-44B7-A49E-9B55E26C6974}">
       <dsp:nvSpPr>
         <dsp:cNvPr id="0" name=""/>
@@ -3773,8 +1652,8 @@
       </dsp:nvSpPr>
       <dsp:spPr>
         <a:xfrm>
-          <a:off x="3252083" y="458"/>
-          <a:ext cx="4878125" cy="1789526"/>
+          <a:off x="3132814" y="423"/>
+          <a:ext cx="4699221" cy="1652304"/>
         </a:xfrm>
         <a:prstGeom prst="rightArrow">
           <a:avLst>
@@ -3927,8 +1806,8 @@
         </a:p>
       </dsp:txBody>
       <dsp:txXfrm>
-        <a:off x="3252083" y="224149"/>
-        <a:ext cx="4207053" cy="1342144"/>
+        <a:off x="3132814" y="206961"/>
+        <a:ext cx="4079607" cy="1239228"/>
       </dsp:txXfrm>
     </dsp:sp>
     <dsp:sp modelId="{B401FFCA-7705-4B34-9781-0F7611D2F11C}">
@@ -3938,8 +1817,8 @@
       </dsp:nvSpPr>
       <dsp:spPr>
         <a:xfrm>
-          <a:off x="0" y="458"/>
-          <a:ext cx="3252083" cy="1789526"/>
+          <a:off x="0" y="423"/>
+          <a:ext cx="3132814" cy="1652304"/>
         </a:xfrm>
         <a:prstGeom prst="roundRect">
           <a:avLst/>
@@ -4043,8 +1922,8 @@
         </a:p>
       </dsp:txBody>
       <dsp:txXfrm>
-        <a:off x="87357" y="87815"/>
-        <a:ext cx="3077369" cy="1614812"/>
+        <a:off x="80659" y="81082"/>
+        <a:ext cx="2971496" cy="1490986"/>
       </dsp:txXfrm>
     </dsp:sp>
     <dsp:sp modelId="{73E6E07B-2EFC-4788-AC7A-E4DE8BDED9AE}">
@@ -4054,8 +1933,8 @@
       </dsp:nvSpPr>
       <dsp:spPr>
         <a:xfrm>
-          <a:off x="3252083" y="1968937"/>
-          <a:ext cx="4878125" cy="1789526"/>
+          <a:off x="3132814" y="1817958"/>
+          <a:ext cx="4699221" cy="1652304"/>
         </a:xfrm>
         <a:prstGeom prst="rightArrow">
           <a:avLst>
@@ -4193,8 +2072,8 @@
         </a:p>
       </dsp:txBody>
       <dsp:txXfrm>
-        <a:off x="3252083" y="2192628"/>
-        <a:ext cx="4207053" cy="1342144"/>
+        <a:off x="3132814" y="2024496"/>
+        <a:ext cx="4079607" cy="1239228"/>
       </dsp:txXfrm>
     </dsp:sp>
     <dsp:sp modelId="{55D0B772-9541-49E8-9C6A-DACBF979948B}">
@@ -4204,8 +2083,8 @@
       </dsp:nvSpPr>
       <dsp:spPr>
         <a:xfrm>
-          <a:off x="0" y="1968937"/>
-          <a:ext cx="3252083" cy="1789526"/>
+          <a:off x="0" y="1817958"/>
+          <a:ext cx="3132814" cy="1652304"/>
         </a:xfrm>
         <a:prstGeom prst="roundRect">
           <a:avLst/>
@@ -4309,8 +2188,8 @@
         </a:p>
       </dsp:txBody>
       <dsp:txXfrm>
-        <a:off x="87357" y="2056294"/>
-        <a:ext cx="3077369" cy="1614812"/>
+        <a:off x="80659" y="1898617"/>
+        <a:ext cx="2971496" cy="1490986"/>
       </dsp:txXfrm>
     </dsp:sp>
   </dsp:spTree>
@@ -4318,169 +2197,6 @@
 </file>
 
 <file path=ppt/diagrams/layout1.xml><?xml version="1.0" encoding="utf-8"?>
-<dgm:layoutDef xmlns:dgm="http://schemas.openxmlformats.org/drawingml/2006/diagram" xmlns:a="http://schemas.openxmlformats.org/drawingml/2006/main" uniqueId="urn:microsoft.com/office/officeart/2005/8/layout/vList3">
-  <dgm:title val=""/>
-  <dgm:desc val=""/>
-  <dgm:catLst>
-    <dgm:cat type="list" pri="14000"/>
-    <dgm:cat type="convert" pri="3000"/>
-    <dgm:cat type="picture" pri="27000"/>
-    <dgm:cat type="pictureconvert" pri="27000"/>
-  </dgm:catLst>
-  <dgm:sampData useDef="1">
-    <dgm:dataModel>
-      <dgm:ptLst/>
-      <dgm:bg/>
-      <dgm:whole/>
-    </dgm:dataModel>
-  </dgm:sampData>
-  <dgm:styleData>
-    <dgm:dataModel>
-      <dgm:ptLst>
-        <dgm:pt modelId="0" type="doc"/>
-        <dgm:pt modelId="1"/>
-        <dgm:pt modelId="2"/>
-      </dgm:ptLst>
-      <dgm:cxnLst>
-        <dgm:cxn modelId="3" srcId="0" destId="1" srcOrd="0" destOrd="0"/>
-        <dgm:cxn modelId="4" srcId="0" destId="2" srcOrd="1" destOrd="0"/>
-      </dgm:cxnLst>
-      <dgm:bg/>
-      <dgm:whole/>
-    </dgm:dataModel>
-  </dgm:styleData>
-  <dgm:clrData>
-    <dgm:dataModel>
-      <dgm:ptLst>
-        <dgm:pt modelId="0" type="doc"/>
-        <dgm:pt modelId="1"/>
-        <dgm:pt modelId="2"/>
-        <dgm:pt modelId="3"/>
-        <dgm:pt modelId="4"/>
-      </dgm:ptLst>
-      <dgm:cxnLst>
-        <dgm:cxn modelId="5" srcId="0" destId="1" srcOrd="0" destOrd="0"/>
-        <dgm:cxn modelId="6" srcId="0" destId="2" srcOrd="1" destOrd="0"/>
-        <dgm:cxn modelId="7" srcId="0" destId="3" srcOrd="2" destOrd="0"/>
-        <dgm:cxn modelId="8" srcId="0" destId="4" srcOrd="3" destOrd="0"/>
-      </dgm:cxnLst>
-      <dgm:bg/>
-      <dgm:whole/>
-    </dgm:dataModel>
-  </dgm:clrData>
-  <dgm:layoutNode name="linearFlow">
-    <dgm:varLst>
-      <dgm:dir/>
-      <dgm:resizeHandles val="exact"/>
-    </dgm:varLst>
-    <dgm:alg type="lin">
-      <dgm:param type="linDir" val="fromT"/>
-      <dgm:param type="vertAlign" val="mid"/>
-      <dgm:param type="horzAlign" val="ctr"/>
-    </dgm:alg>
-    <dgm:shape xmlns:r="http://schemas.openxmlformats.org/officeDocument/2006/relationships" r:blip="">
-      <dgm:adjLst/>
-    </dgm:shape>
-    <dgm:presOf/>
-    <dgm:constrLst>
-      <dgm:constr type="w" for="ch" forName="composite" refType="w"/>
-      <dgm:constr type="h" for="ch" forName="composite" refType="h"/>
-      <dgm:constr type="h" for="ch" forName="spacing" refType="h" refFor="ch" refForName="composite" fact="0.25"/>
-      <dgm:constr type="h" for="ch" forName="spacing" refType="w" op="lte" fact="0.1"/>
-      <dgm:constr type="primFontSz" for="des" ptType="node" op="equ" val="65"/>
-    </dgm:constrLst>
-    <dgm:ruleLst/>
-    <dgm:forEach name="Name0" axis="ch" ptType="node">
-      <dgm:layoutNode name="composite">
-        <dgm:alg type="composite"/>
-        <dgm:shape xmlns:r="http://schemas.openxmlformats.org/officeDocument/2006/relationships" r:blip="">
-          <dgm:adjLst/>
-        </dgm:shape>
-        <dgm:presOf/>
-        <dgm:choose name="Name1">
-          <dgm:if name="Name2" func="var" arg="dir" op="equ" val="norm">
-            <dgm:constrLst>
-              <dgm:constr type="w" for="ch" forName="imgShp" refType="w" fact="0.335"/>
-              <dgm:constr type="h" for="ch" forName="imgShp" refType="w" refFor="ch" refForName="imgShp" op="equ"/>
-              <dgm:constr type="h" for="ch" forName="imgShp" refType="h" op="lte"/>
-              <dgm:constr type="ctrY" for="ch" forName="imgShp" refType="h" fact="0.5"/>
-              <dgm:constr type="l" for="ch" forName="imgShp"/>
-              <dgm:constr type="w" for="ch" forName="txShp" refType="w" op="equ" fact="0.665"/>
-              <dgm:constr type="h" for="ch" forName="txShp" refType="h" refFor="ch" refForName="imgShp" op="equ"/>
-              <dgm:constr type="ctrY" for="ch" forName="txShp" refType="h" fact="0.5"/>
-              <dgm:constr type="l" for="ch" forName="txShp" refType="w" refFor="ch" refForName="imgShp" fact="0.5"/>
-              <dgm:constr type="lMarg" for="ch" forName="txShp" refType="w" refFor="ch" refForName="imgShp" fact="1.25"/>
-            </dgm:constrLst>
-          </dgm:if>
-          <dgm:else name="Name3">
-            <dgm:constrLst>
-              <dgm:constr type="w" for="ch" forName="imgShp" refType="w" fact="0.335"/>
-              <dgm:constr type="h" for="ch" forName="imgShp" refType="w" refFor="ch" refForName="imgShp" op="equ"/>
-              <dgm:constr type="h" for="ch" forName="imgShp" refType="h" op="lte"/>
-              <dgm:constr type="ctrY" for="ch" forName="imgShp" refType="h" fact="0.5"/>
-              <dgm:constr type="r" for="ch" forName="imgShp" refType="w"/>
-              <dgm:constr type="w" for="ch" forName="txShp" refType="w" op="equ" fact="0.665"/>
-              <dgm:constr type="h" for="ch" forName="txShp" refType="h" refFor="ch" refForName="imgShp" op="equ"/>
-              <dgm:constr type="ctrY" for="ch" forName="txShp" refType="h" fact="0.5"/>
-              <dgm:constr type="r" for="ch" forName="txShp" refType="ctrX" refFor="ch" refForName="imgShp"/>
-              <dgm:constr type="rMarg" for="ch" forName="txShp" refType="w" refFor="ch" refForName="imgShp" fact="1.25"/>
-            </dgm:constrLst>
-          </dgm:else>
-        </dgm:choose>
-        <dgm:ruleLst/>
-        <dgm:layoutNode name="imgShp" styleLbl="fgImgPlace1">
-          <dgm:alg type="sp"/>
-          <dgm:shape xmlns:r="http://schemas.openxmlformats.org/officeDocument/2006/relationships" type="ellipse" r:blip="" blipPhldr="1">
-            <dgm:adjLst/>
-          </dgm:shape>
-          <dgm:presOf/>
-          <dgm:constrLst/>
-          <dgm:ruleLst/>
-        </dgm:layoutNode>
-        <dgm:layoutNode name="txShp">
-          <dgm:varLst>
-            <dgm:bulletEnabled val="1"/>
-          </dgm:varLst>
-          <dgm:alg type="tx"/>
-          <dgm:choose name="Name4">
-            <dgm:if name="Name5" func="var" arg="dir" op="equ" val="norm">
-              <dgm:shape xmlns:r="http://schemas.openxmlformats.org/officeDocument/2006/relationships" rot="180" type="homePlate" r:blip="" zOrderOff="-1">
-                <dgm:adjLst/>
-              </dgm:shape>
-            </dgm:if>
-            <dgm:else name="Name6">
-              <dgm:shape xmlns:r="http://schemas.openxmlformats.org/officeDocument/2006/relationships" type="homePlate" r:blip="" zOrderOff="-1">
-                <dgm:adjLst/>
-              </dgm:shape>
-            </dgm:else>
-          </dgm:choose>
-          <dgm:presOf axis="desOrSelf" ptType="node"/>
-          <dgm:constrLst>
-            <dgm:constr type="tMarg" refType="primFontSz" fact="0.3"/>
-            <dgm:constr type="bMarg" refType="primFontSz" fact="0.3"/>
-          </dgm:constrLst>
-          <dgm:ruleLst>
-            <dgm:rule type="primFontSz" val="5" fact="NaN" max="NaN"/>
-          </dgm:ruleLst>
-        </dgm:layoutNode>
-      </dgm:layoutNode>
-      <dgm:forEach name="Name7" axis="followSib" ptType="sibTrans" cnt="1">
-        <dgm:layoutNode name="spacing">
-          <dgm:alg type="sp"/>
-          <dgm:shape xmlns:r="http://schemas.openxmlformats.org/officeDocument/2006/relationships" r:blip="">
-            <dgm:adjLst/>
-          </dgm:shape>
-          <dgm:presOf axis="self"/>
-          <dgm:constrLst/>
-          <dgm:ruleLst/>
-        </dgm:layoutNode>
-      </dgm:forEach>
-    </dgm:forEach>
-  </dgm:layoutNode>
-</dgm:layoutDef>
-</file>
-
-<file path=ppt/diagrams/layout2.xml><?xml version="1.0" encoding="utf-8"?>
 <dgm:layoutDef xmlns:dgm="http://schemas.openxmlformats.org/drawingml/2006/diagram" xmlns:a="http://schemas.openxmlformats.org/drawingml/2006/main" uniqueId="urn:microsoft.com/office/officeart/2005/8/layout/vList6">
   <dgm:title val=""/>
   <dgm:desc val=""/>
@@ -4687,1268 +2403,6 @@
 </file>
 
 <file path=ppt/diagrams/quickStyle1.xml><?xml version="1.0" encoding="utf-8"?>
-<dgm:styleDef xmlns:dgm="http://schemas.openxmlformats.org/drawingml/2006/diagram" xmlns:a="http://schemas.openxmlformats.org/drawingml/2006/main" uniqueId="urn:microsoft.com/office/officeart/2005/8/quickstyle/3d2">
-  <dgm:title val=""/>
-  <dgm:desc val=""/>
-  <dgm:catLst>
-    <dgm:cat type="3D" pri="11200"/>
-  </dgm:catLst>
-  <dgm:scene3d>
-    <a:camera prst="orthographicFront"/>
-    <a:lightRig rig="threePt" dir="t"/>
-  </dgm:scene3d>
-  <dgm:styleLbl name="node0">
-    <dgm:scene3d>
-      <a:camera prst="orthographicFront"/>
-      <a:lightRig rig="threePt" dir="t">
-        <a:rot lat="0" lon="0" rev="7500000"/>
-      </a:lightRig>
-    </dgm:scene3d>
-    <dgm:sp3d prstMaterial="plastic">
-      <a:bevelT w="127000" h="25400" prst="relaxedInset"/>
-    </dgm:sp3d>
-    <dgm:txPr/>
-    <dgm:style>
-      <a:lnRef idx="0">
-        <a:scrgbClr r="0" g="0" b="0"/>
-      </a:lnRef>
-      <a:fillRef idx="3">
-        <a:scrgbClr r="0" g="0" b="0"/>
-      </a:fillRef>
-      <a:effectRef idx="2">
-        <a:scrgbClr r="0" g="0" b="0"/>
-      </a:effectRef>
-      <a:fontRef idx="minor">
-        <a:schemeClr val="lt1"/>
-      </a:fontRef>
-    </dgm:style>
-  </dgm:styleLbl>
-  <dgm:styleLbl name="lnNode1">
-    <dgm:scene3d>
-      <a:camera prst="orthographicFront"/>
-      <a:lightRig rig="threePt" dir="t">
-        <a:rot lat="0" lon="0" rev="7500000"/>
-      </a:lightRig>
-    </dgm:scene3d>
-    <dgm:sp3d prstMaterial="plastic">
-      <a:bevelT w="127000" h="25400" prst="relaxedInset"/>
-    </dgm:sp3d>
-    <dgm:txPr/>
-    <dgm:style>
-      <a:lnRef idx="1">
-        <a:scrgbClr r="0" g="0" b="0"/>
-      </a:lnRef>
-      <a:fillRef idx="3">
-        <a:scrgbClr r="0" g="0" b="0"/>
-      </a:fillRef>
-      <a:effectRef idx="2">
-        <a:scrgbClr r="0" g="0" b="0"/>
-      </a:effectRef>
-      <a:fontRef idx="minor">
-        <a:schemeClr val="lt1"/>
-      </a:fontRef>
-    </dgm:style>
-  </dgm:styleLbl>
-  <dgm:styleLbl name="vennNode1">
-    <dgm:scene3d>
-      <a:camera prst="orthographicFront"/>
-      <a:lightRig rig="threePt" dir="t">
-        <a:rot lat="0" lon="0" rev="7500000"/>
-      </a:lightRig>
-    </dgm:scene3d>
-    <dgm:sp3d prstMaterial="plastic">
-      <a:bevelT w="127000" h="25400" prst="relaxedInset"/>
-    </dgm:sp3d>
-    <dgm:txPr/>
-    <dgm:style>
-      <a:lnRef idx="0">
-        <a:scrgbClr r="0" g="0" b="0"/>
-      </a:lnRef>
-      <a:fillRef idx="3">
-        <a:scrgbClr r="0" g="0" b="0"/>
-      </a:fillRef>
-      <a:effectRef idx="2">
-        <a:scrgbClr r="0" g="0" b="0"/>
-      </a:effectRef>
-      <a:fontRef idx="minor">
-        <a:schemeClr val="tx1"/>
-      </a:fontRef>
-    </dgm:style>
-  </dgm:styleLbl>
-  <dgm:styleLbl name="alingNode1">
-    <dgm:scene3d>
-      <a:camera prst="orthographicFront"/>
-      <a:lightRig rig="threePt" dir="t">
-        <a:rot lat="0" lon="0" rev="7500000"/>
-      </a:lightRig>
-    </dgm:scene3d>
-    <dgm:sp3d prstMaterial="plastic">
-      <a:bevelT w="127000" h="25400" prst="relaxedInset"/>
-    </dgm:sp3d>
-    <dgm:txPr/>
-    <dgm:style>
-      <a:lnRef idx="0">
-        <a:scrgbClr r="0" g="0" b="0"/>
-      </a:lnRef>
-      <a:fillRef idx="3">
-        <a:scrgbClr r="0" g="0" b="0"/>
-      </a:fillRef>
-      <a:effectRef idx="2">
-        <a:scrgbClr r="0" g="0" b="0"/>
-      </a:effectRef>
-      <a:fontRef idx="minor">
-        <a:schemeClr val="lt1"/>
-      </a:fontRef>
-    </dgm:style>
-  </dgm:styleLbl>
-  <dgm:styleLbl name="node1">
-    <dgm:scene3d>
-      <a:camera prst="orthographicFront"/>
-      <a:lightRig rig="threePt" dir="t">
-        <a:rot lat="0" lon="0" rev="7500000"/>
-      </a:lightRig>
-    </dgm:scene3d>
-    <dgm:sp3d prstMaterial="plastic">
-      <a:bevelT w="127000" h="25400" prst="relaxedInset"/>
-    </dgm:sp3d>
-    <dgm:txPr/>
-    <dgm:style>
-      <a:lnRef idx="0">
-        <a:scrgbClr r="0" g="0" b="0"/>
-      </a:lnRef>
-      <a:fillRef idx="3">
-        <a:scrgbClr r="0" g="0" b="0"/>
-      </a:fillRef>
-      <a:effectRef idx="2">
-        <a:scrgbClr r="0" g="0" b="0"/>
-      </a:effectRef>
-      <a:fontRef idx="minor">
-        <a:schemeClr val="lt1"/>
-      </a:fontRef>
-    </dgm:style>
-  </dgm:styleLbl>
-  <dgm:styleLbl name="node2">
-    <dgm:scene3d>
-      <a:camera prst="orthographicFront"/>
-      <a:lightRig rig="threePt" dir="t">
-        <a:rot lat="0" lon="0" rev="7500000"/>
-      </a:lightRig>
-    </dgm:scene3d>
-    <dgm:sp3d prstMaterial="plastic">
-      <a:bevelT w="127000" h="25400" prst="relaxedInset"/>
-    </dgm:sp3d>
-    <dgm:txPr/>
-    <dgm:style>
-      <a:lnRef idx="0">
-        <a:scrgbClr r="0" g="0" b="0"/>
-      </a:lnRef>
-      <a:fillRef idx="3">
-        <a:scrgbClr r="0" g="0" b="0"/>
-      </a:fillRef>
-      <a:effectRef idx="2">
-        <a:scrgbClr r="0" g="0" b="0"/>
-      </a:effectRef>
-      <a:fontRef idx="minor">
-        <a:schemeClr val="lt1"/>
-      </a:fontRef>
-    </dgm:style>
-  </dgm:styleLbl>
-  <dgm:styleLbl name="node3">
-    <dgm:scene3d>
-      <a:camera prst="orthographicFront"/>
-      <a:lightRig rig="threePt" dir="t">
-        <a:rot lat="0" lon="0" rev="7500000"/>
-      </a:lightRig>
-    </dgm:scene3d>
-    <dgm:sp3d prstMaterial="plastic">
-      <a:bevelT w="127000" h="25400" prst="relaxedInset"/>
-    </dgm:sp3d>
-    <dgm:txPr/>
-    <dgm:style>
-      <a:lnRef idx="0">
-        <a:scrgbClr r="0" g="0" b="0"/>
-      </a:lnRef>
-      <a:fillRef idx="3">
-        <a:scrgbClr r="0" g="0" b="0"/>
-      </a:fillRef>
-      <a:effectRef idx="2">
-        <a:scrgbClr r="0" g="0" b="0"/>
-      </a:effectRef>
-      <a:fontRef idx="minor">
-        <a:schemeClr val="lt1"/>
-      </a:fontRef>
-    </dgm:style>
-  </dgm:styleLbl>
-  <dgm:styleLbl name="node4">
-    <dgm:scene3d>
-      <a:camera prst="orthographicFront"/>
-      <a:lightRig rig="threePt" dir="t">
-        <a:rot lat="0" lon="0" rev="7500000"/>
-      </a:lightRig>
-    </dgm:scene3d>
-    <dgm:sp3d prstMaterial="plastic">
-      <a:bevelT w="127000" h="25400" prst="relaxedInset"/>
-    </dgm:sp3d>
-    <dgm:txPr/>
-    <dgm:style>
-      <a:lnRef idx="0">
-        <a:scrgbClr r="0" g="0" b="0"/>
-      </a:lnRef>
-      <a:fillRef idx="3">
-        <a:scrgbClr r="0" g="0" b="0"/>
-      </a:fillRef>
-      <a:effectRef idx="2">
-        <a:scrgbClr r="0" g="0" b="0"/>
-      </a:effectRef>
-      <a:fontRef idx="minor">
-        <a:schemeClr val="lt1"/>
-      </a:fontRef>
-    </dgm:style>
-  </dgm:styleLbl>
-  <dgm:styleLbl name="fgImgPlace1">
-    <dgm:scene3d>
-      <a:camera prst="orthographicFront"/>
-      <a:lightRig rig="threePt" dir="t">
-        <a:rot lat="0" lon="0" rev="7500000"/>
-      </a:lightRig>
-    </dgm:scene3d>
-    <dgm:sp3d z="152400" extrusionH="63500" prstMaterial="matte">
-      <a:bevelT w="50800" h="19050" prst="relaxedInset"/>
-      <a:contourClr>
-        <a:schemeClr val="bg1"/>
-      </a:contourClr>
-    </dgm:sp3d>
-    <dgm:txPr/>
-    <dgm:style>
-      <a:lnRef idx="0">
-        <a:scrgbClr r="0" g="0" b="0"/>
-      </a:lnRef>
-      <a:fillRef idx="1">
-        <a:scrgbClr r="0" g="0" b="0"/>
-      </a:fillRef>
-      <a:effectRef idx="0">
-        <a:scrgbClr r="0" g="0" b="0"/>
-      </a:effectRef>
-      <a:fontRef idx="minor"/>
-    </dgm:style>
-  </dgm:styleLbl>
-  <dgm:styleLbl name="alignImgPlace1">
-    <dgm:scene3d>
-      <a:camera prst="orthographicFront"/>
-      <a:lightRig rig="threePt" dir="t">
-        <a:rot lat="0" lon="0" rev="7500000"/>
-      </a:lightRig>
-    </dgm:scene3d>
-    <dgm:sp3d z="254000" extrusionH="63500" contourW="12700" prstMaterial="matte">
-      <a:contourClr>
-        <a:schemeClr val="lt1"/>
-      </a:contourClr>
-    </dgm:sp3d>
-    <dgm:txPr/>
-    <dgm:style>
-      <a:lnRef idx="0">
-        <a:scrgbClr r="0" g="0" b="0"/>
-      </a:lnRef>
-      <a:fillRef idx="1">
-        <a:scrgbClr r="0" g="0" b="0"/>
-      </a:fillRef>
-      <a:effectRef idx="0">
-        <a:scrgbClr r="0" g="0" b="0"/>
-      </a:effectRef>
-      <a:fontRef idx="minor"/>
-    </dgm:style>
-  </dgm:styleLbl>
-  <dgm:styleLbl name="bgImgPlace1">
-    <dgm:scene3d>
-      <a:camera prst="orthographicFront"/>
-      <a:lightRig rig="threePt" dir="t">
-        <a:rot lat="0" lon="0" rev="7500000"/>
-      </a:lightRig>
-    </dgm:scene3d>
-    <dgm:sp3d z="-152400" extrusionH="63500" contourW="12700" prstMaterial="matte">
-      <a:contourClr>
-        <a:schemeClr val="lt1"/>
-      </a:contourClr>
-    </dgm:sp3d>
-    <dgm:txPr/>
-    <dgm:style>
-      <a:lnRef idx="0">
-        <a:scrgbClr r="0" g="0" b="0"/>
-      </a:lnRef>
-      <a:fillRef idx="1">
-        <a:scrgbClr r="0" g="0" b="0"/>
-      </a:fillRef>
-      <a:effectRef idx="0">
-        <a:scrgbClr r="0" g="0" b="0"/>
-      </a:effectRef>
-      <a:fontRef idx="minor"/>
-    </dgm:style>
-  </dgm:styleLbl>
-  <dgm:styleLbl name="sibTrans2D1">
-    <dgm:scene3d>
-      <a:camera prst="orthographicFront"/>
-      <a:lightRig rig="threePt" dir="t">
-        <a:rot lat="0" lon="0" rev="7500000"/>
-      </a:lightRig>
-    </dgm:scene3d>
-    <dgm:sp3d z="-70000" extrusionH="63500" prstMaterial="matte">
-      <a:bevelT w="25400" h="6350" prst="relaxedInset"/>
-      <a:contourClr>
-        <a:schemeClr val="bg1"/>
-      </a:contourClr>
-    </dgm:sp3d>
-    <dgm:txPr/>
-    <dgm:style>
-      <a:lnRef idx="0">
-        <a:scrgbClr r="0" g="0" b="0"/>
-      </a:lnRef>
-      <a:fillRef idx="1">
-        <a:scrgbClr r="0" g="0" b="0"/>
-      </a:fillRef>
-      <a:effectRef idx="2">
-        <a:scrgbClr r="0" g="0" b="0"/>
-      </a:effectRef>
-      <a:fontRef idx="minor">
-        <a:schemeClr val="lt1"/>
-      </a:fontRef>
-    </dgm:style>
-  </dgm:styleLbl>
-  <dgm:styleLbl name="fgSibTrans2D1">
-    <dgm:scene3d>
-      <a:camera prst="orthographicFront"/>
-      <a:lightRig rig="threePt" dir="t">
-        <a:rot lat="0" lon="0" rev="7500000"/>
-      </a:lightRig>
-    </dgm:scene3d>
-    <dgm:sp3d z="152400" extrusionH="63500" prstMaterial="matte">
-      <a:bevelT w="25400" h="6350" prst="relaxedInset"/>
-      <a:contourClr>
-        <a:schemeClr val="bg1"/>
-      </a:contourClr>
-    </dgm:sp3d>
-    <dgm:txPr/>
-    <dgm:style>
-      <a:lnRef idx="0">
-        <a:scrgbClr r="0" g="0" b="0"/>
-      </a:lnRef>
-      <a:fillRef idx="1">
-        <a:scrgbClr r="0" g="0" b="0"/>
-      </a:fillRef>
-      <a:effectRef idx="2">
-        <a:scrgbClr r="0" g="0" b="0"/>
-      </a:effectRef>
-      <a:fontRef idx="minor">
-        <a:schemeClr val="lt1"/>
-      </a:fontRef>
-    </dgm:style>
-  </dgm:styleLbl>
-  <dgm:styleLbl name="bgSibTrans2D1">
-    <dgm:scene3d>
-      <a:camera prst="orthographicFront"/>
-      <a:lightRig rig="threePt" dir="t">
-        <a:rot lat="0" lon="0" rev="7500000"/>
-      </a:lightRig>
-    </dgm:scene3d>
-    <dgm:sp3d z="-152400" extrusionH="63500" prstMaterial="matte">
-      <a:bevelT w="25400" h="6350" prst="relaxedInset"/>
-      <a:contourClr>
-        <a:schemeClr val="bg1"/>
-      </a:contourClr>
-    </dgm:sp3d>
-    <dgm:txPr/>
-    <dgm:style>
-      <a:lnRef idx="0">
-        <a:scrgbClr r="0" g="0" b="0"/>
-      </a:lnRef>
-      <a:fillRef idx="1">
-        <a:scrgbClr r="0" g="0" b="0"/>
-      </a:fillRef>
-      <a:effectRef idx="2">
-        <a:scrgbClr r="0" g="0" b="0"/>
-      </a:effectRef>
-      <a:fontRef idx="minor">
-        <a:schemeClr val="lt1"/>
-      </a:fontRef>
-    </dgm:style>
-  </dgm:styleLbl>
-  <dgm:styleLbl name="sibTrans1D1">
-    <dgm:scene3d>
-      <a:camera prst="orthographicFront"/>
-      <a:lightRig rig="threePt" dir="t">
-        <a:rot lat="0" lon="0" rev="7500000"/>
-      </a:lightRig>
-    </dgm:scene3d>
-    <dgm:sp3d z="-40000" prstMaterial="matte"/>
-    <dgm:txPr/>
-    <dgm:style>
-      <a:lnRef idx="1">
-        <a:scrgbClr r="0" g="0" b="0"/>
-      </a:lnRef>
-      <a:fillRef idx="0">
-        <a:scrgbClr r="0" g="0" b="0"/>
-      </a:fillRef>
-      <a:effectRef idx="0">
-        <a:scrgbClr r="0" g="0" b="0"/>
-      </a:effectRef>
-      <a:fontRef idx="minor"/>
-    </dgm:style>
-  </dgm:styleLbl>
-  <dgm:styleLbl name="callout">
-    <dgm:scene3d>
-      <a:camera prst="orthographicFront"/>
-      <a:lightRig rig="threePt" dir="t">
-        <a:rot lat="0" lon="0" rev="7500000"/>
-      </a:lightRig>
-    </dgm:scene3d>
-    <dgm:sp3d z="127000" prstMaterial="matte"/>
-    <dgm:txPr/>
-    <dgm:style>
-      <a:lnRef idx="2">
-        <a:scrgbClr r="0" g="0" b="0"/>
-      </a:lnRef>
-      <a:fillRef idx="1">
-        <a:scrgbClr r="0" g="0" b="0"/>
-      </a:fillRef>
-      <a:effectRef idx="0">
-        <a:scrgbClr r="0" g="0" b="0"/>
-      </a:effectRef>
-      <a:fontRef idx="minor"/>
-    </dgm:style>
-  </dgm:styleLbl>
-  <dgm:styleLbl name="asst0">
-    <dgm:scene3d>
-      <a:camera prst="orthographicFront"/>
-      <a:lightRig rig="threePt" dir="t">
-        <a:rot lat="0" lon="0" rev="7500000"/>
-      </a:lightRig>
-    </dgm:scene3d>
-    <dgm:sp3d prstMaterial="plastic">
-      <a:bevelT w="127000" h="25400" prst="relaxedInset"/>
-    </dgm:sp3d>
-    <dgm:txPr/>
-    <dgm:style>
-      <a:lnRef idx="0">
-        <a:scrgbClr r="0" g="0" b="0"/>
-      </a:lnRef>
-      <a:fillRef idx="3">
-        <a:scrgbClr r="0" g="0" b="0"/>
-      </a:fillRef>
-      <a:effectRef idx="2">
-        <a:scrgbClr r="0" g="0" b="0"/>
-      </a:effectRef>
-      <a:fontRef idx="minor">
-        <a:schemeClr val="lt1"/>
-      </a:fontRef>
-    </dgm:style>
-  </dgm:styleLbl>
-  <dgm:styleLbl name="asst1">
-    <dgm:scene3d>
-      <a:camera prst="orthographicFront"/>
-      <a:lightRig rig="threePt" dir="t">
-        <a:rot lat="0" lon="0" rev="7500000"/>
-      </a:lightRig>
-    </dgm:scene3d>
-    <dgm:sp3d prstMaterial="plastic">
-      <a:bevelT w="127000" h="25400" prst="relaxedInset"/>
-    </dgm:sp3d>
-    <dgm:txPr/>
-    <dgm:style>
-      <a:lnRef idx="0">
-        <a:scrgbClr r="0" g="0" b="0"/>
-      </a:lnRef>
-      <a:fillRef idx="3">
-        <a:scrgbClr r="0" g="0" b="0"/>
-      </a:fillRef>
-      <a:effectRef idx="2">
-        <a:scrgbClr r="0" g="0" b="0"/>
-      </a:effectRef>
-      <a:fontRef idx="minor">
-        <a:schemeClr val="lt1"/>
-      </a:fontRef>
-    </dgm:style>
-  </dgm:styleLbl>
-  <dgm:styleLbl name="asst2">
-    <dgm:scene3d>
-      <a:camera prst="orthographicFront"/>
-      <a:lightRig rig="threePt" dir="t">
-        <a:rot lat="0" lon="0" rev="7500000"/>
-      </a:lightRig>
-    </dgm:scene3d>
-    <dgm:sp3d prstMaterial="plastic">
-      <a:bevelT w="127000" h="25400" prst="relaxedInset"/>
-    </dgm:sp3d>
-    <dgm:txPr/>
-    <dgm:style>
-      <a:lnRef idx="0">
-        <a:scrgbClr r="0" g="0" b="0"/>
-      </a:lnRef>
-      <a:fillRef idx="3">
-        <a:scrgbClr r="0" g="0" b="0"/>
-      </a:fillRef>
-      <a:effectRef idx="2">
-        <a:scrgbClr r="0" g="0" b="0"/>
-      </a:effectRef>
-      <a:fontRef idx="minor">
-        <a:schemeClr val="lt1"/>
-      </a:fontRef>
-    </dgm:style>
-  </dgm:styleLbl>
-  <dgm:styleLbl name="asst3">
-    <dgm:scene3d>
-      <a:camera prst="orthographicFront"/>
-      <a:lightRig rig="threePt" dir="t">
-        <a:rot lat="0" lon="0" rev="7500000"/>
-      </a:lightRig>
-    </dgm:scene3d>
-    <dgm:sp3d prstMaterial="plastic">
-      <a:bevelT w="127000" h="25400" prst="relaxedInset"/>
-    </dgm:sp3d>
-    <dgm:txPr/>
-    <dgm:style>
-      <a:lnRef idx="0">
-        <a:scrgbClr r="0" g="0" b="0"/>
-      </a:lnRef>
-      <a:fillRef idx="3">
-        <a:scrgbClr r="0" g="0" b="0"/>
-      </a:fillRef>
-      <a:effectRef idx="2">
-        <a:scrgbClr r="0" g="0" b="0"/>
-      </a:effectRef>
-      <a:fontRef idx="minor">
-        <a:schemeClr val="lt1"/>
-      </a:fontRef>
-    </dgm:style>
-  </dgm:styleLbl>
-  <dgm:styleLbl name="parChTrans2D1">
-    <dgm:scene3d>
-      <a:camera prst="orthographicFront"/>
-      <a:lightRig rig="threePt" dir="t">
-        <a:rot lat="0" lon="0" rev="7500000"/>
-      </a:lightRig>
-    </dgm:scene3d>
-    <dgm:sp3d extrusionH="63500" prstMaterial="matte">
-      <a:bevelT w="50800" h="19050" prst="relaxedInset"/>
-      <a:contourClr>
-        <a:schemeClr val="bg1"/>
-      </a:contourClr>
-    </dgm:sp3d>
-    <dgm:txPr/>
-    <dgm:style>
-      <a:lnRef idx="0">
-        <a:scrgbClr r="0" g="0" b="0"/>
-      </a:lnRef>
-      <a:fillRef idx="1">
-        <a:scrgbClr r="0" g="0" b="0"/>
-      </a:fillRef>
-      <a:effectRef idx="2">
-        <a:scrgbClr r="0" g="0" b="0"/>
-      </a:effectRef>
-      <a:fontRef idx="minor">
-        <a:schemeClr val="lt1"/>
-      </a:fontRef>
-    </dgm:style>
-  </dgm:styleLbl>
-  <dgm:styleLbl name="parChTrans2D2">
-    <dgm:scene3d>
-      <a:camera prst="orthographicFront"/>
-      <a:lightRig rig="threePt" dir="t">
-        <a:rot lat="0" lon="0" rev="7500000"/>
-      </a:lightRig>
-    </dgm:scene3d>
-    <dgm:sp3d extrusionH="63500" prstMaterial="matte">
-      <a:bevelT w="50800" h="19050" prst="relaxedInset"/>
-      <a:contourClr>
-        <a:schemeClr val="bg1"/>
-      </a:contourClr>
-    </dgm:sp3d>
-    <dgm:txPr/>
-    <dgm:style>
-      <a:lnRef idx="0">
-        <a:scrgbClr r="0" g="0" b="0"/>
-      </a:lnRef>
-      <a:fillRef idx="1">
-        <a:scrgbClr r="0" g="0" b="0"/>
-      </a:fillRef>
-      <a:effectRef idx="0">
-        <a:scrgbClr r="0" g="0" b="0"/>
-      </a:effectRef>
-      <a:fontRef idx="minor">
-        <a:schemeClr val="lt1"/>
-      </a:fontRef>
-    </dgm:style>
-  </dgm:styleLbl>
-  <dgm:styleLbl name="parChTrans2D3">
-    <dgm:scene3d>
-      <a:camera prst="orthographicFront"/>
-      <a:lightRig rig="threePt" dir="t">
-        <a:rot lat="0" lon="0" rev="7500000"/>
-      </a:lightRig>
-    </dgm:scene3d>
-    <dgm:sp3d z="60000" prstMaterial="flat">
-      <a:bevelT w="120900" h="88900"/>
-    </dgm:sp3d>
-    <dgm:txPr/>
-    <dgm:style>
-      <a:lnRef idx="0">
-        <a:scrgbClr r="0" g="0" b="0"/>
-      </a:lnRef>
-      <a:fillRef idx="3">
-        <a:scrgbClr r="0" g="0" b="0"/>
-      </a:fillRef>
-      <a:effectRef idx="1">
-        <a:scrgbClr r="0" g="0" b="0"/>
-      </a:effectRef>
-      <a:fontRef idx="minor">
-        <a:schemeClr val="lt1"/>
-      </a:fontRef>
-    </dgm:style>
-  </dgm:styleLbl>
-  <dgm:styleLbl name="parChTrans2D4">
-    <dgm:scene3d>
-      <a:camera prst="orthographicFront"/>
-      <a:lightRig rig="threePt" dir="t">
-        <a:rot lat="0" lon="0" rev="7500000"/>
-      </a:lightRig>
-    </dgm:scene3d>
-    <dgm:sp3d z="60000" prstMaterial="flat">
-      <a:bevelT w="120900" h="88900"/>
-    </dgm:sp3d>
-    <dgm:txPr/>
-    <dgm:style>
-      <a:lnRef idx="0">
-        <a:scrgbClr r="0" g="0" b="0"/>
-      </a:lnRef>
-      <a:fillRef idx="3">
-        <a:scrgbClr r="0" g="0" b="0"/>
-      </a:fillRef>
-      <a:effectRef idx="1">
-        <a:scrgbClr r="0" g="0" b="0"/>
-      </a:effectRef>
-      <a:fontRef idx="minor">
-        <a:schemeClr val="lt1"/>
-      </a:fontRef>
-    </dgm:style>
-  </dgm:styleLbl>
-  <dgm:styleLbl name="parChTrans1D1">
-    <dgm:scene3d>
-      <a:camera prst="orthographicFront"/>
-      <a:lightRig rig="threePt" dir="t">
-        <a:rot lat="0" lon="0" rev="7500000"/>
-      </a:lightRig>
-    </dgm:scene3d>
-    <dgm:sp3d z="-40000" prstMaterial="matte"/>
-    <dgm:txPr/>
-    <dgm:style>
-      <a:lnRef idx="2">
-        <a:scrgbClr r="0" g="0" b="0"/>
-      </a:lnRef>
-      <a:fillRef idx="0">
-        <a:scrgbClr r="0" g="0" b="0"/>
-      </a:fillRef>
-      <a:effectRef idx="0">
-        <a:scrgbClr r="0" g="0" b="0"/>
-      </a:effectRef>
-      <a:fontRef idx="minor"/>
-    </dgm:style>
-  </dgm:styleLbl>
-  <dgm:styleLbl name="parChTrans1D2">
-    <dgm:scene3d>
-      <a:camera prst="orthographicFront"/>
-      <a:lightRig rig="threePt" dir="t">
-        <a:rot lat="0" lon="0" rev="7500000"/>
-      </a:lightRig>
-    </dgm:scene3d>
-    <dgm:sp3d z="-40000" prstMaterial="matte"/>
-    <dgm:txPr/>
-    <dgm:style>
-      <a:lnRef idx="2">
-        <a:scrgbClr r="0" g="0" b="0"/>
-      </a:lnRef>
-      <a:fillRef idx="0">
-        <a:scrgbClr r="0" g="0" b="0"/>
-      </a:fillRef>
-      <a:effectRef idx="0">
-        <a:scrgbClr r="0" g="0" b="0"/>
-      </a:effectRef>
-      <a:fontRef idx="minor"/>
-    </dgm:style>
-  </dgm:styleLbl>
-  <dgm:styleLbl name="parChTrans1D3">
-    <dgm:scene3d>
-      <a:camera prst="orthographicFront"/>
-      <a:lightRig rig="threePt" dir="t">
-        <a:rot lat="0" lon="0" rev="7500000"/>
-      </a:lightRig>
-    </dgm:scene3d>
-    <dgm:sp3d z="-40000" prstMaterial="matte"/>
-    <dgm:txPr/>
-    <dgm:style>
-      <a:lnRef idx="2">
-        <a:scrgbClr r="0" g="0" b="0"/>
-      </a:lnRef>
-      <a:fillRef idx="0">
-        <a:scrgbClr r="0" g="0" b="0"/>
-      </a:fillRef>
-      <a:effectRef idx="0">
-        <a:scrgbClr r="0" g="0" b="0"/>
-      </a:effectRef>
-      <a:fontRef idx="minor"/>
-    </dgm:style>
-  </dgm:styleLbl>
-  <dgm:styleLbl name="parChTrans1D4">
-    <dgm:scene3d>
-      <a:camera prst="orthographicFront"/>
-      <a:lightRig rig="threePt" dir="t">
-        <a:rot lat="0" lon="0" rev="7500000"/>
-      </a:lightRig>
-    </dgm:scene3d>
-    <dgm:sp3d z="-40000" prstMaterial="matte"/>
-    <dgm:txPr/>
-    <dgm:style>
-      <a:lnRef idx="2">
-        <a:scrgbClr r="0" g="0" b="0"/>
-      </a:lnRef>
-      <a:fillRef idx="0">
-        <a:scrgbClr r="0" g="0" b="0"/>
-      </a:fillRef>
-      <a:effectRef idx="0">
-        <a:scrgbClr r="0" g="0" b="0"/>
-      </a:effectRef>
-      <a:fontRef idx="minor"/>
-    </dgm:style>
-  </dgm:styleLbl>
-  <dgm:styleLbl name="fgAcc1">
-    <dgm:scene3d>
-      <a:camera prst="orthographicFront"/>
-      <a:lightRig rig="threePt" dir="t">
-        <a:rot lat="0" lon="0" rev="7500000"/>
-      </a:lightRig>
-    </dgm:scene3d>
-    <dgm:sp3d z="152400" extrusionH="63500" prstMaterial="dkEdge">
-      <a:bevelT w="135400" h="16350" prst="relaxedInset"/>
-      <a:contourClr>
-        <a:schemeClr val="bg1"/>
-      </a:contourClr>
-    </dgm:sp3d>
-    <dgm:txPr/>
-    <dgm:style>
-      <a:lnRef idx="1">
-        <a:scrgbClr r="0" g="0" b="0"/>
-      </a:lnRef>
-      <a:fillRef idx="1">
-        <a:scrgbClr r="0" g="0" b="0"/>
-      </a:fillRef>
-      <a:effectRef idx="2">
-        <a:scrgbClr r="0" g="0" b="0"/>
-      </a:effectRef>
-      <a:fontRef idx="minor"/>
-    </dgm:style>
-  </dgm:styleLbl>
-  <dgm:styleLbl name="conFgAcc1">
-    <dgm:scene3d>
-      <a:camera prst="orthographicFront"/>
-      <a:lightRig rig="threePt" dir="t">
-        <a:rot lat="0" lon="0" rev="7500000"/>
-      </a:lightRig>
-    </dgm:scene3d>
-    <dgm:sp3d z="152400" extrusionH="63500" prstMaterial="dkEdge">
-      <a:bevelT w="135400" h="16350" prst="relaxedInset"/>
-      <a:contourClr>
-        <a:schemeClr val="bg1"/>
-      </a:contourClr>
-    </dgm:sp3d>
-    <dgm:txPr/>
-    <dgm:style>
-      <a:lnRef idx="1">
-        <a:scrgbClr r="0" g="0" b="0"/>
-      </a:lnRef>
-      <a:fillRef idx="1">
-        <a:scrgbClr r="0" g="0" b="0"/>
-      </a:fillRef>
-      <a:effectRef idx="2">
-        <a:scrgbClr r="0" g="0" b="0"/>
-      </a:effectRef>
-      <a:fontRef idx="minor"/>
-    </dgm:style>
-  </dgm:styleLbl>
-  <dgm:styleLbl name="alignAcc1">
-    <dgm:scene3d>
-      <a:camera prst="orthographicFront"/>
-      <a:lightRig rig="threePt" dir="t">
-        <a:rot lat="0" lon="0" rev="7500000"/>
-      </a:lightRig>
-    </dgm:scene3d>
-    <dgm:sp3d extrusionH="190500" prstMaterial="dkEdge">
-      <a:bevelT w="135400" h="16350" prst="relaxedInset"/>
-      <a:contourClr>
-        <a:schemeClr val="bg1"/>
-      </a:contourClr>
-    </dgm:sp3d>
-    <dgm:txPr/>
-    <dgm:style>
-      <a:lnRef idx="1">
-        <a:scrgbClr r="0" g="0" b="0"/>
-      </a:lnRef>
-      <a:fillRef idx="1">
-        <a:scrgbClr r="0" g="0" b="0"/>
-      </a:fillRef>
-      <a:effectRef idx="2">
-        <a:scrgbClr r="0" g="0" b="0"/>
-      </a:effectRef>
-      <a:fontRef idx="minor"/>
-    </dgm:style>
-  </dgm:styleLbl>
-  <dgm:styleLbl name="trAlignAcc1">
-    <dgm:scene3d>
-      <a:camera prst="orthographicFront"/>
-      <a:lightRig rig="threePt" dir="t">
-        <a:rot lat="0" lon="0" rev="7500000"/>
-      </a:lightRig>
-    </dgm:scene3d>
-    <dgm:sp3d prstMaterial="plastic">
-      <a:bevelT w="127000" h="35400"/>
-    </dgm:sp3d>
-    <dgm:txPr/>
-    <dgm:style>
-      <a:lnRef idx="1">
-        <a:scrgbClr r="0" g="0" b="0"/>
-      </a:lnRef>
-      <a:fillRef idx="1">
-        <a:scrgbClr r="0" g="0" b="0"/>
-      </a:fillRef>
-      <a:effectRef idx="2">
-        <a:scrgbClr r="0" g="0" b="0"/>
-      </a:effectRef>
-      <a:fontRef idx="minor">
-        <a:schemeClr val="lt1"/>
-      </a:fontRef>
-    </dgm:style>
-  </dgm:styleLbl>
-  <dgm:styleLbl name="bgAcc1">
-    <dgm:scene3d>
-      <a:camera prst="orthographicFront"/>
-      <a:lightRig rig="threePt" dir="t">
-        <a:rot lat="0" lon="0" rev="7500000"/>
-      </a:lightRig>
-    </dgm:scene3d>
-    <dgm:sp3d z="-152400" extrusionH="63500" prstMaterial="dkEdge">
-      <a:bevelT w="124450" h="16350" prst="relaxedInset"/>
-      <a:contourClr>
-        <a:schemeClr val="bg1"/>
-      </a:contourClr>
-    </dgm:sp3d>
-    <dgm:txPr/>
-    <dgm:style>
-      <a:lnRef idx="1">
-        <a:scrgbClr r="0" g="0" b="0"/>
-      </a:lnRef>
-      <a:fillRef idx="1">
-        <a:scrgbClr r="0" g="0" b="0"/>
-      </a:fillRef>
-      <a:effectRef idx="0">
-        <a:scrgbClr r="0" g="0" b="0"/>
-      </a:effectRef>
-      <a:fontRef idx="minor"/>
-    </dgm:style>
-  </dgm:styleLbl>
-  <dgm:styleLbl name="solidFgAcc1">
-    <dgm:scene3d>
-      <a:camera prst="orthographicFront"/>
-      <a:lightRig rig="threePt" dir="t">
-        <a:rot lat="0" lon="0" rev="7500000"/>
-      </a:lightRig>
-    </dgm:scene3d>
-    <dgm:sp3d z="152400" extrusionH="63500" prstMaterial="dkEdge">
-      <a:bevelT w="120800" h="19050" prst="relaxedInset"/>
-      <a:contourClr>
-        <a:schemeClr val="bg1"/>
-      </a:contourClr>
-    </dgm:sp3d>
-    <dgm:txPr/>
-    <dgm:style>
-      <a:lnRef idx="1">
-        <a:scrgbClr r="0" g="0" b="0"/>
-      </a:lnRef>
-      <a:fillRef idx="1">
-        <a:scrgbClr r="0" g="0" b="0"/>
-      </a:fillRef>
-      <a:effectRef idx="2">
-        <a:scrgbClr r="0" g="0" b="0"/>
-      </a:effectRef>
-      <a:fontRef idx="minor"/>
-    </dgm:style>
-  </dgm:styleLbl>
-  <dgm:styleLbl name="solidAlignAcc1">
-    <dgm:scene3d>
-      <a:camera prst="orthographicFront"/>
-      <a:lightRig rig="threePt" dir="t">
-        <a:rot lat="0" lon="0" rev="7500000"/>
-      </a:lightRig>
-    </dgm:scene3d>
-    <dgm:sp3d extrusionH="190500" prstMaterial="dkEdge">
-      <a:bevelT w="120650" h="38100" prst="relaxedInset"/>
-      <a:contourClr>
-        <a:schemeClr val="bg1"/>
-      </a:contourClr>
-    </dgm:sp3d>
-    <dgm:txPr/>
-    <dgm:style>
-      <a:lnRef idx="1">
-        <a:scrgbClr r="0" g="0" b="0"/>
-      </a:lnRef>
-      <a:fillRef idx="1">
-        <a:scrgbClr r="0" g="0" b="0"/>
-      </a:fillRef>
-      <a:effectRef idx="2">
-        <a:scrgbClr r="0" g="0" b="0"/>
-      </a:effectRef>
-      <a:fontRef idx="minor"/>
-    </dgm:style>
-  </dgm:styleLbl>
-  <dgm:styleLbl name="solidBgAcc1">
-    <dgm:scene3d>
-      <a:camera prst="orthographicFront"/>
-      <a:lightRig rig="threePt" dir="t">
-        <a:rot lat="0" lon="0" rev="7500000"/>
-      </a:lightRig>
-    </dgm:scene3d>
-    <dgm:sp3d z="-152400" extrusionH="63500" prstMaterial="dkEdge">
-      <a:bevelT w="144450" h="36350" prst="relaxedInset"/>
-      <a:contourClr>
-        <a:schemeClr val="bg1"/>
-      </a:contourClr>
-    </dgm:sp3d>
-    <dgm:txPr/>
-    <dgm:style>
-      <a:lnRef idx="1">
-        <a:scrgbClr r="0" g="0" b="0"/>
-      </a:lnRef>
-      <a:fillRef idx="1">
-        <a:scrgbClr r="0" g="0" b="0"/>
-      </a:fillRef>
-      <a:effectRef idx="0">
-        <a:scrgbClr r="0" g="0" b="0"/>
-      </a:effectRef>
-      <a:fontRef idx="minor"/>
-    </dgm:style>
-  </dgm:styleLbl>
-  <dgm:styleLbl name="fgAccFollowNode1">
-    <dgm:scene3d>
-      <a:camera prst="orthographicFront"/>
-      <a:lightRig rig="threePt" dir="t">
-        <a:rot lat="0" lon="0" rev="7500000"/>
-      </a:lightRig>
-    </dgm:scene3d>
-    <dgm:sp3d z="152400" extrusionH="63500" prstMaterial="dkEdge">
-      <a:bevelT w="125400" h="36350" prst="relaxedInset"/>
-      <a:contourClr>
-        <a:schemeClr val="bg1"/>
-      </a:contourClr>
-    </dgm:sp3d>
-    <dgm:txPr/>
-    <dgm:style>
-      <a:lnRef idx="1">
-        <a:scrgbClr r="0" g="0" b="0"/>
-      </a:lnRef>
-      <a:fillRef idx="1">
-        <a:scrgbClr r="0" g="0" b="0"/>
-      </a:fillRef>
-      <a:effectRef idx="0">
-        <a:scrgbClr r="0" g="0" b="0"/>
-      </a:effectRef>
-      <a:fontRef idx="minor"/>
-    </dgm:style>
-  </dgm:styleLbl>
-  <dgm:styleLbl name="alignAccFollowNode1">
-    <dgm:scene3d>
-      <a:camera prst="orthographicFront"/>
-      <a:lightRig rig="threePt" dir="t">
-        <a:rot lat="0" lon="0" rev="7500000"/>
-      </a:lightRig>
-    </dgm:scene3d>
-    <dgm:sp3d extrusionH="190500" prstMaterial="dkEdge">
-      <a:bevelT w="120650" h="38100" prst="relaxedInset"/>
-      <a:bevelB w="120650" h="57150" prst="relaxedInset"/>
-      <a:contourClr>
-        <a:schemeClr val="bg1"/>
-      </a:contourClr>
-    </dgm:sp3d>
-    <dgm:txPr/>
-    <dgm:style>
-      <a:lnRef idx="1">
-        <a:scrgbClr r="0" g="0" b="0"/>
-      </a:lnRef>
-      <a:fillRef idx="1">
-        <a:scrgbClr r="0" g="0" b="0"/>
-      </a:fillRef>
-      <a:effectRef idx="2">
-        <a:scrgbClr r="0" g="0" b="0"/>
-      </a:effectRef>
-      <a:fontRef idx="minor"/>
-    </dgm:style>
-  </dgm:styleLbl>
-  <dgm:styleLbl name="bgAccFollowNode1">
-    <dgm:scene3d>
-      <a:camera prst="orthographicFront"/>
-      <a:lightRig rig="threePt" dir="t">
-        <a:rot lat="0" lon="0" rev="7500000"/>
-      </a:lightRig>
-    </dgm:scene3d>
-    <dgm:sp3d z="-152400" extrusionH="63500" prstMaterial="dkEdge">
-      <a:bevelT w="144450" h="36350" prst="relaxedInset"/>
-      <a:contourClr>
-        <a:schemeClr val="bg1"/>
-      </a:contourClr>
-    </dgm:sp3d>
-    <dgm:txPr/>
-    <dgm:style>
-      <a:lnRef idx="1">
-        <a:scrgbClr r="0" g="0" b="0"/>
-      </a:lnRef>
-      <a:fillRef idx="1">
-        <a:scrgbClr r="0" g="0" b="0"/>
-      </a:fillRef>
-      <a:effectRef idx="2">
-        <a:scrgbClr r="0" g="0" b="0"/>
-      </a:effectRef>
-      <a:fontRef idx="minor"/>
-    </dgm:style>
-  </dgm:styleLbl>
-  <dgm:styleLbl name="fgAcc0">
-    <dgm:scene3d>
-      <a:camera prst="orthographicFront"/>
-      <a:lightRig rig="threePt" dir="t">
-        <a:rot lat="0" lon="0" rev="7500000"/>
-      </a:lightRig>
-    </dgm:scene3d>
-    <dgm:sp3d z="152400" extrusionH="63500" prstMaterial="dkEdge">
-      <a:bevelT w="125400" h="36350" prst="relaxedInset"/>
-      <a:contourClr>
-        <a:schemeClr val="bg1"/>
-      </a:contourClr>
-    </dgm:sp3d>
-    <dgm:txPr/>
-    <dgm:style>
-      <a:lnRef idx="1">
-        <a:scrgbClr r="0" g="0" b="0"/>
-      </a:lnRef>
-      <a:fillRef idx="1">
-        <a:scrgbClr r="0" g="0" b="0"/>
-      </a:fillRef>
-      <a:effectRef idx="2">
-        <a:scrgbClr r="0" g="0" b="0"/>
-      </a:effectRef>
-      <a:fontRef idx="minor"/>
-    </dgm:style>
-  </dgm:styleLbl>
-  <dgm:styleLbl name="fgAcc2">
-    <dgm:scene3d>
-      <a:camera prst="orthographicFront"/>
-      <a:lightRig rig="threePt" dir="t">
-        <a:rot lat="0" lon="0" rev="7500000"/>
-      </a:lightRig>
-    </dgm:scene3d>
-    <dgm:sp3d z="152400" extrusionH="63500" prstMaterial="dkEdge">
-      <a:bevelT w="125400" h="36350" prst="relaxedInset"/>
-      <a:contourClr>
-        <a:schemeClr val="bg1"/>
-      </a:contourClr>
-    </dgm:sp3d>
-    <dgm:txPr/>
-    <dgm:style>
-      <a:lnRef idx="1">
-        <a:scrgbClr r="0" g="0" b="0"/>
-      </a:lnRef>
-      <a:fillRef idx="1">
-        <a:scrgbClr r="0" g="0" b="0"/>
-      </a:fillRef>
-      <a:effectRef idx="2">
-        <a:scrgbClr r="0" g="0" b="0"/>
-      </a:effectRef>
-      <a:fontRef idx="minor"/>
-    </dgm:style>
-  </dgm:styleLbl>
-  <dgm:styleLbl name="fgAcc3">
-    <dgm:scene3d>
-      <a:camera prst="orthographicFront"/>
-      <a:lightRig rig="threePt" dir="t">
-        <a:rot lat="0" lon="0" rev="7500000"/>
-      </a:lightRig>
-    </dgm:scene3d>
-    <dgm:sp3d z="152400" extrusionH="63500" prstMaterial="dkEdge">
-      <a:bevelT w="125400" h="36350" prst="relaxedInset"/>
-      <a:contourClr>
-        <a:schemeClr val="bg1"/>
-      </a:contourClr>
-    </dgm:sp3d>
-    <dgm:txPr/>
-    <dgm:style>
-      <a:lnRef idx="1">
-        <a:scrgbClr r="0" g="0" b="0"/>
-      </a:lnRef>
-      <a:fillRef idx="1">
-        <a:scrgbClr r="0" g="0" b="0"/>
-      </a:fillRef>
-      <a:effectRef idx="2">
-        <a:scrgbClr r="0" g="0" b="0"/>
-      </a:effectRef>
-      <a:fontRef idx="minor"/>
-    </dgm:style>
-  </dgm:styleLbl>
-  <dgm:styleLbl name="fgAcc4">
-    <dgm:scene3d>
-      <a:camera prst="orthographicFront"/>
-      <a:lightRig rig="threePt" dir="t">
-        <a:rot lat="0" lon="0" rev="7500000"/>
-      </a:lightRig>
-    </dgm:scene3d>
-    <dgm:sp3d z="152400" extrusionH="63500" prstMaterial="dkEdge">
-      <a:bevelT w="125400" h="36350" prst="relaxedInset"/>
-      <a:contourClr>
-        <a:schemeClr val="bg1"/>
-      </a:contourClr>
-    </dgm:sp3d>
-    <dgm:txPr/>
-    <dgm:style>
-      <a:lnRef idx="1">
-        <a:scrgbClr r="0" g="0" b="0"/>
-      </a:lnRef>
-      <a:fillRef idx="1">
-        <a:scrgbClr r="0" g="0" b="0"/>
-      </a:fillRef>
-      <a:effectRef idx="2">
-        <a:scrgbClr r="0" g="0" b="0"/>
-      </a:effectRef>
-      <a:fontRef idx="minor"/>
-    </dgm:style>
-  </dgm:styleLbl>
-  <dgm:styleLbl name="bgShp">
-    <dgm:scene3d>
-      <a:camera prst="orthographicFront"/>
-      <a:lightRig rig="threePt" dir="t">
-        <a:rot lat="0" lon="0" rev="7500000"/>
-      </a:lightRig>
-    </dgm:scene3d>
-    <dgm:sp3d z="-152400" extrusionH="63500" prstMaterial="matte">
-      <a:bevelT w="144450" h="6350" prst="relaxedInset"/>
-      <a:contourClr>
-        <a:schemeClr val="bg1"/>
-      </a:contourClr>
-    </dgm:sp3d>
-    <dgm:txPr/>
-    <dgm:style>
-      <a:lnRef idx="0">
-        <a:scrgbClr r="0" g="0" b="0"/>
-      </a:lnRef>
-      <a:fillRef idx="3">
-        <a:scrgbClr r="0" g="0" b="0"/>
-      </a:fillRef>
-      <a:effectRef idx="0">
-        <a:scrgbClr r="0" g="0" b="0"/>
-      </a:effectRef>
-      <a:fontRef idx="minor"/>
-    </dgm:style>
-  </dgm:styleLbl>
-  <dgm:styleLbl name="dkBgShp">
-    <dgm:scene3d>
-      <a:camera prst="orthographicFront"/>
-      <a:lightRig rig="threePt" dir="t">
-        <a:rot lat="0" lon="0" rev="7500000"/>
-      </a:lightRig>
-    </dgm:scene3d>
-    <dgm:sp3d prstMaterial="plastic">
-      <a:bevelT w="127000" h="25400" prst="relaxedInset"/>
-      <a:bevelB w="88900" h="121750" prst="angle"/>
-    </dgm:sp3d>
-    <dgm:txPr/>
-    <dgm:style>
-      <a:lnRef idx="0">
-        <a:scrgbClr r="0" g="0" b="0"/>
-      </a:lnRef>
-      <a:fillRef idx="1">
-        <a:scrgbClr r="0" g="0" b="0"/>
-      </a:fillRef>
-      <a:effectRef idx="2">
-        <a:scrgbClr r="0" g="0" b="0"/>
-      </a:effectRef>
-      <a:fontRef idx="minor">
-        <a:schemeClr val="lt1"/>
-      </a:fontRef>
-    </dgm:style>
-  </dgm:styleLbl>
-  <dgm:styleLbl name="trBgShp">
-    <dgm:scene3d>
-      <a:camera prst="orthographicFront"/>
-      <a:lightRig rig="threePt" dir="t"/>
-    </dgm:scene3d>
-    <dgm:sp3d z="-152400" prstMaterial="matte"/>
-    <dgm:txPr/>
-    <dgm:style>
-      <a:lnRef idx="0">
-        <a:scrgbClr r="0" g="0" b="0"/>
-      </a:lnRef>
-      <a:fillRef idx="1">
-        <a:scrgbClr r="0" g="0" b="0"/>
-      </a:fillRef>
-      <a:effectRef idx="0">
-        <a:scrgbClr r="0" g="0" b="0"/>
-      </a:effectRef>
-      <a:fontRef idx="minor"/>
-    </dgm:style>
-  </dgm:styleLbl>
-  <dgm:styleLbl name="fgShp">
-    <dgm:scene3d>
-      <a:camera prst="orthographicFront"/>
-      <a:lightRig rig="threePt" dir="t">
-        <a:rot lat="0" lon="0" rev="7500000"/>
-      </a:lightRig>
-    </dgm:scene3d>
-    <dgm:sp3d z="152400" extrusionH="63500" prstMaterial="matte">
-      <a:bevelT w="50800" h="19050" prst="relaxedInset"/>
-      <a:contourClr>
-        <a:schemeClr val="bg1"/>
-      </a:contourClr>
-    </dgm:sp3d>
-    <dgm:txPr/>
-    <dgm:style>
-      <a:lnRef idx="0">
-        <a:scrgbClr r="0" g="0" b="0"/>
-      </a:lnRef>
-      <a:fillRef idx="1">
-        <a:scrgbClr r="0" g="0" b="0"/>
-      </a:fillRef>
-      <a:effectRef idx="2">
-        <a:scrgbClr r="0" g="0" b="0"/>
-      </a:effectRef>
-      <a:fontRef idx="minor">
-        <a:schemeClr val="lt1"/>
-      </a:fontRef>
-    </dgm:style>
-  </dgm:styleLbl>
-  <dgm:styleLbl name="revTx">
-    <dgm:scene3d>
-      <a:camera prst="orthographicFront"/>
-      <a:lightRig rig="threePt" dir="t"/>
-    </dgm:scene3d>
-    <dgm:sp3d/>
-    <dgm:txPr/>
-    <dgm:style>
-      <a:lnRef idx="0">
-        <a:scrgbClr r="0" g="0" b="0"/>
-      </a:lnRef>
-      <a:fillRef idx="0">
-        <a:scrgbClr r="0" g="0" b="0"/>
-      </a:fillRef>
-      <a:effectRef idx="0">
-        <a:scrgbClr r="0" g="0" b="0"/>
-      </a:effectRef>
-      <a:fontRef idx="minor"/>
-    </dgm:style>
-  </dgm:styleLbl>
-</dgm:styleDef>
-</file>
-
-<file path=ppt/diagrams/quickStyle2.xml><?xml version="1.0" encoding="utf-8"?>
 <dgm:styleDef xmlns:dgm="http://schemas.openxmlformats.org/drawingml/2006/diagram" xmlns:a="http://schemas.openxmlformats.org/drawingml/2006/main" uniqueId="urn:microsoft.com/office/officeart/2005/8/quickstyle/3d1">
   <dgm:title val=""/>
   <dgm:desc val=""/>
@@ -12336,135 +8790,9 @@
   <p:timing>
     <p:tnLst>
       <p:par>
-        <p:cTn id="1" dur="indefinite" restart="never" nodeType="tmRoot">
-          <p:childTnLst>
-            <p:seq concurrent="1" nextAc="seek">
-              <p:cTn id="2" dur="indefinite" nodeType="mainSeq">
-                <p:childTnLst>
-                  <p:par>
-                    <p:cTn id="3" fill="hold">
-                      <p:stCondLst>
-                        <p:cond delay="indefinite"/>
-                        <p:cond evt="onBegin" delay="0">
-                          <p:tn val="2"/>
-                        </p:cond>
-                      </p:stCondLst>
-                      <p:childTnLst>
-                        <p:par>
-                          <p:cTn id="4" fill="hold">
-                            <p:stCondLst>
-                              <p:cond delay="0"/>
-                            </p:stCondLst>
-                            <p:childTnLst>
-                              <p:par>
-                                <p:cTn id="5" presetID="10" presetClass="entr" presetSubtype="0" fill="hold" grpId="0" nodeType="withEffect">
-                                  <p:stCondLst>
-                                    <p:cond delay="0"/>
-                                  </p:stCondLst>
-                                  <p:childTnLst>
-                                    <p:set>
-                                      <p:cBhvr>
-                                        <p:cTn id="6" dur="1" fill="hold">
-                                          <p:stCondLst>
-                                            <p:cond delay="0"/>
-                                          </p:stCondLst>
-                                        </p:cTn>
-                                        <p:tgtEl>
-                                          <p:spTgt spid="3">
-                                            <p:txEl>
-                                              <p:pRg st="0" end="0"/>
-                                            </p:txEl>
-                                          </p:spTgt>
-                                        </p:tgtEl>
-                                        <p:attrNameLst>
-                                          <p:attrName>style.visibility</p:attrName>
-                                        </p:attrNameLst>
-                                      </p:cBhvr>
-                                      <p:to>
-                                        <p:strVal val="visible"/>
-                                      </p:to>
-                                    </p:set>
-                                    <p:animEffect transition="in" filter="fade">
-                                      <p:cBhvr>
-                                        <p:cTn id="7" dur="500"/>
-                                        <p:tgtEl>
-                                          <p:spTgt spid="3">
-                                            <p:txEl>
-                                              <p:pRg st="0" end="0"/>
-                                            </p:txEl>
-                                          </p:spTgt>
-                                        </p:tgtEl>
-                                      </p:cBhvr>
-                                    </p:animEffect>
-                                  </p:childTnLst>
-                                </p:cTn>
-                              </p:par>
-                              <p:par>
-                                <p:cTn id="8" presetID="10" presetClass="entr" presetSubtype="0" fill="hold" grpId="0" nodeType="withEffect">
-                                  <p:stCondLst>
-                                    <p:cond delay="0"/>
-                                  </p:stCondLst>
-                                  <p:childTnLst>
-                                    <p:set>
-                                      <p:cBhvr>
-                                        <p:cTn id="9" dur="1" fill="hold">
-                                          <p:stCondLst>
-                                            <p:cond delay="0"/>
-                                          </p:stCondLst>
-                                        </p:cTn>
-                                        <p:tgtEl>
-                                          <p:spTgt spid="4"/>
-                                        </p:tgtEl>
-                                        <p:attrNameLst>
-                                          <p:attrName>style.visibility</p:attrName>
-                                        </p:attrNameLst>
-                                      </p:cBhvr>
-                                      <p:to>
-                                        <p:strVal val="visible"/>
-                                      </p:to>
-                                    </p:set>
-                                    <p:animEffect transition="in" filter="fade">
-                                      <p:cBhvr>
-                                        <p:cTn id="10" dur="500"/>
-                                        <p:tgtEl>
-                                          <p:spTgt spid="4"/>
-                                        </p:tgtEl>
-                                      </p:cBhvr>
-                                    </p:animEffect>
-                                  </p:childTnLst>
-                                </p:cTn>
-                              </p:par>
-                            </p:childTnLst>
-                          </p:cTn>
-                        </p:par>
-                      </p:childTnLst>
-                    </p:cTn>
-                  </p:par>
-                </p:childTnLst>
-              </p:cTn>
-              <p:prevCondLst>
-                <p:cond evt="onPrev" delay="0">
-                  <p:tgtEl>
-                    <p:sldTgt/>
-                  </p:tgtEl>
-                </p:cond>
-              </p:prevCondLst>
-              <p:nextCondLst>
-                <p:cond evt="onNext" delay="0">
-                  <p:tgtEl>
-                    <p:sldTgt/>
-                  </p:tgtEl>
-                </p:cond>
-              </p:nextCondLst>
-            </p:seq>
-          </p:childTnLst>
-        </p:cTn>
+        <p:cTn id="1" dur="indefinite" restart="never" nodeType="tmRoot"/>
       </p:par>
     </p:tnLst>
-    <p:bldLst>
-      <p:bldP spid="3" grpId="0" build="p"/>
-      <p:bldP spid="4" grpId="0"/>
-    </p:bldLst>
   </p:timing>
 </p:sld>
 </file>
@@ -12872,14 +9200,14 @@
                 <a:latin typeface="Times New Roman" panose="02020603050405020304" pitchFamily="18" charset="0"/>
                 <a:cs typeface="Times New Roman" panose="02020603050405020304" pitchFamily="18" charset="0"/>
               </a:rPr>
-              <a:t>Automation Testing </a:t>
-            </a:r>
-            <a:r>
-              <a:rPr lang="en-US" altLang="zh-TW" sz="2400" dirty="0" smtClean="0">
+              <a:t>Benefits of Automation </a:t>
+            </a:r>
+            <a:r>
+              <a:rPr lang="en-US" altLang="zh-TW" sz="2400" dirty="0">
                 <a:latin typeface="Times New Roman" panose="02020603050405020304" pitchFamily="18" charset="0"/>
                 <a:cs typeface="Times New Roman" panose="02020603050405020304" pitchFamily="18" charset="0"/>
               </a:rPr>
-              <a:t>Functional</a:t>
+              <a:t>Testing</a:t>
             </a:r>
             <a:endParaRPr lang="en-US" altLang="zh-TW" sz="2400" dirty="0">
               <a:latin typeface="Times New Roman" panose="02020603050405020304" pitchFamily="18" charset="0"/>
@@ -13028,307 +9356,9 @@
   <p:timing>
     <p:tnLst>
       <p:par>
-        <p:cTn id="1" dur="indefinite" restart="never" nodeType="tmRoot">
-          <p:childTnLst>
-            <p:seq concurrent="1" nextAc="seek">
-              <p:cTn id="2" dur="indefinite" nodeType="mainSeq">
-                <p:childTnLst>
-                  <p:par>
-                    <p:cTn id="3" fill="hold">
-                      <p:stCondLst>
-                        <p:cond delay="indefinite"/>
-                        <p:cond evt="onBegin" delay="0">
-                          <p:tn val="2"/>
-                        </p:cond>
-                      </p:stCondLst>
-                      <p:childTnLst>
-                        <p:par>
-                          <p:cTn id="4" fill="hold">
-                            <p:stCondLst>
-                              <p:cond delay="0"/>
-                            </p:stCondLst>
-                            <p:childTnLst>
-                              <p:par>
-                                <p:cTn id="5" presetID="10" presetClass="entr" presetSubtype="0" fill="hold" grpId="0" nodeType="withEffect">
-                                  <p:stCondLst>
-                                    <p:cond delay="0"/>
-                                  </p:stCondLst>
-                                  <p:childTnLst>
-                                    <p:set>
-                                      <p:cBhvr>
-                                        <p:cTn id="6" dur="1" fill="hold">
-                                          <p:stCondLst>
-                                            <p:cond delay="0"/>
-                                          </p:stCondLst>
-                                        </p:cTn>
-                                        <p:tgtEl>
-                                          <p:spTgt spid="15362">
-                                            <p:txEl>
-                                              <p:pRg st="0" end="0"/>
-                                            </p:txEl>
-                                          </p:spTgt>
-                                        </p:tgtEl>
-                                        <p:attrNameLst>
-                                          <p:attrName>style.visibility</p:attrName>
-                                        </p:attrNameLst>
-                                      </p:cBhvr>
-                                      <p:to>
-                                        <p:strVal val="visible"/>
-                                      </p:to>
-                                    </p:set>
-                                    <p:animEffect transition="in" filter="fade">
-                                      <p:cBhvr>
-                                        <p:cTn id="7" dur="500"/>
-                                        <p:tgtEl>
-                                          <p:spTgt spid="15362">
-                                            <p:txEl>
-                                              <p:pRg st="0" end="0"/>
-                                            </p:txEl>
-                                          </p:spTgt>
-                                        </p:tgtEl>
-                                      </p:cBhvr>
-                                    </p:animEffect>
-                                  </p:childTnLst>
-                                </p:cTn>
-                              </p:par>
-                              <p:par>
-                                <p:cTn id="8" presetID="10" presetClass="entr" presetSubtype="0" fill="hold" grpId="0" nodeType="withEffect">
-                                  <p:stCondLst>
-                                    <p:cond delay="0"/>
-                                  </p:stCondLst>
-                                  <p:childTnLst>
-                                    <p:set>
-                                      <p:cBhvr>
-                                        <p:cTn id="9" dur="1" fill="hold">
-                                          <p:stCondLst>
-                                            <p:cond delay="0"/>
-                                          </p:stCondLst>
-                                        </p:cTn>
-                                        <p:tgtEl>
-                                          <p:spTgt spid="15362">
-                                            <p:txEl>
-                                              <p:pRg st="1" end="1"/>
-                                            </p:txEl>
-                                          </p:spTgt>
-                                        </p:tgtEl>
-                                        <p:attrNameLst>
-                                          <p:attrName>style.visibility</p:attrName>
-                                        </p:attrNameLst>
-                                      </p:cBhvr>
-                                      <p:to>
-                                        <p:strVal val="visible"/>
-                                      </p:to>
-                                    </p:set>
-                                    <p:animEffect transition="in" filter="fade">
-                                      <p:cBhvr>
-                                        <p:cTn id="10" dur="500"/>
-                                        <p:tgtEl>
-                                          <p:spTgt spid="15362">
-                                            <p:txEl>
-                                              <p:pRg st="1" end="1"/>
-                                            </p:txEl>
-                                          </p:spTgt>
-                                        </p:tgtEl>
-                                      </p:cBhvr>
-                                    </p:animEffect>
-                                  </p:childTnLst>
-                                </p:cTn>
-                              </p:par>
-                              <p:par>
-                                <p:cTn id="11" presetID="10" presetClass="entr" presetSubtype="0" fill="hold" grpId="0" nodeType="withEffect">
-                                  <p:stCondLst>
-                                    <p:cond delay="0"/>
-                                  </p:stCondLst>
-                                  <p:childTnLst>
-                                    <p:set>
-                                      <p:cBhvr>
-                                        <p:cTn id="12" dur="1" fill="hold">
-                                          <p:stCondLst>
-                                            <p:cond delay="0"/>
-                                          </p:stCondLst>
-                                        </p:cTn>
-                                        <p:tgtEl>
-                                          <p:spTgt spid="15362">
-                                            <p:txEl>
-                                              <p:pRg st="2" end="2"/>
-                                            </p:txEl>
-                                          </p:spTgt>
-                                        </p:tgtEl>
-                                        <p:attrNameLst>
-                                          <p:attrName>style.visibility</p:attrName>
-                                        </p:attrNameLst>
-                                      </p:cBhvr>
-                                      <p:to>
-                                        <p:strVal val="visible"/>
-                                      </p:to>
-                                    </p:set>
-                                    <p:animEffect transition="in" filter="fade">
-                                      <p:cBhvr>
-                                        <p:cTn id="13" dur="500"/>
-                                        <p:tgtEl>
-                                          <p:spTgt spid="15362">
-                                            <p:txEl>
-                                              <p:pRg st="2" end="2"/>
-                                            </p:txEl>
-                                          </p:spTgt>
-                                        </p:tgtEl>
-                                      </p:cBhvr>
-                                    </p:animEffect>
-                                  </p:childTnLst>
-                                </p:cTn>
-                              </p:par>
-                              <p:par>
-                                <p:cTn id="14" presetID="10" presetClass="entr" presetSubtype="0" fill="hold" grpId="0" nodeType="withEffect">
-                                  <p:stCondLst>
-                                    <p:cond delay="0"/>
-                                  </p:stCondLst>
-                                  <p:childTnLst>
-                                    <p:set>
-                                      <p:cBhvr>
-                                        <p:cTn id="15" dur="1" fill="hold">
-                                          <p:stCondLst>
-                                            <p:cond delay="0"/>
-                                          </p:stCondLst>
-                                        </p:cTn>
-                                        <p:tgtEl>
-                                          <p:spTgt spid="15362">
-                                            <p:txEl>
-                                              <p:pRg st="3" end="3"/>
-                                            </p:txEl>
-                                          </p:spTgt>
-                                        </p:tgtEl>
-                                        <p:attrNameLst>
-                                          <p:attrName>style.visibility</p:attrName>
-                                        </p:attrNameLst>
-                                      </p:cBhvr>
-                                      <p:to>
-                                        <p:strVal val="visible"/>
-                                      </p:to>
-                                    </p:set>
-                                    <p:animEffect transition="in" filter="fade">
-                                      <p:cBhvr>
-                                        <p:cTn id="16" dur="500"/>
-                                        <p:tgtEl>
-                                          <p:spTgt spid="15362">
-                                            <p:txEl>
-                                              <p:pRg st="3" end="3"/>
-                                            </p:txEl>
-                                          </p:spTgt>
-                                        </p:tgtEl>
-                                      </p:cBhvr>
-                                    </p:animEffect>
-                                  </p:childTnLst>
-                                </p:cTn>
-                              </p:par>
-                              <p:par>
-                                <p:cTn id="17" presetID="10" presetClass="entr" presetSubtype="0" fill="hold" grpId="0" nodeType="withEffect">
-                                  <p:stCondLst>
-                                    <p:cond delay="0"/>
-                                  </p:stCondLst>
-                                  <p:childTnLst>
-                                    <p:set>
-                                      <p:cBhvr>
-                                        <p:cTn id="18" dur="1" fill="hold">
-                                          <p:stCondLst>
-                                            <p:cond delay="0"/>
-                                          </p:stCondLst>
-                                        </p:cTn>
-                                        <p:tgtEl>
-                                          <p:spTgt spid="15362">
-                                            <p:txEl>
-                                              <p:pRg st="4" end="4"/>
-                                            </p:txEl>
-                                          </p:spTgt>
-                                        </p:tgtEl>
-                                        <p:attrNameLst>
-                                          <p:attrName>style.visibility</p:attrName>
-                                        </p:attrNameLst>
-                                      </p:cBhvr>
-                                      <p:to>
-                                        <p:strVal val="visible"/>
-                                      </p:to>
-                                    </p:set>
-                                    <p:animEffect transition="in" filter="fade">
-                                      <p:cBhvr>
-                                        <p:cTn id="19" dur="500"/>
-                                        <p:tgtEl>
-                                          <p:spTgt spid="15362">
-                                            <p:txEl>
-                                              <p:pRg st="4" end="4"/>
-                                            </p:txEl>
-                                          </p:spTgt>
-                                        </p:tgtEl>
-                                      </p:cBhvr>
-                                    </p:animEffect>
-                                  </p:childTnLst>
-                                </p:cTn>
-                              </p:par>
-                              <p:par>
-                                <p:cTn id="20" presetID="10" presetClass="entr" presetSubtype="0" fill="hold" grpId="0" nodeType="withEffect">
-                                  <p:stCondLst>
-                                    <p:cond delay="0"/>
-                                  </p:stCondLst>
-                                  <p:childTnLst>
-                                    <p:set>
-                                      <p:cBhvr>
-                                        <p:cTn id="21" dur="1" fill="hold">
-                                          <p:stCondLst>
-                                            <p:cond delay="0"/>
-                                          </p:stCondLst>
-                                        </p:cTn>
-                                        <p:tgtEl>
-                                          <p:spTgt spid="2"/>
-                                        </p:tgtEl>
-                                        <p:attrNameLst>
-                                          <p:attrName>style.visibility</p:attrName>
-                                        </p:attrNameLst>
-                                      </p:cBhvr>
-                                      <p:to>
-                                        <p:strVal val="visible"/>
-                                      </p:to>
-                                    </p:set>
-                                    <p:animEffect transition="in" filter="fade">
-                                      <p:cBhvr>
-                                        <p:cTn id="22" dur="500"/>
-                                        <p:tgtEl>
-                                          <p:spTgt spid="2"/>
-                                        </p:tgtEl>
-                                      </p:cBhvr>
-                                    </p:animEffect>
-                                  </p:childTnLst>
-                                </p:cTn>
-                              </p:par>
-                            </p:childTnLst>
-                          </p:cTn>
-                        </p:par>
-                      </p:childTnLst>
-                    </p:cTn>
-                  </p:par>
-                </p:childTnLst>
-              </p:cTn>
-              <p:prevCondLst>
-                <p:cond evt="onPrev" delay="0">
-                  <p:tgtEl>
-                    <p:sldTgt/>
-                  </p:tgtEl>
-                </p:cond>
-              </p:prevCondLst>
-              <p:nextCondLst>
-                <p:cond evt="onNext" delay="0">
-                  <p:tgtEl>
-                    <p:sldTgt/>
-                  </p:tgtEl>
-                </p:cond>
-              </p:nextCondLst>
-            </p:seq>
-          </p:childTnLst>
-        </p:cTn>
+        <p:cTn id="1" dur="indefinite" restart="never" nodeType="tmRoot"/>
       </p:par>
     </p:tnLst>
-    <p:bldLst>
-      <p:bldP spid="15362" grpId="0" uiExpand="1" build="p"/>
-      <p:bldP spid="2" grpId="0"/>
-    </p:bldLst>
   </p:timing>
 </p:sld>
 </file>
@@ -13381,7 +9411,7 @@
                 <a:latin typeface="Times New Roman" panose="02020603050405020304" pitchFamily="18" charset="0"/>
                 <a:cs typeface="Times New Roman" panose="02020603050405020304" pitchFamily="18" charset="0"/>
               </a:rPr>
-              <a:t>Automation Testing </a:t>
+              <a:t>Benefits of Automation </a:t>
             </a:r>
             <a:r>
               <a:rPr lang="en-US" altLang="zh-TW" sz="2800" kern="0" dirty="0" smtClean="0">
@@ -13391,7 +9421,7 @@
                 <a:latin typeface="Times New Roman" panose="02020603050405020304" pitchFamily="18" charset="0"/>
                 <a:cs typeface="Times New Roman" panose="02020603050405020304" pitchFamily="18" charset="0"/>
               </a:rPr>
-              <a:t>Functional</a:t>
+              <a:t>Testing</a:t>
             </a:r>
             <a:endParaRPr lang="zh-TW" altLang="en-US" sz="2800" kern="0" dirty="0">
               <a:solidFill>
@@ -13403,28 +9433,484 @@
           </a:p>
         </p:txBody>
       </p:sp>
-      <p:graphicFrame>
-        <p:nvGraphicFramePr>
-          <p:cNvPr id="3" name="資料庫圖表 2"/>
-          <p:cNvGraphicFramePr/>
-          <p:nvPr>
-            <p:extLst>
-              <p:ext uri="{D42A27DB-BD31-4B8C-83A1-F6EECF244321}">
-                <p14:modId xmlns:p14="http://schemas.microsoft.com/office/powerpoint/2010/main" val="3775885784"/>
-              </p:ext>
-            </p:extLst>
-          </p:nvPr>
-        </p:nvGraphicFramePr>
-        <p:xfrm>
-          <a:off x="2389337" y="934115"/>
-          <a:ext cx="4502619" cy="3662845"/>
-        </p:xfrm>
-        <a:graphic>
-          <a:graphicData uri="http://schemas.openxmlformats.org/drawingml/2006/diagram">
-            <dgm:relIds xmlns:dgm="http://schemas.openxmlformats.org/drawingml/2006/diagram" xmlns:r="http://schemas.openxmlformats.org/officeDocument/2006/relationships" r:dm="rId3" r:lo="rId4" r:qs="rId5" r:cs="rId6"/>
-          </a:graphicData>
-        </a:graphic>
-      </p:graphicFrame>
+      <p:pic>
+        <p:nvPicPr>
+          <p:cNvPr id="1029" name="Picture 5"/>
+          <p:cNvPicPr>
+            <a:picLocks noChangeAspect="1" noChangeArrowheads="1"/>
+          </p:cNvPicPr>
+          <p:nvPr/>
+        </p:nvPicPr>
+        <p:blipFill>
+          <a:blip r:embed="rId3">
+            <a:extLst>
+              <a:ext uri="{BEBA8EAE-BF5A-486C-A8C5-ECC9F3942E4B}">
+                <a14:imgProps xmlns:a14="http://schemas.microsoft.com/office/drawing/2010/main">
+                  <a14:imgLayer r:embed="rId4">
+                    <a14:imgEffect>
+                      <a14:backgroundRemoval t="2571" b="97143" l="1452" r="95484">
+                        <a14:foregroundMark x1="28710" y1="7429" x2="28710" y2="7429"/>
+                        <a14:foregroundMark x1="25161" y1="22286" x2="25161" y2="22286"/>
+                        <a14:foregroundMark x1="24355" y1="36286" x2="24355" y2="36286"/>
+                        <a14:foregroundMark x1="25484" y1="47143" x2="25484" y2="47143"/>
+                        <a14:foregroundMark x1="28871" y1="56857" x2="28871" y2="56857"/>
+                        <a14:foregroundMark x1="32258" y1="44286" x2="32258" y2="44286"/>
+                        <a14:foregroundMark x1="33710" y1="46571" x2="33710" y2="46571"/>
+                        <a14:foregroundMark x1="30645" y1="38000" x2="30645" y2="38000"/>
+                        <a14:foregroundMark x1="34032" y1="39429" x2="34032" y2="39429"/>
+                        <a14:foregroundMark x1="30000" y1="28000" x2="30000" y2="28000"/>
+                        <a14:foregroundMark x1="23548" y1="89429" x2="23548" y2="89429"/>
+                      </a14:backgroundRemoval>
+                    </a14:imgEffect>
+                    <a14:imgEffect>
+                      <a14:saturation sat="400000"/>
+                    </a14:imgEffect>
+                  </a14:imgLayer>
+                </a14:imgProps>
+              </a:ext>
+              <a:ext uri="{28A0092B-C50C-407E-A947-70E740481C1C}">
+                <a14:useLocalDpi xmlns:a14="http://schemas.microsoft.com/office/drawing/2010/main" val="0"/>
+              </a:ext>
+            </a:extLst>
+          </a:blip>
+          <a:srcRect/>
+          <a:stretch>
+            <a:fillRect/>
+          </a:stretch>
+        </p:blipFill>
+        <p:spPr bwMode="auto">
+          <a:xfrm>
+            <a:off x="2639351" y="1179868"/>
+            <a:ext cx="5747661" cy="3244647"/>
+          </a:xfrm>
+          <a:prstGeom prst="rect">
+            <a:avLst/>
+          </a:prstGeom>
+          <a:ln>
+            <a:noFill/>
+          </a:ln>
+          <a:effectLst>
+            <a:outerShdw blurRad="292100" dist="139700" dir="2700000" algn="tl" rotWithShape="0">
+              <a:srgbClr val="333333">
+                <a:alpha val="65000"/>
+              </a:srgbClr>
+            </a:outerShdw>
+          </a:effectLst>
+          <a:extLst>
+            <a:ext uri="{909E8E84-426E-40DD-AFC4-6F175D3DCCD1}">
+              <a14:hiddenFill xmlns:a14="http://schemas.microsoft.com/office/drawing/2010/main">
+                <a:solidFill>
+                  <a:schemeClr val="accent1"/>
+                </a:solidFill>
+              </a14:hiddenFill>
+            </a:ext>
+            <a:ext uri="{91240B29-F687-4F45-9708-019B960494DF}">
+              <a14:hiddenLine xmlns:a14="http://schemas.microsoft.com/office/drawing/2010/main" w="9525">
+                <a:solidFill>
+                  <a:schemeClr val="tx1"/>
+                </a:solidFill>
+                <a:miter lim="800000"/>
+                <a:headEnd/>
+                <a:tailEnd/>
+              </a14:hiddenLine>
+            </a:ext>
+          </a:extLst>
+        </p:spPr>
+      </p:pic>
+      <p:sp>
+        <p:nvSpPr>
+          <p:cNvPr id="6" name="文字方塊 5"/>
+          <p:cNvSpPr txBox="1"/>
+          <p:nvPr/>
+        </p:nvSpPr>
+        <p:spPr>
+          <a:xfrm>
+            <a:off x="2556764" y="1041368"/>
+            <a:ext cx="1415772" cy="276999"/>
+          </a:xfrm>
+          <a:prstGeom prst="rect">
+            <a:avLst/>
+          </a:prstGeom>
+        </p:spPr>
+        <p:style>
+          <a:lnRef idx="1">
+            <a:schemeClr val="accent3"/>
+          </a:lnRef>
+          <a:fillRef idx="2">
+            <a:schemeClr val="accent3"/>
+          </a:fillRef>
+          <a:effectRef idx="1">
+            <a:schemeClr val="accent3"/>
+          </a:effectRef>
+          <a:fontRef idx="minor">
+            <a:schemeClr val="dk1"/>
+          </a:fontRef>
+        </p:style>
+        <p:txBody>
+          <a:bodyPr wrap="none" rtlCol="0">
+            <a:spAutoFit/>
+          </a:bodyPr>
+          <a:lstStyle/>
+          <a:p>
+            <a:r>
+              <a:rPr lang="zh-TW" altLang="en-US" sz="1200" dirty="0" smtClean="0">
+                <a:latin typeface="標楷體" panose="03000509000000000000" pitchFamily="65" charset="-120"/>
+                <a:ea typeface="標楷體" panose="03000509000000000000" pitchFamily="65" charset="-120"/>
+              </a:rPr>
+              <a:t>測試時間</a:t>
+            </a:r>
+            <a:r>
+              <a:rPr lang="zh-TW" altLang="en-US" sz="1200" dirty="0">
+                <a:latin typeface="標楷體" panose="03000509000000000000" pitchFamily="65" charset="-120"/>
+                <a:ea typeface="標楷體" panose="03000509000000000000" pitchFamily="65" charset="-120"/>
+              </a:rPr>
+              <a:t>成本</a:t>
+            </a:r>
+            <a:r>
+              <a:rPr lang="zh-TW" altLang="en-US" sz="1200" dirty="0" smtClean="0">
+                <a:latin typeface="標楷體" panose="03000509000000000000" pitchFamily="65" charset="-120"/>
+                <a:ea typeface="標楷體" panose="03000509000000000000" pitchFamily="65" charset="-120"/>
+              </a:rPr>
+              <a:t>降低</a:t>
+            </a:r>
+            <a:endParaRPr lang="zh-TW" altLang="en-US" sz="1200" dirty="0">
+              <a:latin typeface="標楷體" panose="03000509000000000000" pitchFamily="65" charset="-120"/>
+              <a:ea typeface="標楷體" panose="03000509000000000000" pitchFamily="65" charset="-120"/>
+            </a:endParaRPr>
+          </a:p>
+        </p:txBody>
+      </p:sp>
+      <p:sp>
+        <p:nvSpPr>
+          <p:cNvPr id="11" name="文字方塊 10"/>
+          <p:cNvSpPr txBox="1"/>
+          <p:nvPr/>
+        </p:nvSpPr>
+        <p:spPr>
+          <a:xfrm>
+            <a:off x="2479820" y="1585345"/>
+            <a:ext cx="1261884" cy="276999"/>
+          </a:xfrm>
+          <a:prstGeom prst="rect">
+            <a:avLst/>
+          </a:prstGeom>
+        </p:spPr>
+        <p:style>
+          <a:lnRef idx="1">
+            <a:schemeClr val="accent3"/>
+          </a:lnRef>
+          <a:fillRef idx="2">
+            <a:schemeClr val="accent3"/>
+          </a:fillRef>
+          <a:effectRef idx="1">
+            <a:schemeClr val="accent3"/>
+          </a:effectRef>
+          <a:fontRef idx="minor">
+            <a:schemeClr val="dk1"/>
+          </a:fontRef>
+        </p:style>
+        <p:txBody>
+          <a:bodyPr wrap="none" rtlCol="0">
+            <a:spAutoFit/>
+          </a:bodyPr>
+          <a:lstStyle>
+            <a:defPPr>
+              <a:defRPr lang="zh-TW"/>
+            </a:defPPr>
+            <a:lvl1pPr>
+              <a:defRPr sz="1200">
+                <a:latin typeface="標楷體" panose="03000509000000000000" pitchFamily="65" charset="-120"/>
+                <a:ea typeface="標楷體" panose="03000509000000000000" pitchFamily="65" charset="-120"/>
+              </a:defRPr>
+            </a:lvl1pPr>
+          </a:lstStyle>
+          <a:p>
+            <a:r>
+              <a:rPr lang="zh-TW" altLang="en-US" dirty="0"/>
+              <a:t>長時間執行測試</a:t>
+            </a:r>
+          </a:p>
+        </p:txBody>
+      </p:sp>
+      <p:sp>
+        <p:nvSpPr>
+          <p:cNvPr id="12" name="文字方塊 11"/>
+          <p:cNvSpPr txBox="1"/>
+          <p:nvPr/>
+        </p:nvSpPr>
+        <p:spPr>
+          <a:xfrm>
+            <a:off x="2556764" y="2190611"/>
+            <a:ext cx="1107996" cy="276999"/>
+          </a:xfrm>
+          <a:prstGeom prst="rect">
+            <a:avLst/>
+          </a:prstGeom>
+        </p:spPr>
+        <p:style>
+          <a:lnRef idx="1">
+            <a:schemeClr val="accent3"/>
+          </a:lnRef>
+          <a:fillRef idx="2">
+            <a:schemeClr val="accent3"/>
+          </a:fillRef>
+          <a:effectRef idx="1">
+            <a:schemeClr val="accent3"/>
+          </a:effectRef>
+          <a:fontRef idx="minor">
+            <a:schemeClr val="dk1"/>
+          </a:fontRef>
+        </p:style>
+        <p:txBody>
+          <a:bodyPr wrap="none" rtlCol="0">
+            <a:spAutoFit/>
+          </a:bodyPr>
+          <a:lstStyle>
+            <a:defPPr>
+              <a:defRPr lang="zh-TW"/>
+            </a:defPPr>
+            <a:lvl1pPr>
+              <a:defRPr sz="1200">
+                <a:latin typeface="標楷體" panose="03000509000000000000" pitchFamily="65" charset="-120"/>
+                <a:ea typeface="標楷體" panose="03000509000000000000" pitchFamily="65" charset="-120"/>
+              </a:defRPr>
+            </a:lvl1pPr>
+          </a:lstStyle>
+          <a:p>
+            <a:r>
+              <a:rPr lang="zh-TW" altLang="en-US" dirty="0"/>
+              <a:t>程式控制執行</a:t>
+            </a:r>
+          </a:p>
+        </p:txBody>
+      </p:sp>
+      <p:sp>
+        <p:nvSpPr>
+          <p:cNvPr id="13" name="文字方塊 12"/>
+          <p:cNvSpPr txBox="1"/>
+          <p:nvPr/>
+        </p:nvSpPr>
+        <p:spPr>
+          <a:xfrm>
+            <a:off x="2639351" y="2802188"/>
+            <a:ext cx="1107996" cy="276999"/>
+          </a:xfrm>
+          <a:prstGeom prst="rect">
+            <a:avLst/>
+          </a:prstGeom>
+        </p:spPr>
+        <p:style>
+          <a:lnRef idx="1">
+            <a:schemeClr val="accent3"/>
+          </a:lnRef>
+          <a:fillRef idx="2">
+            <a:schemeClr val="accent3"/>
+          </a:fillRef>
+          <a:effectRef idx="1">
+            <a:schemeClr val="accent3"/>
+          </a:effectRef>
+          <a:fontRef idx="minor">
+            <a:schemeClr val="dk1"/>
+          </a:fontRef>
+        </p:style>
+        <p:txBody>
+          <a:bodyPr wrap="none" rtlCol="0">
+            <a:spAutoFit/>
+          </a:bodyPr>
+          <a:lstStyle>
+            <a:defPPr>
+              <a:defRPr lang="zh-TW"/>
+            </a:defPPr>
+            <a:lvl1pPr>
+              <a:defRPr sz="1200">
+                <a:latin typeface="標楷體" panose="03000509000000000000" pitchFamily="65" charset="-120"/>
+                <a:ea typeface="標楷體" panose="03000509000000000000" pitchFamily="65" charset="-120"/>
+              </a:defRPr>
+            </a:lvl1pPr>
+          </a:lstStyle>
+          <a:p>
+            <a:r>
+              <a:rPr lang="zh-TW" altLang="en-US" dirty="0"/>
+              <a:t>腳本重複調用</a:t>
+            </a:r>
+          </a:p>
+        </p:txBody>
+      </p:sp>
+      <p:sp>
+        <p:nvSpPr>
+          <p:cNvPr id="14" name="文字方塊 13"/>
+          <p:cNvSpPr txBox="1"/>
+          <p:nvPr/>
+        </p:nvSpPr>
+        <p:spPr>
+          <a:xfrm>
+            <a:off x="2864540" y="3335717"/>
+            <a:ext cx="1107996" cy="276999"/>
+          </a:xfrm>
+          <a:prstGeom prst="rect">
+            <a:avLst/>
+          </a:prstGeom>
+        </p:spPr>
+        <p:style>
+          <a:lnRef idx="1">
+            <a:schemeClr val="accent3"/>
+          </a:lnRef>
+          <a:fillRef idx="2">
+            <a:schemeClr val="accent3"/>
+          </a:fillRef>
+          <a:effectRef idx="1">
+            <a:schemeClr val="accent3"/>
+          </a:effectRef>
+          <a:fontRef idx="minor">
+            <a:schemeClr val="dk1"/>
+          </a:fontRef>
+        </p:style>
+        <p:txBody>
+          <a:bodyPr wrap="none" rtlCol="0">
+            <a:spAutoFit/>
+          </a:bodyPr>
+          <a:lstStyle>
+            <a:defPPr>
+              <a:defRPr lang="zh-TW"/>
+            </a:defPPr>
+            <a:lvl1pPr>
+              <a:defRPr sz="1200">
+                <a:latin typeface="標楷體" panose="03000509000000000000" pitchFamily="65" charset="-120"/>
+                <a:ea typeface="標楷體" panose="03000509000000000000" pitchFamily="65" charset="-120"/>
+              </a:defRPr>
+            </a:lvl1pPr>
+          </a:lstStyle>
+          <a:p>
+            <a:r>
+              <a:rPr lang="zh-TW" altLang="en-US" dirty="0"/>
+              <a:t>測試準確執行</a:t>
+            </a:r>
+          </a:p>
+        </p:txBody>
+      </p:sp>
+      <p:sp>
+        <p:nvSpPr>
+          <p:cNvPr id="15" name="文字方塊 14"/>
+          <p:cNvSpPr txBox="1"/>
+          <p:nvPr/>
+        </p:nvSpPr>
+        <p:spPr>
+          <a:xfrm>
+            <a:off x="1526429" y="3957516"/>
+            <a:ext cx="2060671" cy="307777"/>
+          </a:xfrm>
+          <a:prstGeom prst="rect">
+            <a:avLst/>
+          </a:prstGeom>
+        </p:spPr>
+        <p:style>
+          <a:lnRef idx="1">
+            <a:schemeClr val="accent4"/>
+          </a:lnRef>
+          <a:fillRef idx="2">
+            <a:schemeClr val="accent4"/>
+          </a:fillRef>
+          <a:effectRef idx="1">
+            <a:schemeClr val="accent4"/>
+          </a:effectRef>
+          <a:fontRef idx="minor">
+            <a:schemeClr val="dk1"/>
+          </a:fontRef>
+        </p:style>
+        <p:txBody>
+          <a:bodyPr wrap="square" rtlCol="0">
+            <a:spAutoFit/>
+          </a:bodyPr>
+          <a:lstStyle>
+            <a:defPPr>
+              <a:defRPr lang="zh-TW"/>
+            </a:defPPr>
+            <a:lvl1pPr>
+              <a:defRPr sz="1400">
+                <a:latin typeface="Times New Roman" panose="02020603050405020304" pitchFamily="18" charset="0"/>
+                <a:ea typeface="標楷體" panose="03000509000000000000" pitchFamily="65" charset="-120"/>
+                <a:cs typeface="Times New Roman" panose="02020603050405020304" pitchFamily="18" charset="0"/>
+              </a:defRPr>
+            </a:lvl1pPr>
+          </a:lstStyle>
+          <a:p>
+            <a:r>
+              <a:rPr lang="en-US" altLang="zh-TW" dirty="0"/>
+              <a:t>Automation </a:t>
+            </a:r>
+            <a:r>
+              <a:rPr lang="en-US" altLang="zh-TW" dirty="0"/>
+              <a:t>Testing Tools</a:t>
+            </a:r>
+          </a:p>
+        </p:txBody>
+      </p:sp>
+      <p:sp>
+        <p:nvSpPr>
+          <p:cNvPr id="10" name="文字方塊 9"/>
+          <p:cNvSpPr txBox="1"/>
+          <p:nvPr/>
+        </p:nvSpPr>
+        <p:spPr>
+          <a:xfrm>
+            <a:off x="6096952" y="2876825"/>
+            <a:ext cx="1613505" cy="307777"/>
+          </a:xfrm>
+          <a:prstGeom prst="rect">
+            <a:avLst/>
+          </a:prstGeom>
+        </p:spPr>
+        <p:style>
+          <a:lnRef idx="1">
+            <a:schemeClr val="accent6"/>
+          </a:lnRef>
+          <a:fillRef idx="2">
+            <a:schemeClr val="accent6"/>
+          </a:fillRef>
+          <a:effectRef idx="1">
+            <a:schemeClr val="accent6"/>
+          </a:effectRef>
+          <a:fontRef idx="minor">
+            <a:schemeClr val="dk1"/>
+          </a:fontRef>
+        </p:style>
+        <p:txBody>
+          <a:bodyPr wrap="square" rtlCol="0">
+            <a:spAutoFit/>
+          </a:bodyPr>
+          <a:lstStyle>
+            <a:defPPr>
+              <a:defRPr lang="zh-TW"/>
+            </a:defPPr>
+            <a:lvl1pPr>
+              <a:defRPr sz="1400">
+                <a:latin typeface="標楷體" panose="03000509000000000000" pitchFamily="65" charset="-120"/>
+                <a:ea typeface="標楷體" panose="03000509000000000000" pitchFamily="65" charset="-120"/>
+              </a:defRPr>
+            </a:lvl1pPr>
+          </a:lstStyle>
+          <a:p>
+            <a:r>
+              <a:rPr lang="en-US" altLang="zh-TW" dirty="0">
+                <a:latin typeface="Times New Roman" panose="02020603050405020304" pitchFamily="18" charset="0"/>
+                <a:cs typeface="Times New Roman" panose="02020603050405020304" pitchFamily="18" charset="0"/>
+              </a:rPr>
+              <a:t>Automation </a:t>
+            </a:r>
+            <a:r>
+              <a:rPr lang="en-US" altLang="zh-TW" dirty="0" smtClean="0">
+                <a:latin typeface="Times New Roman" panose="02020603050405020304" pitchFamily="18" charset="0"/>
+                <a:cs typeface="Times New Roman" panose="02020603050405020304" pitchFamily="18" charset="0"/>
+              </a:rPr>
+              <a:t>Testing</a:t>
+            </a:r>
+            <a:endParaRPr lang="en-US" altLang="zh-TW" dirty="0" smtClean="0">
+              <a:latin typeface="Times New Roman" panose="02020603050405020304" pitchFamily="18" charset="0"/>
+              <a:cs typeface="Times New Roman" panose="02020603050405020304" pitchFamily="18" charset="0"/>
+            </a:endParaRPr>
+          </a:p>
+        </p:txBody>
+      </p:sp>
     </p:spTree>
     <p:extLst>
       <p:ext uri="{BB962C8B-B14F-4D97-AF65-F5344CB8AC3E}">
@@ -13446,138 +9932,9 @@
   <p:timing>
     <p:tnLst>
       <p:par>
-        <p:cTn id="1" dur="indefinite" restart="never" nodeType="tmRoot">
-          <p:childTnLst>
-            <p:seq concurrent="1" nextAc="seek">
-              <p:cTn id="2" dur="indefinite" nodeType="mainSeq">
-                <p:childTnLst>
-                  <p:par>
-                    <p:cTn id="3" fill="hold">
-                      <p:stCondLst>
-                        <p:cond delay="indefinite"/>
-                        <p:cond evt="onBegin" delay="0">
-                          <p:tn val="2"/>
-                        </p:cond>
-                      </p:stCondLst>
-                      <p:childTnLst>
-                        <p:par>
-                          <p:cTn id="4" fill="hold">
-                            <p:stCondLst>
-                              <p:cond delay="0"/>
-                            </p:stCondLst>
-                            <p:childTnLst>
-                              <p:par>
-                                <p:cTn id="5" presetID="10" presetClass="entr" presetSubtype="0" fill="hold" grpId="0" nodeType="withEffect">
-                                  <p:stCondLst>
-                                    <p:cond delay="0"/>
-                                  </p:stCondLst>
-                                  <p:childTnLst>
-                                    <p:set>
-                                      <p:cBhvr>
-                                        <p:cTn id="6" dur="1" fill="hold">
-                                          <p:stCondLst>
-                                            <p:cond delay="0"/>
-                                          </p:stCondLst>
-                                        </p:cTn>
-                                        <p:tgtEl>
-                                          <p:spTgt spid="2"/>
-                                        </p:tgtEl>
-                                        <p:attrNameLst>
-                                          <p:attrName>style.visibility</p:attrName>
-                                        </p:attrNameLst>
-                                      </p:cBhvr>
-                                      <p:to>
-                                        <p:strVal val="visible"/>
-                                      </p:to>
-                                    </p:set>
-                                    <p:animEffect transition="in" filter="fade">
-                                      <p:cBhvr>
-                                        <p:cTn id="7" dur="500"/>
-                                        <p:tgtEl>
-                                          <p:spTgt spid="2"/>
-                                        </p:tgtEl>
-                                      </p:cBhvr>
-                                    </p:animEffect>
-                                  </p:childTnLst>
-                                </p:cTn>
-                              </p:par>
-                            </p:childTnLst>
-                          </p:cTn>
-                        </p:par>
-                        <p:par>
-                          <p:cTn id="8" fill="hold">
-                            <p:stCondLst>
-                              <p:cond delay="500"/>
-                            </p:stCondLst>
-                            <p:childTnLst>
-                              <p:par>
-                                <p:cTn id="9" presetID="10" presetClass="entr" presetSubtype="0" fill="hold" grpId="0" nodeType="afterEffect">
-                                  <p:stCondLst>
-                                    <p:cond delay="0"/>
-                                  </p:stCondLst>
-                                  <p:childTnLst>
-                                    <p:set>
-                                      <p:cBhvr>
-                                        <p:cTn id="10" dur="1" fill="hold">
-                                          <p:stCondLst>
-                                            <p:cond delay="0"/>
-                                          </p:stCondLst>
-                                        </p:cTn>
-                                        <p:tgtEl>
-                                          <p:spTgt spid="3"/>
-                                        </p:tgtEl>
-                                        <p:attrNameLst>
-                                          <p:attrName>style.visibility</p:attrName>
-                                        </p:attrNameLst>
-                                      </p:cBhvr>
-                                      <p:to>
-                                        <p:strVal val="visible"/>
-                                      </p:to>
-                                    </p:set>
-                                    <p:animEffect transition="in" filter="fade">
-                                      <p:cBhvr>
-                                        <p:cTn id="11" dur="500"/>
-                                        <p:tgtEl>
-                                          <p:spTgt spid="3"/>
-                                        </p:tgtEl>
-                                      </p:cBhvr>
-                                    </p:animEffect>
-                                  </p:childTnLst>
-                                </p:cTn>
-                              </p:par>
-                            </p:childTnLst>
-                          </p:cTn>
-                        </p:par>
-                      </p:childTnLst>
-                    </p:cTn>
-                  </p:par>
-                </p:childTnLst>
-              </p:cTn>
-              <p:prevCondLst>
-                <p:cond evt="onPrev" delay="0">
-                  <p:tgtEl>
-                    <p:sldTgt/>
-                  </p:tgtEl>
-                </p:cond>
-              </p:prevCondLst>
-              <p:nextCondLst>
-                <p:cond evt="onNext" delay="0">
-                  <p:tgtEl>
-                    <p:sldTgt/>
-                  </p:tgtEl>
-                </p:cond>
-              </p:nextCondLst>
-            </p:seq>
-          </p:childTnLst>
-        </p:cTn>
+        <p:cTn id="1" dur="indefinite" restart="never" nodeType="tmRoot"/>
       </p:par>
     </p:tnLst>
-    <p:bldLst>
-      <p:bldP spid="2" grpId="0"/>
-      <p:bldGraphic spid="3" grpId="0">
-        <p:bldAsOne/>
-      </p:bldGraphic>
-    </p:bldLst>
   </p:timing>
 </p:sld>
 </file>
@@ -13630,17 +9987,7 @@
                 <a:latin typeface="Times New Roman" panose="02020603050405020304" pitchFamily="18" charset="0"/>
                 <a:cs typeface="Times New Roman" panose="02020603050405020304" pitchFamily="18" charset="0"/>
               </a:rPr>
-              <a:t>Develop the </a:t>
-            </a:r>
-            <a:r>
-              <a:rPr lang="en-US" altLang="zh-TW" sz="2800" kern="0" dirty="0" smtClean="0">
-                <a:solidFill>
-                  <a:srgbClr val="003366"/>
-                </a:solidFill>
-                <a:latin typeface="Times New Roman" panose="02020603050405020304" pitchFamily="18" charset="0"/>
-                <a:cs typeface="Times New Roman" panose="02020603050405020304" pitchFamily="18" charset="0"/>
-              </a:rPr>
-              <a:t>Automation </a:t>
+              <a:t>Develop the Automation </a:t>
             </a:r>
             <a:r>
               <a:rPr lang="en-US" altLang="zh-TW" sz="2800" kern="0" dirty="0">
@@ -13679,14 +10026,14 @@
           <p:nvPr>
             <p:extLst>
               <p:ext uri="{D42A27DB-BD31-4B8C-83A1-F6EECF244321}">
-                <p14:modId xmlns:p14="http://schemas.microsoft.com/office/powerpoint/2010/main" val="735913124"/>
+                <p14:modId xmlns:p14="http://schemas.microsoft.com/office/powerpoint/2010/main" val="872137075"/>
               </p:ext>
             </p:extLst>
           </p:nvPr>
         </p:nvGraphicFramePr>
         <p:xfrm>
-          <a:off x="546652" y="904460"/>
-          <a:ext cx="8130209" cy="3758923"/>
+          <a:off x="755374" y="1093305"/>
+          <a:ext cx="7832035" cy="3470687"/>
         </p:xfrm>
         <a:graphic>
           <a:graphicData uri="http://schemas.openxmlformats.org/drawingml/2006/diagram">
@@ -13715,129 +10062,9 @@
   <p:timing>
     <p:tnLst>
       <p:par>
-        <p:cTn id="1" dur="indefinite" restart="never" nodeType="tmRoot">
-          <p:childTnLst>
-            <p:seq concurrent="1" nextAc="seek">
-              <p:cTn id="2" dur="indefinite" nodeType="mainSeq">
-                <p:childTnLst>
-                  <p:par>
-                    <p:cTn id="3" fill="hold">
-                      <p:stCondLst>
-                        <p:cond delay="indefinite"/>
-                        <p:cond evt="onBegin" delay="0">
-                          <p:tn val="2"/>
-                        </p:cond>
-                      </p:stCondLst>
-                      <p:childTnLst>
-                        <p:par>
-                          <p:cTn id="4" fill="hold">
-                            <p:stCondLst>
-                              <p:cond delay="0"/>
-                            </p:stCondLst>
-                            <p:childTnLst>
-                              <p:par>
-                                <p:cTn id="5" presetID="10" presetClass="entr" presetSubtype="0" fill="hold" grpId="0" nodeType="withEffect">
-                                  <p:stCondLst>
-                                    <p:cond delay="0"/>
-                                  </p:stCondLst>
-                                  <p:childTnLst>
-                                    <p:set>
-                                      <p:cBhvr>
-                                        <p:cTn id="6" dur="1" fill="hold">
-                                          <p:stCondLst>
-                                            <p:cond delay="0"/>
-                                          </p:stCondLst>
-                                        </p:cTn>
-                                        <p:tgtEl>
-                                          <p:spTgt spid="14"/>
-                                        </p:tgtEl>
-                                        <p:attrNameLst>
-                                          <p:attrName>style.visibility</p:attrName>
-                                        </p:attrNameLst>
-                                      </p:cBhvr>
-                                      <p:to>
-                                        <p:strVal val="visible"/>
-                                      </p:to>
-                                    </p:set>
-                                    <p:animEffect transition="in" filter="fade">
-                                      <p:cBhvr>
-                                        <p:cTn id="7" dur="500"/>
-                                        <p:tgtEl>
-                                          <p:spTgt spid="14"/>
-                                        </p:tgtEl>
-                                      </p:cBhvr>
-                                    </p:animEffect>
-                                  </p:childTnLst>
-                                </p:cTn>
-                              </p:par>
-                              <p:par>
-                                <p:cTn id="8" presetID="10" presetClass="entr" presetSubtype="0" fill="hold" grpId="0" nodeType="withEffect">
-                                  <p:stCondLst>
-                                    <p:cond delay="0"/>
-                                  </p:stCondLst>
-                                  <p:childTnLst>
-                                    <p:set>
-                                      <p:cBhvr>
-                                        <p:cTn id="9" dur="1" fill="hold">
-                                          <p:stCondLst>
-                                            <p:cond delay="0"/>
-                                          </p:stCondLst>
-                                        </p:cTn>
-                                        <p:tgtEl>
-                                          <p:spTgt spid="3"/>
-                                        </p:tgtEl>
-                                        <p:attrNameLst>
-                                          <p:attrName>style.visibility</p:attrName>
-                                        </p:attrNameLst>
-                                      </p:cBhvr>
-                                      <p:to>
-                                        <p:strVal val="visible"/>
-                                      </p:to>
-                                    </p:set>
-                                    <p:animEffect transition="in" filter="fade">
-                                      <p:cBhvr>
-                                        <p:cTn id="10" dur="500"/>
-                                        <p:tgtEl>
-                                          <p:spTgt spid="3"/>
-                                        </p:tgtEl>
-                                      </p:cBhvr>
-                                    </p:animEffect>
-                                  </p:childTnLst>
-                                </p:cTn>
-                              </p:par>
-                            </p:childTnLst>
-                          </p:cTn>
-                        </p:par>
-                      </p:childTnLst>
-                    </p:cTn>
-                  </p:par>
-                </p:childTnLst>
-              </p:cTn>
-              <p:prevCondLst>
-                <p:cond evt="onPrev" delay="0">
-                  <p:tgtEl>
-                    <p:sldTgt/>
-                  </p:tgtEl>
-                </p:cond>
-              </p:prevCondLst>
-              <p:nextCondLst>
-                <p:cond evt="onNext" delay="0">
-                  <p:tgtEl>
-                    <p:sldTgt/>
-                  </p:tgtEl>
-                </p:cond>
-              </p:nextCondLst>
-            </p:seq>
-          </p:childTnLst>
-        </p:cTn>
+        <p:cTn id="1" dur="indefinite" restart="never" nodeType="tmRoot"/>
       </p:par>
     </p:tnLst>
-    <p:bldLst>
-      <p:bldP spid="14" grpId="0"/>
-      <p:bldGraphic spid="3" grpId="0">
-        <p:bldAsOne/>
-      </p:bldGraphic>
-    </p:bldLst>
   </p:timing>
 </p:sld>
 </file>
@@ -13907,14 +10134,7 @@
                 <a:latin typeface="Times New Roman" panose="02020603050405020304" pitchFamily="18" charset="0"/>
                 <a:cs typeface="Times New Roman" panose="02020603050405020304" pitchFamily="18" charset="0"/>
               </a:rPr>
-              <a:t>為了</a:t>
-            </a:r>
-            <a:r>
-              <a:rPr lang="zh-TW" altLang="en-US" sz="1800" dirty="0" smtClean="0">
-                <a:latin typeface="Times New Roman" panose="02020603050405020304" pitchFamily="18" charset="0"/>
-                <a:cs typeface="Times New Roman" panose="02020603050405020304" pitchFamily="18" charset="0"/>
-              </a:rPr>
-              <a:t>解決原先人工切換 </a:t>
+              <a:t>為了解決原先人工切換 </a:t>
             </a:r>
             <a:r>
               <a:rPr lang="en-US" altLang="zh-TW" sz="1800" dirty="0" smtClean="0">
@@ -13928,14 +10148,7 @@
                 <a:latin typeface="Times New Roman" panose="02020603050405020304" pitchFamily="18" charset="0"/>
                 <a:cs typeface="Times New Roman" panose="02020603050405020304" pitchFamily="18" charset="0"/>
               </a:rPr>
-              <a:t> </a:t>
-            </a:r>
-            <a:r>
-              <a:rPr lang="zh-TW" altLang="en-US" sz="1800" dirty="0" smtClean="0">
-                <a:latin typeface="Times New Roman" panose="02020603050405020304" pitchFamily="18" charset="0"/>
-                <a:cs typeface="Times New Roman" panose="02020603050405020304" pitchFamily="18" charset="0"/>
-              </a:rPr>
-              <a:t>的測試方法</a:t>
+              <a:t> 的測試方法</a:t>
             </a:r>
             <a:endParaRPr lang="en-US" altLang="zh-TW" sz="1800" dirty="0" smtClean="0">
               <a:latin typeface="Times New Roman" panose="02020603050405020304" pitchFamily="18" charset="0"/>
@@ -13953,14 +10166,7 @@
                 <a:latin typeface="Times New Roman" panose="02020603050405020304" pitchFamily="18" charset="0"/>
                 <a:cs typeface="Times New Roman" panose="02020603050405020304" pitchFamily="18" charset="0"/>
               </a:rPr>
-              <a:t>希望可以利用</a:t>
-            </a:r>
-            <a:r>
-              <a:rPr lang="zh-TW" altLang="en-US" sz="1800" dirty="0" smtClean="0">
-                <a:latin typeface="Times New Roman" panose="02020603050405020304" pitchFamily="18" charset="0"/>
-                <a:cs typeface="Times New Roman" panose="02020603050405020304" pitchFamily="18" charset="0"/>
-              </a:rPr>
-              <a:t>程式控制 </a:t>
+              <a:t>希望可以利用程式控制 </a:t>
             </a:r>
             <a:r>
               <a:rPr lang="en-US" altLang="zh-TW" sz="1800" dirty="0" smtClean="0">
@@ -14119,349 +10325,9 @@
   <p:timing>
     <p:tnLst>
       <p:par>
-        <p:cTn id="1" dur="indefinite" restart="never" nodeType="tmRoot">
-          <p:childTnLst>
-            <p:seq concurrent="1" nextAc="seek">
-              <p:cTn id="2" dur="indefinite" nodeType="mainSeq">
-                <p:childTnLst>
-                  <p:par>
-                    <p:cTn id="3" fill="hold">
-                      <p:stCondLst>
-                        <p:cond delay="indefinite"/>
-                        <p:cond evt="onBegin" delay="0">
-                          <p:tn val="2"/>
-                        </p:cond>
-                      </p:stCondLst>
-                      <p:childTnLst>
-                        <p:par>
-                          <p:cTn id="4" fill="hold">
-                            <p:stCondLst>
-                              <p:cond delay="0"/>
-                            </p:stCondLst>
-                            <p:childTnLst>
-                              <p:par>
-                                <p:cTn id="5" presetID="10" presetClass="entr" presetSubtype="0" fill="hold" grpId="0" nodeType="withEffect">
-                                  <p:stCondLst>
-                                    <p:cond delay="0"/>
-                                  </p:stCondLst>
-                                  <p:childTnLst>
-                                    <p:set>
-                                      <p:cBhvr>
-                                        <p:cTn id="6" dur="1" fill="hold">
-                                          <p:stCondLst>
-                                            <p:cond delay="0"/>
-                                          </p:stCondLst>
-                                        </p:cTn>
-                                        <p:tgtEl>
-                                          <p:spTgt spid="2"/>
-                                        </p:tgtEl>
-                                        <p:attrNameLst>
-                                          <p:attrName>style.visibility</p:attrName>
-                                        </p:attrNameLst>
-                                      </p:cBhvr>
-                                      <p:to>
-                                        <p:strVal val="visible"/>
-                                      </p:to>
-                                    </p:set>
-                                    <p:animEffect transition="in" filter="fade">
-                                      <p:cBhvr>
-                                        <p:cTn id="7" dur="500"/>
-                                        <p:tgtEl>
-                                          <p:spTgt spid="2"/>
-                                        </p:tgtEl>
-                                      </p:cBhvr>
-                                    </p:animEffect>
-                                  </p:childTnLst>
-                                </p:cTn>
-                              </p:par>
-                              <p:par>
-                                <p:cTn id="8" presetID="10" presetClass="entr" presetSubtype="0" fill="hold" nodeType="withEffect">
-                                  <p:stCondLst>
-                                    <p:cond delay="0"/>
-                                  </p:stCondLst>
-                                  <p:childTnLst>
-                                    <p:set>
-                                      <p:cBhvr>
-                                        <p:cTn id="9" dur="1" fill="hold">
-                                          <p:stCondLst>
-                                            <p:cond delay="0"/>
-                                          </p:stCondLst>
-                                        </p:cTn>
-                                        <p:tgtEl>
-                                          <p:spTgt spid="15362">
-                                            <p:txEl>
-                                              <p:pRg st="0" end="0"/>
-                                            </p:txEl>
-                                          </p:spTgt>
-                                        </p:tgtEl>
-                                        <p:attrNameLst>
-                                          <p:attrName>style.visibility</p:attrName>
-                                        </p:attrNameLst>
-                                      </p:cBhvr>
-                                      <p:to>
-                                        <p:strVal val="visible"/>
-                                      </p:to>
-                                    </p:set>
-                                    <p:animEffect transition="in" filter="fade">
-                                      <p:cBhvr>
-                                        <p:cTn id="10" dur="500"/>
-                                        <p:tgtEl>
-                                          <p:spTgt spid="15362">
-                                            <p:txEl>
-                                              <p:pRg st="0" end="0"/>
-                                            </p:txEl>
-                                          </p:spTgt>
-                                        </p:tgtEl>
-                                      </p:cBhvr>
-                                    </p:animEffect>
-                                  </p:childTnLst>
-                                </p:cTn>
-                              </p:par>
-                              <p:par>
-                                <p:cTn id="11" presetID="10" presetClass="entr" presetSubtype="0" fill="hold" nodeType="withEffect">
-                                  <p:stCondLst>
-                                    <p:cond delay="0"/>
-                                  </p:stCondLst>
-                                  <p:childTnLst>
-                                    <p:set>
-                                      <p:cBhvr>
-                                        <p:cTn id="12" dur="1" fill="hold">
-                                          <p:stCondLst>
-                                            <p:cond delay="0"/>
-                                          </p:stCondLst>
-                                        </p:cTn>
-                                        <p:tgtEl>
-                                          <p:spTgt spid="15362">
-                                            <p:txEl>
-                                              <p:pRg st="1" end="1"/>
-                                            </p:txEl>
-                                          </p:spTgt>
-                                        </p:tgtEl>
-                                        <p:attrNameLst>
-                                          <p:attrName>style.visibility</p:attrName>
-                                        </p:attrNameLst>
-                                      </p:cBhvr>
-                                      <p:to>
-                                        <p:strVal val="visible"/>
-                                      </p:to>
-                                    </p:set>
-                                    <p:animEffect transition="in" filter="fade">
-                                      <p:cBhvr>
-                                        <p:cTn id="13" dur="500"/>
-                                        <p:tgtEl>
-                                          <p:spTgt spid="15362">
-                                            <p:txEl>
-                                              <p:pRg st="1" end="1"/>
-                                            </p:txEl>
-                                          </p:spTgt>
-                                        </p:tgtEl>
-                                      </p:cBhvr>
-                                    </p:animEffect>
-                                  </p:childTnLst>
-                                </p:cTn>
-                              </p:par>
-                              <p:par>
-                                <p:cTn id="14" presetID="10" presetClass="entr" presetSubtype="0" fill="hold" nodeType="withEffect">
-                                  <p:stCondLst>
-                                    <p:cond delay="0"/>
-                                  </p:stCondLst>
-                                  <p:childTnLst>
-                                    <p:set>
-                                      <p:cBhvr>
-                                        <p:cTn id="15" dur="1" fill="hold">
-                                          <p:stCondLst>
-                                            <p:cond delay="0"/>
-                                          </p:stCondLst>
-                                        </p:cTn>
-                                        <p:tgtEl>
-                                          <p:spTgt spid="15362">
-                                            <p:txEl>
-                                              <p:pRg st="2" end="2"/>
-                                            </p:txEl>
-                                          </p:spTgt>
-                                        </p:tgtEl>
-                                        <p:attrNameLst>
-                                          <p:attrName>style.visibility</p:attrName>
-                                        </p:attrNameLst>
-                                      </p:cBhvr>
-                                      <p:to>
-                                        <p:strVal val="visible"/>
-                                      </p:to>
-                                    </p:set>
-                                    <p:animEffect transition="in" filter="fade">
-                                      <p:cBhvr>
-                                        <p:cTn id="16" dur="500"/>
-                                        <p:tgtEl>
-                                          <p:spTgt spid="15362">
-                                            <p:txEl>
-                                              <p:pRg st="2" end="2"/>
-                                            </p:txEl>
-                                          </p:spTgt>
-                                        </p:tgtEl>
-                                      </p:cBhvr>
-                                    </p:animEffect>
-                                  </p:childTnLst>
-                                </p:cTn>
-                              </p:par>
-                              <p:par>
-                                <p:cTn id="17" presetID="10" presetClass="entr" presetSubtype="0" fill="hold" nodeType="withEffect">
-                                  <p:stCondLst>
-                                    <p:cond delay="0"/>
-                                  </p:stCondLst>
-                                  <p:childTnLst>
-                                    <p:set>
-                                      <p:cBhvr>
-                                        <p:cTn id="18" dur="1" fill="hold">
-                                          <p:stCondLst>
-                                            <p:cond delay="0"/>
-                                          </p:stCondLst>
-                                        </p:cTn>
-                                        <p:tgtEl>
-                                          <p:spTgt spid="15362">
-                                            <p:txEl>
-                                              <p:pRg st="3" end="3"/>
-                                            </p:txEl>
-                                          </p:spTgt>
-                                        </p:tgtEl>
-                                        <p:attrNameLst>
-                                          <p:attrName>style.visibility</p:attrName>
-                                        </p:attrNameLst>
-                                      </p:cBhvr>
-                                      <p:to>
-                                        <p:strVal val="visible"/>
-                                      </p:to>
-                                    </p:set>
-                                    <p:animEffect transition="in" filter="fade">
-                                      <p:cBhvr>
-                                        <p:cTn id="19" dur="500"/>
-                                        <p:tgtEl>
-                                          <p:spTgt spid="15362">
-                                            <p:txEl>
-                                              <p:pRg st="3" end="3"/>
-                                            </p:txEl>
-                                          </p:spTgt>
-                                        </p:tgtEl>
-                                      </p:cBhvr>
-                                    </p:animEffect>
-                                  </p:childTnLst>
-                                </p:cTn>
-                              </p:par>
-                              <p:par>
-                                <p:cTn id="20" presetID="10" presetClass="entr" presetSubtype="0" fill="hold" nodeType="withEffect">
-                                  <p:stCondLst>
-                                    <p:cond delay="0"/>
-                                  </p:stCondLst>
-                                  <p:childTnLst>
-                                    <p:set>
-                                      <p:cBhvr>
-                                        <p:cTn id="21" dur="1" fill="hold">
-                                          <p:stCondLst>
-                                            <p:cond delay="0"/>
-                                          </p:stCondLst>
-                                        </p:cTn>
-                                        <p:tgtEl>
-                                          <p:spTgt spid="15362">
-                                            <p:txEl>
-                                              <p:pRg st="4" end="4"/>
-                                            </p:txEl>
-                                          </p:spTgt>
-                                        </p:tgtEl>
-                                        <p:attrNameLst>
-                                          <p:attrName>style.visibility</p:attrName>
-                                        </p:attrNameLst>
-                                      </p:cBhvr>
-                                      <p:to>
-                                        <p:strVal val="visible"/>
-                                      </p:to>
-                                    </p:set>
-                                    <p:animEffect transition="in" filter="fade">
-                                      <p:cBhvr>
-                                        <p:cTn id="22" dur="500"/>
-                                        <p:tgtEl>
-                                          <p:spTgt spid="15362">
-                                            <p:txEl>
-                                              <p:pRg st="4" end="4"/>
-                                            </p:txEl>
-                                          </p:spTgt>
-                                        </p:tgtEl>
-                                      </p:cBhvr>
-                                    </p:animEffect>
-                                  </p:childTnLst>
-                                </p:cTn>
-                              </p:par>
-                              <p:par>
-                                <p:cTn id="23" presetID="10" presetClass="entr" presetSubtype="0" fill="hold" nodeType="withEffect">
-                                  <p:stCondLst>
-                                    <p:cond delay="0"/>
-                                  </p:stCondLst>
-                                  <p:childTnLst>
-                                    <p:set>
-                                      <p:cBhvr>
-                                        <p:cTn id="24" dur="1" fill="hold">
-                                          <p:stCondLst>
-                                            <p:cond delay="0"/>
-                                          </p:stCondLst>
-                                        </p:cTn>
-                                        <p:tgtEl>
-                                          <p:spTgt spid="15362">
-                                            <p:txEl>
-                                              <p:pRg st="5" end="5"/>
-                                            </p:txEl>
-                                          </p:spTgt>
-                                        </p:tgtEl>
-                                        <p:attrNameLst>
-                                          <p:attrName>style.visibility</p:attrName>
-                                        </p:attrNameLst>
-                                      </p:cBhvr>
-                                      <p:to>
-                                        <p:strVal val="visible"/>
-                                      </p:to>
-                                    </p:set>
-                                    <p:animEffect transition="in" filter="fade">
-                                      <p:cBhvr>
-                                        <p:cTn id="25" dur="500"/>
-                                        <p:tgtEl>
-                                          <p:spTgt spid="15362">
-                                            <p:txEl>
-                                              <p:pRg st="5" end="5"/>
-                                            </p:txEl>
-                                          </p:spTgt>
-                                        </p:tgtEl>
-                                      </p:cBhvr>
-                                    </p:animEffect>
-                                  </p:childTnLst>
-                                </p:cTn>
-                              </p:par>
-                            </p:childTnLst>
-                          </p:cTn>
-                        </p:par>
-                      </p:childTnLst>
-                    </p:cTn>
-                  </p:par>
-                </p:childTnLst>
-              </p:cTn>
-              <p:prevCondLst>
-                <p:cond evt="onPrev" delay="0">
-                  <p:tgtEl>
-                    <p:sldTgt/>
-                  </p:tgtEl>
-                </p:cond>
-              </p:prevCondLst>
-              <p:nextCondLst>
-                <p:cond evt="onNext" delay="0">
-                  <p:tgtEl>
-                    <p:sldTgt/>
-                  </p:tgtEl>
-                </p:cond>
-              </p:nextCondLst>
-            </p:seq>
-          </p:childTnLst>
-        </p:cTn>
+        <p:cTn id="1" dur="indefinite" restart="never" nodeType="tmRoot"/>
       </p:par>
     </p:tnLst>
-    <p:bldLst>
-      <p:bldP spid="2" grpId="0"/>
-    </p:bldLst>
   </p:timing>
 </p:sld>
 </file>
@@ -18649,7 +14515,14 @@
                 <a:latin typeface="Times New Roman" panose="02020603050405020304" pitchFamily="18" charset="0"/>
                 <a:cs typeface="Times New Roman" panose="02020603050405020304" pitchFamily="18" charset="0"/>
               </a:rPr>
-              <a:t>漫遊程式產生的紀錄檔如下：</a:t>
+              <a:t>漫遊程式產生的紀錄檔如下</a:t>
+            </a:r>
+            <a:r>
+              <a:rPr lang="zh-TW" altLang="en-US" sz="2000" dirty="0" smtClean="0">
+                <a:latin typeface="Times New Roman" panose="02020603050405020304" pitchFamily="18" charset="0"/>
+                <a:cs typeface="Times New Roman" panose="02020603050405020304" pitchFamily="18" charset="0"/>
+              </a:rPr>
+              <a:t>：</a:t>
             </a:r>
             <a:endParaRPr lang="en-US" altLang="zh-TW" sz="2000" dirty="0" smtClean="0">
               <a:latin typeface="Times New Roman" panose="02020603050405020304" pitchFamily="18" charset="0"/>
@@ -18800,7 +14673,7 @@
           <a:noFill/>
           <a:ln>
             <a:solidFill>
-              <a:srgbClr val="00B050"/>
+              <a:schemeClr val="accent1"/>
             </a:solidFill>
           </a:ln>
         </p:spPr>
@@ -18846,7 +14719,7 @@
           <a:noFill/>
           <a:ln>
             <a:solidFill>
-              <a:srgbClr val="0070C0"/>
+              <a:schemeClr val="accent3"/>
             </a:solidFill>
           </a:ln>
         </p:spPr>
@@ -18875,6 +14748,96 @@
           </a:p>
         </p:txBody>
       </p:sp>
+      <p:sp>
+        <p:nvSpPr>
+          <p:cNvPr id="7" name="文字方塊 6"/>
+          <p:cNvSpPr txBox="1"/>
+          <p:nvPr/>
+        </p:nvSpPr>
+        <p:spPr>
+          <a:xfrm>
+            <a:off x="2021230" y="1432962"/>
+            <a:ext cx="1447832" cy="369332"/>
+          </a:xfrm>
+          <a:prstGeom prst="rect">
+            <a:avLst/>
+          </a:prstGeom>
+        </p:spPr>
+        <p:style>
+          <a:lnRef idx="2">
+            <a:schemeClr val="accent1"/>
+          </a:lnRef>
+          <a:fillRef idx="1">
+            <a:schemeClr val="lt1"/>
+          </a:fillRef>
+          <a:effectRef idx="0">
+            <a:schemeClr val="accent1"/>
+          </a:effectRef>
+          <a:fontRef idx="minor">
+            <a:schemeClr val="dk1"/>
+          </a:fontRef>
+        </p:style>
+        <p:txBody>
+          <a:bodyPr wrap="none" rtlCol="0">
+            <a:spAutoFit/>
+          </a:bodyPr>
+          <a:lstStyle/>
+          <a:p>
+            <a:r>
+              <a:rPr lang="en-US" altLang="zh-TW" dirty="0" smtClean="0"/>
+              <a:t>A to B log file</a:t>
+            </a:r>
+            <a:endParaRPr lang="zh-TW" altLang="en-US" dirty="0"/>
+          </a:p>
+        </p:txBody>
+      </p:sp>
+      <p:sp>
+        <p:nvSpPr>
+          <p:cNvPr id="11" name="文字方塊 10"/>
+          <p:cNvSpPr txBox="1"/>
+          <p:nvPr/>
+        </p:nvSpPr>
+        <p:spPr>
+          <a:xfrm>
+            <a:off x="6128119" y="1432962"/>
+            <a:ext cx="1447832" cy="369332"/>
+          </a:xfrm>
+          <a:prstGeom prst="rect">
+            <a:avLst/>
+          </a:prstGeom>
+        </p:spPr>
+        <p:style>
+          <a:lnRef idx="2">
+            <a:schemeClr val="accent3"/>
+          </a:lnRef>
+          <a:fillRef idx="1">
+            <a:schemeClr val="lt1"/>
+          </a:fillRef>
+          <a:effectRef idx="0">
+            <a:schemeClr val="accent3"/>
+          </a:effectRef>
+          <a:fontRef idx="minor">
+            <a:schemeClr val="dk1"/>
+          </a:fontRef>
+        </p:style>
+        <p:txBody>
+          <a:bodyPr wrap="none" rtlCol="0">
+            <a:spAutoFit/>
+          </a:bodyPr>
+          <a:lstStyle/>
+          <a:p>
+            <a:r>
+              <a:rPr lang="en-US" altLang="zh-TW" dirty="0"/>
+              <a:t>B</a:t>
+            </a:r>
+            <a:r>
+              <a:rPr lang="en-US" altLang="zh-TW" dirty="0" smtClean="0"/>
+              <a:t> to A log file</a:t>
+            </a:r>
+            <a:endParaRPr lang="zh-TW" altLang="en-US" dirty="0"/>
+          </a:p>
+        </p:txBody>
+      </p:sp>
     </p:spTree>
     <p:extLst>
       <p:ext uri="{BB962C8B-B14F-4D97-AF65-F5344CB8AC3E}">
@@ -18885,296 +14848,20 @@
   <p:clrMapOvr>
     <a:masterClrMapping/>
   </p:clrMapOvr>
-  <mc:AlternateContent xmlns:mc="http://schemas.openxmlformats.org/markup-compatibility/2006" xmlns:p14="http://schemas.microsoft.com/office/powerpoint/2010/main">
-    <mc:Choice Requires="p14">
-      <p:transition p14:dur="0" advClick="0"/>
+  <mc:AlternateContent xmlns:mc="http://schemas.openxmlformats.org/markup-compatibility/2006">
+    <mc:Choice xmlns:p14="http://schemas.microsoft.com/office/powerpoint/2010/main" Requires="p14">
+      <p:transition p14:dur="10" advClick="0"/>
     </mc:Choice>
-    <mc:Fallback xmlns="">
+    <mc:Fallback>
       <p:transition advClick="0"/>
     </mc:Fallback>
   </mc:AlternateContent>
   <p:timing>
     <p:tnLst>
       <p:par>
-        <p:cTn id="1" dur="indefinite" restart="never" nodeType="tmRoot">
-          <p:childTnLst>
-            <p:seq concurrent="1" nextAc="seek">
-              <p:cTn id="2" dur="indefinite" nodeType="mainSeq">
-                <p:childTnLst>
-                  <p:par>
-                    <p:cTn id="3" fill="hold">
-                      <p:stCondLst>
-                        <p:cond delay="indefinite"/>
-                        <p:cond evt="onBegin" delay="0">
-                          <p:tn val="2"/>
-                        </p:cond>
-                      </p:stCondLst>
-                      <p:childTnLst>
-                        <p:par>
-                          <p:cTn id="4" fill="hold">
-                            <p:stCondLst>
-                              <p:cond delay="0"/>
-                            </p:stCondLst>
-                            <p:childTnLst>
-                              <p:par>
-                                <p:cTn id="5" presetID="10" presetClass="entr" presetSubtype="0" fill="hold" grpId="0" nodeType="withEffect">
-                                  <p:stCondLst>
-                                    <p:cond delay="0"/>
-                                  </p:stCondLst>
-                                  <p:childTnLst>
-                                    <p:set>
-                                      <p:cBhvr>
-                                        <p:cTn id="6" dur="1" fill="hold">
-                                          <p:stCondLst>
-                                            <p:cond delay="0"/>
-                                          </p:stCondLst>
-                                        </p:cTn>
-                                        <p:tgtEl>
-                                          <p:spTgt spid="2"/>
-                                        </p:tgtEl>
-                                        <p:attrNameLst>
-                                          <p:attrName>style.visibility</p:attrName>
-                                        </p:attrNameLst>
-                                      </p:cBhvr>
-                                      <p:to>
-                                        <p:strVal val="visible"/>
-                                      </p:to>
-                                    </p:set>
-                                    <p:animEffect transition="in" filter="fade">
-                                      <p:cBhvr>
-                                        <p:cTn id="7" dur="500"/>
-                                        <p:tgtEl>
-                                          <p:spTgt spid="2"/>
-                                        </p:tgtEl>
-                                      </p:cBhvr>
-                                    </p:animEffect>
-                                  </p:childTnLst>
-                                </p:cTn>
-                              </p:par>
-                            </p:childTnLst>
-                          </p:cTn>
-                        </p:par>
-                        <p:par>
-                          <p:cTn id="8" fill="hold">
-                            <p:stCondLst>
-                              <p:cond delay="500"/>
-                            </p:stCondLst>
-                            <p:childTnLst>
-                              <p:par>
-                                <p:cTn id="9" presetID="10" presetClass="entr" presetSubtype="0" fill="hold" nodeType="afterEffect">
-                                  <p:stCondLst>
-                                    <p:cond delay="0"/>
-                                  </p:stCondLst>
-                                  <p:childTnLst>
-                                    <p:set>
-                                      <p:cBhvr>
-                                        <p:cTn id="10" dur="1" fill="hold">
-                                          <p:stCondLst>
-                                            <p:cond delay="0"/>
-                                          </p:stCondLst>
-                                        </p:cTn>
-                                        <p:tgtEl>
-                                          <p:spTgt spid="15362">
-                                            <p:txEl>
-                                              <p:pRg st="0" end="0"/>
-                                            </p:txEl>
-                                          </p:spTgt>
-                                        </p:tgtEl>
-                                        <p:attrNameLst>
-                                          <p:attrName>style.visibility</p:attrName>
-                                        </p:attrNameLst>
-                                      </p:cBhvr>
-                                      <p:to>
-                                        <p:strVal val="visible"/>
-                                      </p:to>
-                                    </p:set>
-                                    <p:animEffect transition="in" filter="fade">
-                                      <p:cBhvr>
-                                        <p:cTn id="11" dur="500"/>
-                                        <p:tgtEl>
-                                          <p:spTgt spid="15362">
-                                            <p:txEl>
-                                              <p:pRg st="0" end="0"/>
-                                            </p:txEl>
-                                          </p:spTgt>
-                                        </p:tgtEl>
-                                      </p:cBhvr>
-                                    </p:animEffect>
-                                  </p:childTnLst>
-                                </p:cTn>
-                              </p:par>
-                              <p:par>
-                                <p:cTn id="12" presetID="10" presetClass="entr" presetSubtype="0" fill="hold" grpId="0" nodeType="withEffect">
-                                  <p:stCondLst>
-                                    <p:cond delay="0"/>
-                                  </p:stCondLst>
-                                  <p:childTnLst>
-                                    <p:set>
-                                      <p:cBhvr>
-                                        <p:cTn id="13" dur="1" fill="hold">
-                                          <p:stCondLst>
-                                            <p:cond delay="0"/>
-                                          </p:stCondLst>
-                                        </p:cTn>
-                                        <p:tgtEl>
-                                          <p:spTgt spid="10"/>
-                                        </p:tgtEl>
-                                        <p:attrNameLst>
-                                          <p:attrName>style.visibility</p:attrName>
-                                        </p:attrNameLst>
-                                      </p:cBhvr>
-                                      <p:to>
-                                        <p:strVal val="visible"/>
-                                      </p:to>
-                                    </p:set>
-                                    <p:animEffect transition="in" filter="fade">
-                                      <p:cBhvr>
-                                        <p:cTn id="14" dur="500"/>
-                                        <p:tgtEl>
-                                          <p:spTgt spid="10"/>
-                                        </p:tgtEl>
-                                      </p:cBhvr>
-                                    </p:animEffect>
-                                  </p:childTnLst>
-                                </p:cTn>
-                              </p:par>
-                              <p:par>
-                                <p:cTn id="15" presetID="10" presetClass="entr" presetSubtype="0" fill="hold" nodeType="withEffect">
-                                  <p:stCondLst>
-                                    <p:cond delay="0"/>
-                                  </p:stCondLst>
-                                  <p:childTnLst>
-                                    <p:set>
-                                      <p:cBhvr>
-                                        <p:cTn id="16" dur="1" fill="hold">
-                                          <p:stCondLst>
-                                            <p:cond delay="0"/>
-                                          </p:stCondLst>
-                                        </p:cTn>
-                                        <p:tgtEl>
-                                          <p:spTgt spid="4"/>
-                                        </p:tgtEl>
-                                        <p:attrNameLst>
-                                          <p:attrName>style.visibility</p:attrName>
-                                        </p:attrNameLst>
-                                      </p:cBhvr>
-                                      <p:to>
-                                        <p:strVal val="visible"/>
-                                      </p:to>
-                                    </p:set>
-                                    <p:animEffect transition="in" filter="fade">
-                                      <p:cBhvr>
-                                        <p:cTn id="17" dur="500"/>
-                                        <p:tgtEl>
-                                          <p:spTgt spid="4"/>
-                                        </p:tgtEl>
-                                      </p:cBhvr>
-                                    </p:animEffect>
-                                  </p:childTnLst>
-                                </p:cTn>
-                              </p:par>
-                              <p:par>
-                                <p:cTn id="18" presetID="10" presetClass="entr" presetSubtype="0" fill="hold" grpId="0" nodeType="withEffect">
-                                  <p:stCondLst>
-                                    <p:cond delay="0"/>
-                                  </p:stCondLst>
-                                  <p:childTnLst>
-                                    <p:set>
-                                      <p:cBhvr>
-                                        <p:cTn id="19" dur="1" fill="hold">
-                                          <p:stCondLst>
-                                            <p:cond delay="0"/>
-                                          </p:stCondLst>
-                                        </p:cTn>
-                                        <p:tgtEl>
-                                          <p:spTgt spid="13"/>
-                                        </p:tgtEl>
-                                        <p:attrNameLst>
-                                          <p:attrName>style.visibility</p:attrName>
-                                        </p:attrNameLst>
-                                      </p:cBhvr>
-                                      <p:to>
-                                        <p:strVal val="visible"/>
-                                      </p:to>
-                                    </p:set>
-                                    <p:animEffect transition="in" filter="fade">
-                                      <p:cBhvr>
-                                        <p:cTn id="20" dur="500"/>
-                                        <p:tgtEl>
-                                          <p:spTgt spid="13"/>
-                                        </p:tgtEl>
-                                      </p:cBhvr>
-                                    </p:animEffect>
-                                  </p:childTnLst>
-                                </p:cTn>
-                              </p:par>
-                              <p:par>
-                                <p:cTn id="21" presetID="10" presetClass="entr" presetSubtype="0" fill="hold" nodeType="withEffect">
-                                  <p:stCondLst>
-                                    <p:cond delay="0"/>
-                                  </p:stCondLst>
-                                  <p:childTnLst>
-                                    <p:set>
-                                      <p:cBhvr>
-                                        <p:cTn id="22" dur="1" fill="hold">
-                                          <p:stCondLst>
-                                            <p:cond delay="0"/>
-                                          </p:stCondLst>
-                                        </p:cTn>
-                                        <p:tgtEl>
-                                          <p:spTgt spid="5"/>
-                                        </p:tgtEl>
-                                        <p:attrNameLst>
-                                          <p:attrName>style.visibility</p:attrName>
-                                        </p:attrNameLst>
-                                      </p:cBhvr>
-                                      <p:to>
-                                        <p:strVal val="visible"/>
-                                      </p:to>
-                                    </p:set>
-                                    <p:animEffect transition="in" filter="fade">
-                                      <p:cBhvr>
-                                        <p:cTn id="23" dur="500"/>
-                                        <p:tgtEl>
-                                          <p:spTgt spid="5"/>
-                                        </p:tgtEl>
-                                      </p:cBhvr>
-                                    </p:animEffect>
-                                  </p:childTnLst>
-                                </p:cTn>
-                              </p:par>
-                            </p:childTnLst>
-                          </p:cTn>
-                        </p:par>
-                      </p:childTnLst>
-                    </p:cTn>
-                  </p:par>
-                </p:childTnLst>
-              </p:cTn>
-              <p:prevCondLst>
-                <p:cond evt="onPrev" delay="0">
-                  <p:tgtEl>
-                    <p:sldTgt/>
-                  </p:tgtEl>
-                </p:cond>
-              </p:prevCondLst>
-              <p:nextCondLst>
-                <p:cond evt="onNext" delay="0">
-                  <p:tgtEl>
-                    <p:sldTgt/>
-                  </p:tgtEl>
-                </p:cond>
-              </p:nextCondLst>
-            </p:seq>
-          </p:childTnLst>
-        </p:cTn>
+        <p:cTn id="1" dur="indefinite" restart="never" nodeType="tmRoot"/>
       </p:par>
     </p:tnLst>
-    <p:bldLst>
-      <p:bldP spid="2" grpId="0"/>
-      <p:bldP spid="10" grpId="0" animBg="1"/>
-      <p:bldP spid="13" grpId="0" animBg="1"/>
-    </p:bldLst>
   </p:timing>
 </p:sld>
 </file>
@@ -19269,28 +14956,7 @@
                 <a:latin typeface="Times New Roman" panose="02020603050405020304" pitchFamily="18" charset="0"/>
                 <a:cs typeface="Times New Roman" panose="02020603050405020304" pitchFamily="18" charset="0"/>
               </a:rPr>
-              <a:t>透過</a:t>
-            </a:r>
-            <a:r>
-              <a:rPr lang="zh-TW" altLang="en-US" sz="1800" dirty="0" smtClean="0">
-                <a:latin typeface="Times New Roman" panose="02020603050405020304" pitchFamily="18" charset="0"/>
-                <a:cs typeface="Times New Roman" panose="02020603050405020304" pitchFamily="18" charset="0"/>
-              </a:rPr>
-              <a:t>程式</a:t>
-            </a:r>
-            <a:r>
-              <a:rPr lang="zh-TW" altLang="en-US" sz="1800" dirty="0" smtClean="0">
-                <a:latin typeface="Times New Roman" panose="02020603050405020304" pitchFamily="18" charset="0"/>
-                <a:cs typeface="Times New Roman" panose="02020603050405020304" pitchFamily="18" charset="0"/>
-              </a:rPr>
-              <a:t>控制介面</a:t>
-            </a:r>
-            <a:r>
-              <a:rPr lang="zh-TW" altLang="en-US" sz="1800" dirty="0" smtClean="0">
-                <a:latin typeface="Times New Roman" panose="02020603050405020304" pitchFamily="18" charset="0"/>
-                <a:cs typeface="Times New Roman" panose="02020603050405020304" pitchFamily="18" charset="0"/>
-              </a:rPr>
-              <a:t>做 </a:t>
+              <a:t>透過程式控制介面做 </a:t>
             </a:r>
             <a:r>
               <a:rPr lang="en-US" altLang="zh-TW" sz="1800" dirty="0" smtClean="0">
@@ -19576,435 +15242,9 @@
   <p:timing>
     <p:tnLst>
       <p:par>
-        <p:cTn id="1" dur="indefinite" restart="never" nodeType="tmRoot">
-          <p:childTnLst>
-            <p:seq concurrent="1" nextAc="seek">
-              <p:cTn id="2" dur="indefinite" nodeType="mainSeq">
-                <p:childTnLst>
-                  <p:par>
-                    <p:cTn id="3" fill="hold">
-                      <p:stCondLst>
-                        <p:cond delay="indefinite"/>
-                        <p:cond evt="onBegin" delay="0">
-                          <p:tn val="2"/>
-                        </p:cond>
-                      </p:stCondLst>
-                      <p:childTnLst>
-                        <p:par>
-                          <p:cTn id="4" fill="hold">
-                            <p:stCondLst>
-                              <p:cond delay="0"/>
-                            </p:stCondLst>
-                            <p:childTnLst>
-                              <p:par>
-                                <p:cTn id="5" presetID="10" presetClass="entr" presetSubtype="0" fill="hold" grpId="0" nodeType="withEffect">
-                                  <p:stCondLst>
-                                    <p:cond delay="0"/>
-                                  </p:stCondLst>
-                                  <p:childTnLst>
-                                    <p:set>
-                                      <p:cBhvr>
-                                        <p:cTn id="6" dur="1" fill="hold">
-                                          <p:stCondLst>
-                                            <p:cond delay="0"/>
-                                          </p:stCondLst>
-                                        </p:cTn>
-                                        <p:tgtEl>
-                                          <p:spTgt spid="2"/>
-                                        </p:tgtEl>
-                                        <p:attrNameLst>
-                                          <p:attrName>style.visibility</p:attrName>
-                                        </p:attrNameLst>
-                                      </p:cBhvr>
-                                      <p:to>
-                                        <p:strVal val="visible"/>
-                                      </p:to>
-                                    </p:set>
-                                    <p:animEffect transition="in" filter="fade">
-                                      <p:cBhvr>
-                                        <p:cTn id="7" dur="500"/>
-                                        <p:tgtEl>
-                                          <p:spTgt spid="2"/>
-                                        </p:tgtEl>
-                                      </p:cBhvr>
-                                    </p:animEffect>
-                                  </p:childTnLst>
-                                </p:cTn>
-                              </p:par>
-                              <p:par>
-                                <p:cTn id="8" presetID="10" presetClass="entr" presetSubtype="0" fill="hold" nodeType="withEffect">
-                                  <p:stCondLst>
-                                    <p:cond delay="0"/>
-                                  </p:stCondLst>
-                                  <p:childTnLst>
-                                    <p:set>
-                                      <p:cBhvr>
-                                        <p:cTn id="9" dur="1" fill="hold">
-                                          <p:stCondLst>
-                                            <p:cond delay="0"/>
-                                          </p:stCondLst>
-                                        </p:cTn>
-                                        <p:tgtEl>
-                                          <p:spTgt spid="15362">
-                                            <p:txEl>
-                                              <p:pRg st="0" end="0"/>
-                                            </p:txEl>
-                                          </p:spTgt>
-                                        </p:tgtEl>
-                                        <p:attrNameLst>
-                                          <p:attrName>style.visibility</p:attrName>
-                                        </p:attrNameLst>
-                                      </p:cBhvr>
-                                      <p:to>
-                                        <p:strVal val="visible"/>
-                                      </p:to>
-                                    </p:set>
-                                    <p:animEffect transition="in" filter="fade">
-                                      <p:cBhvr>
-                                        <p:cTn id="10" dur="500"/>
-                                        <p:tgtEl>
-                                          <p:spTgt spid="15362">
-                                            <p:txEl>
-                                              <p:pRg st="0" end="0"/>
-                                            </p:txEl>
-                                          </p:spTgt>
-                                        </p:tgtEl>
-                                      </p:cBhvr>
-                                    </p:animEffect>
-                                  </p:childTnLst>
-                                </p:cTn>
-                              </p:par>
-                              <p:par>
-                                <p:cTn id="11" presetID="10" presetClass="entr" presetSubtype="0" fill="hold" nodeType="withEffect">
-                                  <p:stCondLst>
-                                    <p:cond delay="0"/>
-                                  </p:stCondLst>
-                                  <p:childTnLst>
-                                    <p:set>
-                                      <p:cBhvr>
-                                        <p:cTn id="12" dur="1" fill="hold">
-                                          <p:stCondLst>
-                                            <p:cond delay="0"/>
-                                          </p:stCondLst>
-                                        </p:cTn>
-                                        <p:tgtEl>
-                                          <p:spTgt spid="15362">
-                                            <p:txEl>
-                                              <p:pRg st="1" end="1"/>
-                                            </p:txEl>
-                                          </p:spTgt>
-                                        </p:tgtEl>
-                                        <p:attrNameLst>
-                                          <p:attrName>style.visibility</p:attrName>
-                                        </p:attrNameLst>
-                                      </p:cBhvr>
-                                      <p:to>
-                                        <p:strVal val="visible"/>
-                                      </p:to>
-                                    </p:set>
-                                    <p:animEffect transition="in" filter="fade">
-                                      <p:cBhvr>
-                                        <p:cTn id="13" dur="500"/>
-                                        <p:tgtEl>
-                                          <p:spTgt spid="15362">
-                                            <p:txEl>
-                                              <p:pRg st="1" end="1"/>
-                                            </p:txEl>
-                                          </p:spTgt>
-                                        </p:tgtEl>
-                                      </p:cBhvr>
-                                    </p:animEffect>
-                                  </p:childTnLst>
-                                </p:cTn>
-                              </p:par>
-                              <p:par>
-                                <p:cTn id="14" presetID="10" presetClass="entr" presetSubtype="0" fill="hold" nodeType="withEffect">
-                                  <p:stCondLst>
-                                    <p:cond delay="0"/>
-                                  </p:stCondLst>
-                                  <p:childTnLst>
-                                    <p:set>
-                                      <p:cBhvr>
-                                        <p:cTn id="15" dur="1" fill="hold">
-                                          <p:stCondLst>
-                                            <p:cond delay="0"/>
-                                          </p:stCondLst>
-                                        </p:cTn>
-                                        <p:tgtEl>
-                                          <p:spTgt spid="15362">
-                                            <p:txEl>
-                                              <p:pRg st="2" end="2"/>
-                                            </p:txEl>
-                                          </p:spTgt>
-                                        </p:tgtEl>
-                                        <p:attrNameLst>
-                                          <p:attrName>style.visibility</p:attrName>
-                                        </p:attrNameLst>
-                                      </p:cBhvr>
-                                      <p:to>
-                                        <p:strVal val="visible"/>
-                                      </p:to>
-                                    </p:set>
-                                    <p:animEffect transition="in" filter="fade">
-                                      <p:cBhvr>
-                                        <p:cTn id="16" dur="500"/>
-                                        <p:tgtEl>
-                                          <p:spTgt spid="15362">
-                                            <p:txEl>
-                                              <p:pRg st="2" end="2"/>
-                                            </p:txEl>
-                                          </p:spTgt>
-                                        </p:tgtEl>
-                                      </p:cBhvr>
-                                    </p:animEffect>
-                                  </p:childTnLst>
-                                </p:cTn>
-                              </p:par>
-                              <p:par>
-                                <p:cTn id="17" presetID="10" presetClass="entr" presetSubtype="0" fill="hold" nodeType="withEffect">
-                                  <p:stCondLst>
-                                    <p:cond delay="0"/>
-                                  </p:stCondLst>
-                                  <p:childTnLst>
-                                    <p:set>
-                                      <p:cBhvr>
-                                        <p:cTn id="18" dur="1" fill="hold">
-                                          <p:stCondLst>
-                                            <p:cond delay="0"/>
-                                          </p:stCondLst>
-                                        </p:cTn>
-                                        <p:tgtEl>
-                                          <p:spTgt spid="15362">
-                                            <p:txEl>
-                                              <p:pRg st="3" end="3"/>
-                                            </p:txEl>
-                                          </p:spTgt>
-                                        </p:tgtEl>
-                                        <p:attrNameLst>
-                                          <p:attrName>style.visibility</p:attrName>
-                                        </p:attrNameLst>
-                                      </p:cBhvr>
-                                      <p:to>
-                                        <p:strVal val="visible"/>
-                                      </p:to>
-                                    </p:set>
-                                    <p:animEffect transition="in" filter="fade">
-                                      <p:cBhvr>
-                                        <p:cTn id="19" dur="500"/>
-                                        <p:tgtEl>
-                                          <p:spTgt spid="15362">
-                                            <p:txEl>
-                                              <p:pRg st="3" end="3"/>
-                                            </p:txEl>
-                                          </p:spTgt>
-                                        </p:tgtEl>
-                                      </p:cBhvr>
-                                    </p:animEffect>
-                                  </p:childTnLst>
-                                </p:cTn>
-                              </p:par>
-                              <p:par>
-                                <p:cTn id="20" presetID="10" presetClass="entr" presetSubtype="0" fill="hold" nodeType="withEffect">
-                                  <p:stCondLst>
-                                    <p:cond delay="0"/>
-                                  </p:stCondLst>
-                                  <p:childTnLst>
-                                    <p:set>
-                                      <p:cBhvr>
-                                        <p:cTn id="21" dur="1" fill="hold">
-                                          <p:stCondLst>
-                                            <p:cond delay="0"/>
-                                          </p:stCondLst>
-                                        </p:cTn>
-                                        <p:tgtEl>
-                                          <p:spTgt spid="15362">
-                                            <p:txEl>
-                                              <p:pRg st="4" end="4"/>
-                                            </p:txEl>
-                                          </p:spTgt>
-                                        </p:tgtEl>
-                                        <p:attrNameLst>
-                                          <p:attrName>style.visibility</p:attrName>
-                                        </p:attrNameLst>
-                                      </p:cBhvr>
-                                      <p:to>
-                                        <p:strVal val="visible"/>
-                                      </p:to>
-                                    </p:set>
-                                    <p:animEffect transition="in" filter="fade">
-                                      <p:cBhvr>
-                                        <p:cTn id="22" dur="500"/>
-                                        <p:tgtEl>
-                                          <p:spTgt spid="15362">
-                                            <p:txEl>
-                                              <p:pRg st="4" end="4"/>
-                                            </p:txEl>
-                                          </p:spTgt>
-                                        </p:tgtEl>
-                                      </p:cBhvr>
-                                    </p:animEffect>
-                                  </p:childTnLst>
-                                </p:cTn>
-                              </p:par>
-                              <p:par>
-                                <p:cTn id="23" presetID="10" presetClass="entr" presetSubtype="0" fill="hold" nodeType="withEffect">
-                                  <p:stCondLst>
-                                    <p:cond delay="0"/>
-                                  </p:stCondLst>
-                                  <p:childTnLst>
-                                    <p:set>
-                                      <p:cBhvr>
-                                        <p:cTn id="24" dur="1" fill="hold">
-                                          <p:stCondLst>
-                                            <p:cond delay="0"/>
-                                          </p:stCondLst>
-                                        </p:cTn>
-                                        <p:tgtEl>
-                                          <p:spTgt spid="15362">
-                                            <p:txEl>
-                                              <p:pRg st="5" end="5"/>
-                                            </p:txEl>
-                                          </p:spTgt>
-                                        </p:tgtEl>
-                                        <p:attrNameLst>
-                                          <p:attrName>style.visibility</p:attrName>
-                                        </p:attrNameLst>
-                                      </p:cBhvr>
-                                      <p:to>
-                                        <p:strVal val="visible"/>
-                                      </p:to>
-                                    </p:set>
-                                    <p:animEffect transition="in" filter="fade">
-                                      <p:cBhvr>
-                                        <p:cTn id="25" dur="500"/>
-                                        <p:tgtEl>
-                                          <p:spTgt spid="15362">
-                                            <p:txEl>
-                                              <p:pRg st="5" end="5"/>
-                                            </p:txEl>
-                                          </p:spTgt>
-                                        </p:tgtEl>
-                                      </p:cBhvr>
-                                    </p:animEffect>
-                                  </p:childTnLst>
-                                </p:cTn>
-                              </p:par>
-                              <p:par>
-                                <p:cTn id="26" presetID="10" presetClass="entr" presetSubtype="0" fill="hold" nodeType="withEffect">
-                                  <p:stCondLst>
-                                    <p:cond delay="0"/>
-                                  </p:stCondLst>
-                                  <p:childTnLst>
-                                    <p:set>
-                                      <p:cBhvr>
-                                        <p:cTn id="27" dur="1" fill="hold">
-                                          <p:stCondLst>
-                                            <p:cond delay="0"/>
-                                          </p:stCondLst>
-                                        </p:cTn>
-                                        <p:tgtEl>
-                                          <p:spTgt spid="15362">
-                                            <p:txEl>
-                                              <p:pRg st="6" end="6"/>
-                                            </p:txEl>
-                                          </p:spTgt>
-                                        </p:tgtEl>
-                                        <p:attrNameLst>
-                                          <p:attrName>style.visibility</p:attrName>
-                                        </p:attrNameLst>
-                                      </p:cBhvr>
-                                      <p:to>
-                                        <p:strVal val="visible"/>
-                                      </p:to>
-                                    </p:set>
-                                    <p:animEffect transition="in" filter="fade">
-                                      <p:cBhvr>
-                                        <p:cTn id="28" dur="500"/>
-                                        <p:tgtEl>
-                                          <p:spTgt spid="15362">
-                                            <p:txEl>
-                                              <p:pRg st="6" end="6"/>
-                                            </p:txEl>
-                                          </p:spTgt>
-                                        </p:tgtEl>
-                                      </p:cBhvr>
-                                    </p:animEffect>
-                                  </p:childTnLst>
-                                </p:cTn>
-                              </p:par>
-                              <p:par>
-                                <p:cTn id="29" presetID="10" presetClass="entr" presetSubtype="0" fill="hold" nodeType="withEffect">
-                                  <p:stCondLst>
-                                    <p:cond delay="0"/>
-                                  </p:stCondLst>
-                                  <p:childTnLst>
-                                    <p:set>
-                                      <p:cBhvr>
-                                        <p:cTn id="30" dur="1" fill="hold">
-                                          <p:stCondLst>
-                                            <p:cond delay="0"/>
-                                          </p:stCondLst>
-                                        </p:cTn>
-                                        <p:tgtEl>
-                                          <p:spTgt spid="15362">
-                                            <p:txEl>
-                                              <p:pRg st="7" end="7"/>
-                                            </p:txEl>
-                                          </p:spTgt>
-                                        </p:tgtEl>
-                                        <p:attrNameLst>
-                                          <p:attrName>style.visibility</p:attrName>
-                                        </p:attrNameLst>
-                                      </p:cBhvr>
-                                      <p:to>
-                                        <p:strVal val="visible"/>
-                                      </p:to>
-                                    </p:set>
-                                    <p:animEffect transition="in" filter="fade">
-                                      <p:cBhvr>
-                                        <p:cTn id="31" dur="500"/>
-                                        <p:tgtEl>
-                                          <p:spTgt spid="15362">
-                                            <p:txEl>
-                                              <p:pRg st="7" end="7"/>
-                                            </p:txEl>
-                                          </p:spTgt>
-                                        </p:tgtEl>
-                                      </p:cBhvr>
-                                    </p:animEffect>
-                                  </p:childTnLst>
-                                </p:cTn>
-                              </p:par>
-                            </p:childTnLst>
-                          </p:cTn>
-                        </p:par>
-                      </p:childTnLst>
-                    </p:cTn>
-                  </p:par>
-                </p:childTnLst>
-              </p:cTn>
-              <p:prevCondLst>
-                <p:cond evt="onPrev" delay="0">
-                  <p:tgtEl>
-                    <p:sldTgt/>
-                  </p:tgtEl>
-                </p:cond>
-              </p:prevCondLst>
-              <p:nextCondLst>
-                <p:cond evt="onNext" delay="0">
-                  <p:tgtEl>
-                    <p:sldTgt/>
-                  </p:tgtEl>
-                </p:cond>
-              </p:nextCondLst>
-            </p:seq>
-          </p:childTnLst>
-        </p:cTn>
+        <p:cTn id="1" dur="indefinite" restart="never" nodeType="tmRoot"/>
       </p:par>
     </p:tnLst>
-    <p:bldLst>
-      <p:bldP spid="2" grpId="0"/>
-    </p:bldLst>
   </p:timing>
 </p:sld>
 </file>
@@ -21583,30 +16823,21 @@
                             </p:childTnLst>
                           </p:cTn>
                         </p:par>
-                      </p:childTnLst>
-                    </p:cTn>
-                  </p:par>
-                  <p:par>
-                    <p:cTn id="39" fill="hold">
-                      <p:stCondLst>
-                        <p:cond delay="indefinite"/>
-                      </p:stCondLst>
-                      <p:childTnLst>
                         <p:par>
-                          <p:cTn id="40" fill="hold">
+                          <p:cTn id="39" fill="hold">
                             <p:stCondLst>
-                              <p:cond delay="0"/>
+                              <p:cond delay="1000"/>
                             </p:stCondLst>
                             <p:childTnLst>
                               <p:par>
-                                <p:cTn id="41" presetID="10" presetClass="entr" presetSubtype="0" fill="hold" nodeType="clickEffect">
+                                <p:cTn id="40" presetID="10" presetClass="entr" presetSubtype="0" fill="hold" nodeType="afterEffect">
                                   <p:stCondLst>
                                     <p:cond delay="0"/>
                                   </p:stCondLst>
                                   <p:childTnLst>
                                     <p:set>
                                       <p:cBhvr>
-                                        <p:cTn id="42" dur="1" fill="hold">
+                                        <p:cTn id="41" dur="1" fill="hold">
                                           <p:stCondLst>
                                             <p:cond delay="0"/>
                                           </p:stCondLst>
@@ -21624,7 +16855,7 @@
                                     </p:set>
                                     <p:animEffect transition="in" filter="fade">
                                       <p:cBhvr>
-                                        <p:cTn id="43" dur="500"/>
+                                        <p:cTn id="42" dur="500"/>
                                         <p:tgtEl>
                                           <p:spTgt spid="134"/>
                                         </p:tgtEl>
@@ -21634,14 +16865,14 @@
                                 </p:cTn>
                               </p:par>
                               <p:par>
-                                <p:cTn id="44" presetID="10" presetClass="entr" presetSubtype="0" fill="hold" grpId="0" nodeType="withEffect">
+                                <p:cTn id="43" presetID="10" presetClass="entr" presetSubtype="0" fill="hold" grpId="0" nodeType="withEffect">
                                   <p:stCondLst>
                                     <p:cond delay="0"/>
                                   </p:stCondLst>
                                   <p:childTnLst>
                                     <p:set>
                                       <p:cBhvr>
-                                        <p:cTn id="45" dur="1" fill="hold">
+                                        <p:cTn id="44" dur="1" fill="hold">
                                           <p:stCondLst>
                                             <p:cond delay="0"/>
                                           </p:stCondLst>
@@ -21659,7 +16890,7 @@
                                     </p:set>
                                     <p:animEffect transition="in" filter="fade">
                                       <p:cBhvr>
-                                        <p:cTn id="46" dur="500"/>
+                                        <p:cTn id="45" dur="500"/>
                                         <p:tgtEl>
                                           <p:spTgt spid="173"/>
                                         </p:tgtEl>
@@ -21672,20 +16903,20 @@
                           </p:cTn>
                         </p:par>
                         <p:par>
-                          <p:cTn id="47" fill="hold">
+                          <p:cTn id="46" fill="hold">
                             <p:stCondLst>
-                              <p:cond delay="500"/>
+                              <p:cond delay="1500"/>
                             </p:stCondLst>
                             <p:childTnLst>
                               <p:par>
-                                <p:cTn id="48" presetID="10" presetClass="entr" presetSubtype="0" fill="hold" nodeType="afterEffect">
+                                <p:cTn id="47" presetID="10" presetClass="entr" presetSubtype="0" fill="hold" nodeType="afterEffect">
                                   <p:stCondLst>
                                     <p:cond delay="0"/>
                                   </p:stCondLst>
                                   <p:childTnLst>
                                     <p:set>
                                       <p:cBhvr>
-                                        <p:cTn id="49" dur="1" fill="hold">
+                                        <p:cTn id="48" dur="1" fill="hold">
                                           <p:stCondLst>
                                             <p:cond delay="0"/>
                                           </p:stCondLst>
@@ -21703,7 +16934,7 @@
                                     </p:set>
                                     <p:animEffect transition="in" filter="fade">
                                       <p:cBhvr>
-                                        <p:cTn id="50" dur="500"/>
+                                        <p:cTn id="49" dur="500"/>
                                         <p:tgtEl>
                                           <p:spTgt spid="4154"/>
                                         </p:tgtEl>
@@ -21713,14 +16944,14 @@
                                 </p:cTn>
                               </p:par>
                               <p:par>
-                                <p:cTn id="51" presetID="10" presetClass="entr" presetSubtype="0" fill="hold" grpId="0" nodeType="withEffect">
+                                <p:cTn id="50" presetID="10" presetClass="entr" presetSubtype="0" fill="hold" grpId="0" nodeType="withEffect">
                                   <p:stCondLst>
                                     <p:cond delay="0"/>
                                   </p:stCondLst>
                                   <p:childTnLst>
                                     <p:set>
                                       <p:cBhvr>
-                                        <p:cTn id="52" dur="1" fill="hold">
+                                        <p:cTn id="51" dur="1" fill="hold">
                                           <p:stCondLst>
                                             <p:cond delay="0"/>
                                           </p:stCondLst>
@@ -21738,7 +16969,7 @@
                                     </p:set>
                                     <p:animEffect transition="in" filter="fade">
                                       <p:cBhvr>
-                                        <p:cTn id="53" dur="500"/>
+                                        <p:cTn id="52" dur="500"/>
                                         <p:tgtEl>
                                           <p:spTgt spid="171"/>
                                         </p:tgtEl>
@@ -21751,20 +16982,20 @@
                           </p:cTn>
                         </p:par>
                         <p:par>
-                          <p:cTn id="54" fill="hold">
+                          <p:cTn id="53" fill="hold">
                             <p:stCondLst>
-                              <p:cond delay="1000"/>
+                              <p:cond delay="2000"/>
                             </p:stCondLst>
                             <p:childTnLst>
                               <p:par>
-                                <p:cTn id="55" presetID="10" presetClass="entr" presetSubtype="0" fill="hold" grpId="0" nodeType="afterEffect">
+                                <p:cTn id="54" presetID="10" presetClass="entr" presetSubtype="0" fill="hold" grpId="0" nodeType="afterEffect">
                                   <p:stCondLst>
                                     <p:cond delay="0"/>
                                   </p:stCondLst>
                                   <p:childTnLst>
                                     <p:set>
                                       <p:cBhvr>
-                                        <p:cTn id="56" dur="1" fill="hold">
+                                        <p:cTn id="55" dur="1" fill="hold">
                                           <p:stCondLst>
                                             <p:cond delay="0"/>
                                           </p:stCondLst>
@@ -21782,7 +17013,7 @@
                                     </p:set>
                                     <p:animEffect transition="in" filter="fade">
                                       <p:cBhvr>
-                                        <p:cTn id="57" dur="500"/>
+                                        <p:cTn id="56" dur="500"/>
                                         <p:tgtEl>
                                           <p:spTgt spid="172"/>
                                         </p:tgtEl>
@@ -21792,14 +17023,14 @@
                                 </p:cTn>
                               </p:par>
                               <p:par>
-                                <p:cTn id="58" presetID="10" presetClass="entr" presetSubtype="0" fill="hold" nodeType="withEffect">
+                                <p:cTn id="57" presetID="10" presetClass="entr" presetSubtype="0" fill="hold" nodeType="withEffect">
                                   <p:stCondLst>
                                     <p:cond delay="0"/>
                                   </p:stCondLst>
                                   <p:childTnLst>
                                     <p:set>
                                       <p:cBhvr>
-                                        <p:cTn id="59" dur="1" fill="hold">
+                                        <p:cTn id="58" dur="1" fill="hold">
                                           <p:stCondLst>
                                             <p:cond delay="0"/>
                                           </p:stCondLst>
@@ -21817,7 +17048,7 @@
                                     </p:set>
                                     <p:animEffect transition="in" filter="fade">
                                       <p:cBhvr>
-                                        <p:cTn id="60" dur="500"/>
+                                        <p:cTn id="59" dur="500"/>
                                         <p:tgtEl>
                                           <p:spTgt spid="137"/>
                                         </p:tgtEl>
@@ -21830,20 +17061,20 @@
                           </p:cTn>
                         </p:par>
                         <p:par>
-                          <p:cTn id="61" fill="hold">
+                          <p:cTn id="60" fill="hold">
                             <p:stCondLst>
-                              <p:cond delay="1500"/>
+                              <p:cond delay="2500"/>
                             </p:stCondLst>
                             <p:childTnLst>
                               <p:par>
-                                <p:cTn id="62" presetID="10" presetClass="entr" presetSubtype="0" fill="hold" nodeType="afterEffect">
+                                <p:cTn id="61" presetID="10" presetClass="entr" presetSubtype="0" fill="hold" nodeType="afterEffect">
                                   <p:stCondLst>
                                     <p:cond delay="0"/>
                                   </p:stCondLst>
                                   <p:childTnLst>
                                     <p:set>
                                       <p:cBhvr>
-                                        <p:cTn id="63" dur="1" fill="hold">
+                                        <p:cTn id="62" dur="1" fill="hold">
                                           <p:stCondLst>
                                             <p:cond delay="0"/>
                                           </p:stCondLst>
@@ -21861,7 +17092,7 @@
                                     </p:set>
                                     <p:animEffect transition="in" filter="fade">
                                       <p:cBhvr>
-                                        <p:cTn id="64" dur="500"/>
+                                        <p:cTn id="63" dur="500"/>
                                         <p:tgtEl>
                                           <p:spTgt spid="6153"/>
                                         </p:tgtEl>
@@ -21871,14 +17102,14 @@
                                 </p:cTn>
                               </p:par>
                               <p:par>
-                                <p:cTn id="65" presetID="10" presetClass="entr" presetSubtype="0" fill="hold" grpId="0" nodeType="withEffect">
+                                <p:cTn id="64" presetID="10" presetClass="entr" presetSubtype="0" fill="hold" grpId="0" nodeType="withEffect">
                                   <p:stCondLst>
                                     <p:cond delay="0"/>
                                   </p:stCondLst>
                                   <p:childTnLst>
                                     <p:set>
                                       <p:cBhvr>
-                                        <p:cTn id="66" dur="1" fill="hold">
+                                        <p:cTn id="65" dur="1" fill="hold">
                                           <p:stCondLst>
                                             <p:cond delay="0"/>
                                           </p:stCondLst>
@@ -21896,7 +17127,7 @@
                                     </p:set>
                                     <p:animEffect transition="in" filter="fade">
                                       <p:cBhvr>
-                                        <p:cTn id="67" dur="500"/>
+                                        <p:cTn id="66" dur="500"/>
                                         <p:tgtEl>
                                           <p:spTgt spid="177"/>
                                         </p:tgtEl>
@@ -21909,20 +17140,20 @@
                           </p:cTn>
                         </p:par>
                         <p:par>
-                          <p:cTn id="68" fill="hold">
+                          <p:cTn id="67" fill="hold">
                             <p:stCondLst>
-                              <p:cond delay="2000"/>
+                              <p:cond delay="3000"/>
                             </p:stCondLst>
                             <p:childTnLst>
                               <p:par>
-                                <p:cTn id="69" presetID="10" presetClass="entr" presetSubtype="0" fill="hold" nodeType="afterEffect">
+                                <p:cTn id="68" presetID="10" presetClass="entr" presetSubtype="0" fill="hold" nodeType="afterEffect">
                                   <p:stCondLst>
                                     <p:cond delay="0"/>
                                   </p:stCondLst>
                                   <p:childTnLst>
                                     <p:set>
                                       <p:cBhvr>
-                                        <p:cTn id="70" dur="1" fill="hold">
+                                        <p:cTn id="69" dur="1" fill="hold">
                                           <p:stCondLst>
                                             <p:cond delay="0"/>
                                           </p:stCondLst>
@@ -21940,7 +17171,7 @@
                                     </p:set>
                                     <p:animEffect transition="in" filter="fade">
                                       <p:cBhvr>
-                                        <p:cTn id="71" dur="500"/>
+                                        <p:cTn id="70" dur="500"/>
                                         <p:tgtEl>
                                           <p:spTgt spid="140"/>
                                         </p:tgtEl>
@@ -21950,14 +17181,14 @@
                                 </p:cTn>
                               </p:par>
                               <p:par>
-                                <p:cTn id="72" presetID="10" presetClass="entr" presetSubtype="0" fill="hold" grpId="0" nodeType="withEffect">
+                                <p:cTn id="71" presetID="10" presetClass="entr" presetSubtype="0" fill="hold" grpId="0" nodeType="withEffect">
                                   <p:stCondLst>
                                     <p:cond delay="0"/>
                                   </p:stCondLst>
                                   <p:childTnLst>
                                     <p:set>
                                       <p:cBhvr>
-                                        <p:cTn id="73" dur="1" fill="hold">
+                                        <p:cTn id="72" dur="1" fill="hold">
                                           <p:stCondLst>
                                             <p:cond delay="0"/>
                                           </p:stCondLst>
@@ -21975,7 +17206,7 @@
                                     </p:set>
                                     <p:animEffect transition="in" filter="fade">
                                       <p:cBhvr>
-                                        <p:cTn id="74" dur="500"/>
+                                        <p:cTn id="73" dur="500"/>
                                         <p:tgtEl>
                                           <p:spTgt spid="174"/>
                                         </p:tgtEl>
@@ -21988,20 +17219,20 @@
                           </p:cTn>
                         </p:par>
                         <p:par>
-                          <p:cTn id="75" fill="hold">
+                          <p:cTn id="74" fill="hold">
                             <p:stCondLst>
-                              <p:cond delay="2500"/>
+                              <p:cond delay="3500"/>
                             </p:stCondLst>
                             <p:childTnLst>
                               <p:par>
-                                <p:cTn id="76" presetID="10" presetClass="entr" presetSubtype="0" fill="hold" nodeType="afterEffect">
+                                <p:cTn id="75" presetID="10" presetClass="entr" presetSubtype="0" fill="hold" nodeType="afterEffect">
                                   <p:stCondLst>
                                     <p:cond delay="0"/>
                                   </p:stCondLst>
                                   <p:childTnLst>
                                     <p:set>
                                       <p:cBhvr>
-                                        <p:cTn id="77" dur="1" fill="hold">
+                                        <p:cTn id="76" dur="1" fill="hold">
                                           <p:stCondLst>
                                             <p:cond delay="0"/>
                                           </p:stCondLst>
@@ -22019,7 +17250,7 @@
                                     </p:set>
                                     <p:animEffect transition="in" filter="fade">
                                       <p:cBhvr>
-                                        <p:cTn id="78" dur="500"/>
+                                        <p:cTn id="77" dur="500"/>
                                         <p:tgtEl>
                                           <p:spTgt spid="131"/>
                                         </p:tgtEl>
@@ -22029,14 +17260,14 @@
                                 </p:cTn>
                               </p:par>
                               <p:par>
-                                <p:cTn id="79" presetID="10" presetClass="entr" presetSubtype="0" fill="hold" grpId="0" nodeType="withEffect">
+                                <p:cTn id="78" presetID="10" presetClass="entr" presetSubtype="0" fill="hold" grpId="0" nodeType="withEffect">
                                   <p:stCondLst>
                                     <p:cond delay="0"/>
                                   </p:stCondLst>
                                   <p:childTnLst>
                                     <p:set>
                                       <p:cBhvr>
-                                        <p:cTn id="80" dur="1" fill="hold">
+                                        <p:cTn id="79" dur="1" fill="hold">
                                           <p:stCondLst>
                                             <p:cond delay="0"/>
                                           </p:stCondLst>
@@ -22054,7 +17285,7 @@
                                     </p:set>
                                     <p:animEffect transition="in" filter="fade">
                                       <p:cBhvr>
-                                        <p:cTn id="81" dur="500"/>
+                                        <p:cTn id="80" dur="500"/>
                                         <p:tgtEl>
                                           <p:spTgt spid="170"/>
                                         </p:tgtEl>
@@ -22067,20 +17298,20 @@
                           </p:cTn>
                         </p:par>
                         <p:par>
-                          <p:cTn id="82" fill="hold">
+                          <p:cTn id="81" fill="hold">
                             <p:stCondLst>
-                              <p:cond delay="3000"/>
+                              <p:cond delay="4000"/>
                             </p:stCondLst>
                             <p:childTnLst>
                               <p:par>
-                                <p:cTn id="83" presetID="10" presetClass="entr" presetSubtype="0" fill="hold" nodeType="afterEffect">
+                                <p:cTn id="82" presetID="10" presetClass="entr" presetSubtype="0" fill="hold" nodeType="afterEffect">
                                   <p:stCondLst>
                                     <p:cond delay="0"/>
                                   </p:stCondLst>
                                   <p:childTnLst>
                                     <p:set>
                                       <p:cBhvr>
-                                        <p:cTn id="84" dur="1" fill="hold">
+                                        <p:cTn id="83" dur="1" fill="hold">
                                           <p:stCondLst>
                                             <p:cond delay="0"/>
                                           </p:stCondLst>
@@ -22098,7 +17329,7 @@
                                     </p:set>
                                     <p:animEffect transition="in" filter="fade">
                                       <p:cBhvr>
-                                        <p:cTn id="85" dur="500"/>
+                                        <p:cTn id="84" dur="500"/>
                                         <p:tgtEl>
                                           <p:spTgt spid="85"/>
                                         </p:tgtEl>
@@ -22108,14 +17339,14 @@
                                 </p:cTn>
                               </p:par>
                               <p:par>
-                                <p:cTn id="86" presetID="10" presetClass="entr" presetSubtype="0" fill="hold" grpId="0" nodeType="withEffect">
+                                <p:cTn id="85" presetID="10" presetClass="entr" presetSubtype="0" fill="hold" grpId="0" nodeType="withEffect">
                                   <p:stCondLst>
                                     <p:cond delay="0"/>
                                   </p:stCondLst>
                                   <p:childTnLst>
                                     <p:set>
                                       <p:cBhvr>
-                                        <p:cTn id="87" dur="1" fill="hold">
+                                        <p:cTn id="86" dur="1" fill="hold">
                                           <p:stCondLst>
                                             <p:cond delay="0"/>
                                           </p:stCondLst>
@@ -22133,7 +17364,7 @@
                                     </p:set>
                                     <p:animEffect transition="in" filter="fade">
                                       <p:cBhvr>
-                                        <p:cTn id="88" dur="500"/>
+                                        <p:cTn id="87" dur="500"/>
                                         <p:tgtEl>
                                           <p:spTgt spid="202"/>
                                         </p:tgtEl>
@@ -22143,14 +17374,14 @@
                                 </p:cTn>
                               </p:par>
                               <p:par>
-                                <p:cTn id="89" presetID="10" presetClass="entr" presetSubtype="0" fill="hold" nodeType="withEffect">
+                                <p:cTn id="88" presetID="10" presetClass="entr" presetSubtype="0" fill="hold" nodeType="withEffect">
                                   <p:stCondLst>
                                     <p:cond delay="0"/>
                                   </p:stCondLst>
                                   <p:childTnLst>
                                     <p:set>
                                       <p:cBhvr>
-                                        <p:cTn id="90" dur="1" fill="hold">
+                                        <p:cTn id="89" dur="1" fill="hold">
                                           <p:stCondLst>
                                             <p:cond delay="0"/>
                                           </p:stCondLst>
@@ -22168,7 +17399,7 @@
                                     </p:set>
                                     <p:animEffect transition="in" filter="fade">
                                       <p:cBhvr>
-                                        <p:cTn id="91" dur="500"/>
+                                        <p:cTn id="90" dur="500"/>
                                         <p:tgtEl>
                                           <p:spTgt spid="6152"/>
                                         </p:tgtEl>

--- a/kpi/Automation Testing/Automation Testing_20200320.pptx
+++ b/kpi/Automation Testing/Automation Testing_20200320.pptx
@@ -151,7 +151,7 @@
   </p:defaultTextStyle>
   <p:extLst>
     <p:ext uri="{EFAFB233-063F-42B5-8137-9DF3F51BA10A}">
-      <p15:sldGuideLst xmlns:p15="http://schemas.microsoft.com/office/powerpoint/2012/main" xmlns="">
+      <p15:sldGuideLst xmlns="" xmlns:p15="http://schemas.microsoft.com/office/powerpoint/2012/main">
         <p15:guide id="1" orient="horz" pos="1620">
           <p15:clr>
             <a:srgbClr val="A4A3A4"/>
@@ -165,7 +165,7 @@
       </p15:sldGuideLst>
     </p:ext>
     <p:ext uri="{2D200454-40CA-4A62-9FC3-DE9A4176ACB9}">
-      <p15:notesGuideLst xmlns:p15="http://schemas.microsoft.com/office/powerpoint/2012/main" xmlns="">
+      <p15:notesGuideLst xmlns="" xmlns:p15="http://schemas.microsoft.com/office/powerpoint/2012/main">
         <p15:guide id="1" orient="horz" pos="3223">
           <p15:clr>
             <a:srgbClr val="A4A3A4"/>
@@ -9200,19 +9200,8 @@
                 <a:latin typeface="Times New Roman" panose="02020603050405020304" pitchFamily="18" charset="0"/>
                 <a:cs typeface="Times New Roman" panose="02020603050405020304" pitchFamily="18" charset="0"/>
               </a:rPr>
-              <a:t>Benefits of Automation </a:t>
-            </a:r>
-            <a:r>
-              <a:rPr lang="en-US" altLang="zh-TW" sz="2400" dirty="0">
-                <a:latin typeface="Times New Roman" panose="02020603050405020304" pitchFamily="18" charset="0"/>
-                <a:cs typeface="Times New Roman" panose="02020603050405020304" pitchFamily="18" charset="0"/>
-              </a:rPr>
-              <a:t>Testing</a:t>
-            </a:r>
-            <a:endParaRPr lang="en-US" altLang="zh-TW" sz="2400" dirty="0">
-              <a:latin typeface="Times New Roman" panose="02020603050405020304" pitchFamily="18" charset="0"/>
-              <a:cs typeface="Times New Roman" panose="02020603050405020304" pitchFamily="18" charset="0"/>
-            </a:endParaRPr>
+              <a:t>Benefits of Automation Testing</a:t>
+            </a:r>
           </a:p>
           <a:p>
             <a:pPr eaLnBrk="1" hangingPunct="1">
@@ -9836,11 +9825,7 @@
           <a:p>
             <a:r>
               <a:rPr lang="en-US" altLang="zh-TW" dirty="0"/>
-              <a:t>Automation </a:t>
-            </a:r>
-            <a:r>
-              <a:rPr lang="en-US" altLang="zh-TW" dirty="0"/>
-              <a:t>Testing Tools</a:t>
+              <a:t>Automation Testing Tools</a:t>
             </a:r>
           </a:p>
         </p:txBody>
@@ -9904,10 +9889,6 @@
               </a:rPr>
               <a:t>Testing</a:t>
             </a:r>
-            <a:endParaRPr lang="en-US" altLang="zh-TW" dirty="0" smtClean="0">
-              <a:latin typeface="Times New Roman" panose="02020603050405020304" pitchFamily="18" charset="0"/>
-              <a:cs typeface="Times New Roman" panose="02020603050405020304" pitchFamily="18" charset="0"/>
-            </a:endParaRPr>
           </a:p>
         </p:txBody>
       </p:sp>
@@ -14515,14 +14496,7 @@
                 <a:latin typeface="Times New Roman" panose="02020603050405020304" pitchFamily="18" charset="0"/>
                 <a:cs typeface="Times New Roman" panose="02020603050405020304" pitchFamily="18" charset="0"/>
               </a:rPr>
-              <a:t>漫遊程式產生的紀錄檔如下</a:t>
-            </a:r>
-            <a:r>
-              <a:rPr lang="zh-TW" altLang="en-US" sz="2000" dirty="0" smtClean="0">
-                <a:latin typeface="Times New Roman" panose="02020603050405020304" pitchFamily="18" charset="0"/>
-                <a:cs typeface="Times New Roman" panose="02020603050405020304" pitchFamily="18" charset="0"/>
-              </a:rPr>
-              <a:t>：</a:t>
+              <a:t>漫遊程式產生的紀錄檔如下：</a:t>
             </a:r>
             <a:endParaRPr lang="en-US" altLang="zh-TW" sz="2000" dirty="0" smtClean="0">
               <a:latin typeface="Times New Roman" panose="02020603050405020304" pitchFamily="18" charset="0"/>
@@ -14848,11 +14822,11 @@
   <p:clrMapOvr>
     <a:masterClrMapping/>
   </p:clrMapOvr>
-  <mc:AlternateContent xmlns:mc="http://schemas.openxmlformats.org/markup-compatibility/2006">
-    <mc:Choice xmlns:p14="http://schemas.microsoft.com/office/powerpoint/2010/main" Requires="p14">
+  <mc:AlternateContent xmlns:mc="http://schemas.openxmlformats.org/markup-compatibility/2006" xmlns:p14="http://schemas.microsoft.com/office/powerpoint/2010/main">
+    <mc:Choice Requires="p14">
       <p:transition p14:dur="10" advClick="0"/>
     </mc:Choice>
-    <mc:Fallback>
+    <mc:Fallback xmlns="">
       <p:transition advClick="0"/>
     </mc:Fallback>
   </mc:AlternateContent>
@@ -14909,18 +14883,11 @@
               <a:defRPr/>
             </a:pPr>
             <a:r>
-              <a:rPr lang="zh-TW" altLang="en-US" sz="2000" dirty="0">
+              <a:rPr lang="zh-TW" altLang="en-US" sz="2000" smtClean="0">
                 <a:latin typeface="Times New Roman" panose="02020603050405020304" pitchFamily="18" charset="0"/>
                 <a:cs typeface="Times New Roman" panose="02020603050405020304" pitchFamily="18" charset="0"/>
               </a:rPr>
-              <a:t>程式</a:t>
-            </a:r>
-            <a:r>
-              <a:rPr lang="zh-TW" altLang="en-US" sz="2000" dirty="0" smtClean="0">
-                <a:latin typeface="Times New Roman" panose="02020603050405020304" pitchFamily="18" charset="0"/>
-                <a:cs typeface="Times New Roman" panose="02020603050405020304" pitchFamily="18" charset="0"/>
-              </a:rPr>
-              <a:t>改善</a:t>
+              <a:t>執行效益</a:t>
             </a:r>
             <a:endParaRPr lang="en-US" altLang="zh-TW" sz="2000" dirty="0">
               <a:latin typeface="Times New Roman" panose="02020603050405020304" pitchFamily="18" charset="0"/>
